--- a/Food Image Recognition - Project Planning.pptx
+++ b/Food Image Recognition - Project Planning.pptx
@@ -1,49 +1,26 @@
 
 <file path=ppt/presentation.xml><?xml version="1.0" encoding="utf-8"?>
-<p:presentation xmlns:a="http://schemas.openxmlformats.org/drawingml/2006/main" xmlns:r="http://schemas.openxmlformats.org/officeDocument/2006/relationships" xmlns:mc="http://schemas.openxmlformats.org/markup-compatibility/2006" xmlns:mv="urn:schemas-microsoft-com:mac:vml" xmlns:p="http://schemas.openxmlformats.org/presentationml/2006/main" xmlns:c="http://schemas.openxmlformats.org/drawingml/2006/chart" xmlns:dgm="http://schemas.openxmlformats.org/drawingml/2006/diagram" xmlns:o="urn:schemas-microsoft-com:office:office" xmlns:v="urn:schemas-microsoft-com:vml" xmlns:pvml="urn:schemas-microsoft-com:office:powerpoint" xmlns:com="http://schemas.openxmlformats.org/drawingml/2006/compatibility" xmlns:p14="http://schemas.microsoft.com/office/powerpoint/2010/main" xmlns:p15="http://schemas.microsoft.com/office/powerpoint/2012/main" autoCompressPictures="0" embedTrueTypeFonts="1" strictFirstAndLastChars="0" saveSubsetFonts="1">
+<p:presentation xmlns:a="http://schemas.openxmlformats.org/drawingml/2006/main" xmlns:r="http://schemas.openxmlformats.org/officeDocument/2006/relationships" xmlns:p="http://schemas.openxmlformats.org/presentationml/2006/main" strictFirstAndLastChars="0" saveSubsetFonts="1" autoCompressPictures="0">
   <p:sldMasterIdLst>
-    <p:sldMasterId id="2147483659" r:id="rId3"/>
+    <p:sldMasterId id="2147483659" r:id="rId1"/>
   </p:sldMasterIdLst>
   <p:notesMasterIdLst>
-    <p:notesMasterId r:id="rId4"/>
+    <p:notesMasterId r:id="rId10"/>
   </p:notesMasterIdLst>
   <p:sldIdLst>
-    <p:sldId id="256" r:id="rId5"/>
-    <p:sldId id="257" r:id="rId6"/>
-    <p:sldId id="258" r:id="rId7"/>
-    <p:sldId id="259" r:id="rId8"/>
-    <p:sldId id="260" r:id="rId9"/>
-    <p:sldId id="261" r:id="rId10"/>
-    <p:sldId id="262" r:id="rId11"/>
-    <p:sldId id="263" r:id="rId12"/>
+    <p:sldId id="256" r:id="rId2"/>
+    <p:sldId id="257" r:id="rId3"/>
+    <p:sldId id="258" r:id="rId4"/>
+    <p:sldId id="259" r:id="rId5"/>
+    <p:sldId id="260" r:id="rId6"/>
+    <p:sldId id="261" r:id="rId7"/>
+    <p:sldId id="262" r:id="rId8"/>
+    <p:sldId id="263" r:id="rId9"/>
   </p:sldIdLst>
-  <p:sldSz cy="5143500" cx="9144000"/>
+  <p:sldSz cx="9144000" cy="5143500" type="screen16x9"/>
   <p:notesSz cx="6858000" cy="9144000"/>
-  <p:embeddedFontLst>
-    <p:embeddedFont>
-      <p:font typeface="Roboto"/>
-      <p:regular r:id="rId13"/>
-      <p:bold r:id="rId14"/>
-      <p:italic r:id="rId15"/>
-      <p:boldItalic r:id="rId16"/>
-    </p:embeddedFont>
-    <p:embeddedFont>
-      <p:font typeface="Montserrat"/>
-      <p:regular r:id="rId17"/>
-      <p:bold r:id="rId18"/>
-      <p:italic r:id="rId19"/>
-      <p:boldItalic r:id="rId20"/>
-    </p:embeddedFont>
-    <p:embeddedFont>
-      <p:font typeface="Lato"/>
-      <p:regular r:id="rId21"/>
-      <p:bold r:id="rId22"/>
-      <p:italic r:id="rId23"/>
-      <p:boldItalic r:id="rId24"/>
-    </p:embeddedFont>
-  </p:embeddedFontLst>
   <p:defaultTextStyle>
-    <a:defPPr lvl="0" marR="0" rtl="0" algn="l">
+    <a:defPPr marR="0" lvl="0" algn="l" rtl="0">
       <a:lnSpc>
         <a:spcPct val="100000"/>
       </a:lnSpc>
@@ -54,7 +31,7 @@
         <a:spcPts val="0"/>
       </a:spcAft>
     </a:defPPr>
-    <a:lvl1pPr lvl="0" marR="0" rtl="0" algn="l">
+    <a:lvl1pPr marR="0" lvl="0" algn="l" rtl="0">
       <a:lnSpc>
         <a:spcPct val="100000"/>
       </a:lnSpc>
@@ -65,7 +42,7 @@
         <a:spcPts val="0"/>
       </a:spcAft>
       <a:buNone/>
-      <a:defRPr b="0" i="0" sz="1400" u="none" cap="none" strike="noStrike">
+      <a:defRPr sz="1400" b="0" i="0" u="none" strike="noStrike" cap="none">
         <a:solidFill>
           <a:srgbClr val="000000"/>
         </a:solidFill>
@@ -75,7 +52,7 @@
         <a:sym typeface="Arial"/>
       </a:defRPr>
     </a:lvl1pPr>
-    <a:lvl2pPr lvl="1" marR="0" rtl="0" algn="l">
+    <a:lvl2pPr marR="0" lvl="1" algn="l" rtl="0">
       <a:lnSpc>
         <a:spcPct val="100000"/>
       </a:lnSpc>
@@ -86,7 +63,7 @@
         <a:spcPts val="0"/>
       </a:spcAft>
       <a:buNone/>
-      <a:defRPr b="0" i="0" sz="1400" u="none" cap="none" strike="noStrike">
+      <a:defRPr sz="1400" b="0" i="0" u="none" strike="noStrike" cap="none">
         <a:solidFill>
           <a:srgbClr val="000000"/>
         </a:solidFill>
@@ -96,7 +73,7 @@
         <a:sym typeface="Arial"/>
       </a:defRPr>
     </a:lvl2pPr>
-    <a:lvl3pPr lvl="2" marR="0" rtl="0" algn="l">
+    <a:lvl3pPr marR="0" lvl="2" algn="l" rtl="0">
       <a:lnSpc>
         <a:spcPct val="100000"/>
       </a:lnSpc>
@@ -107,7 +84,7 @@
         <a:spcPts val="0"/>
       </a:spcAft>
       <a:buNone/>
-      <a:defRPr b="0" i="0" sz="1400" u="none" cap="none" strike="noStrike">
+      <a:defRPr sz="1400" b="0" i="0" u="none" strike="noStrike" cap="none">
         <a:solidFill>
           <a:srgbClr val="000000"/>
         </a:solidFill>
@@ -117,7 +94,7 @@
         <a:sym typeface="Arial"/>
       </a:defRPr>
     </a:lvl3pPr>
-    <a:lvl4pPr lvl="3" marR="0" rtl="0" algn="l">
+    <a:lvl4pPr marR="0" lvl="3" algn="l" rtl="0">
       <a:lnSpc>
         <a:spcPct val="100000"/>
       </a:lnSpc>
@@ -128,7 +105,7 @@
         <a:spcPts val="0"/>
       </a:spcAft>
       <a:buNone/>
-      <a:defRPr b="0" i="0" sz="1400" u="none" cap="none" strike="noStrike">
+      <a:defRPr sz="1400" b="0" i="0" u="none" strike="noStrike" cap="none">
         <a:solidFill>
           <a:srgbClr val="000000"/>
         </a:solidFill>
@@ -138,7 +115,7 @@
         <a:sym typeface="Arial"/>
       </a:defRPr>
     </a:lvl4pPr>
-    <a:lvl5pPr lvl="4" marR="0" rtl="0" algn="l">
+    <a:lvl5pPr marR="0" lvl="4" algn="l" rtl="0">
       <a:lnSpc>
         <a:spcPct val="100000"/>
       </a:lnSpc>
@@ -149,7 +126,7 @@
         <a:spcPts val="0"/>
       </a:spcAft>
       <a:buNone/>
-      <a:defRPr b="0" i="0" sz="1400" u="none" cap="none" strike="noStrike">
+      <a:defRPr sz="1400" b="0" i="0" u="none" strike="noStrike" cap="none">
         <a:solidFill>
           <a:srgbClr val="000000"/>
         </a:solidFill>
@@ -159,7 +136,7 @@
         <a:sym typeface="Arial"/>
       </a:defRPr>
     </a:lvl5pPr>
-    <a:lvl6pPr lvl="5" marR="0" rtl="0" algn="l">
+    <a:lvl6pPr marR="0" lvl="5" algn="l" rtl="0">
       <a:lnSpc>
         <a:spcPct val="100000"/>
       </a:lnSpc>
@@ -170,7 +147,7 @@
         <a:spcPts val="0"/>
       </a:spcAft>
       <a:buNone/>
-      <a:defRPr b="0" i="0" sz="1400" u="none" cap="none" strike="noStrike">
+      <a:defRPr sz="1400" b="0" i="0" u="none" strike="noStrike" cap="none">
         <a:solidFill>
           <a:srgbClr val="000000"/>
         </a:solidFill>
@@ -180,7 +157,7 @@
         <a:sym typeface="Arial"/>
       </a:defRPr>
     </a:lvl6pPr>
-    <a:lvl7pPr lvl="6" marR="0" rtl="0" algn="l">
+    <a:lvl7pPr marR="0" lvl="6" algn="l" rtl="0">
       <a:lnSpc>
         <a:spcPct val="100000"/>
       </a:lnSpc>
@@ -191,7 +168,7 @@
         <a:spcPts val="0"/>
       </a:spcAft>
       <a:buNone/>
-      <a:defRPr b="0" i="0" sz="1400" u="none" cap="none" strike="noStrike">
+      <a:defRPr sz="1400" b="0" i="0" u="none" strike="noStrike" cap="none">
         <a:solidFill>
           <a:srgbClr val="000000"/>
         </a:solidFill>
@@ -201,7 +178,7 @@
         <a:sym typeface="Arial"/>
       </a:defRPr>
     </a:lvl7pPr>
-    <a:lvl8pPr lvl="7" marR="0" rtl="0" algn="l">
+    <a:lvl8pPr marR="0" lvl="7" algn="l" rtl="0">
       <a:lnSpc>
         <a:spcPct val="100000"/>
       </a:lnSpc>
@@ -212,7 +189,7 @@
         <a:spcPts val="0"/>
       </a:spcAft>
       <a:buNone/>
-      <a:defRPr b="0" i="0" sz="1400" u="none" cap="none" strike="noStrike">
+      <a:defRPr sz="1400" b="0" i="0" u="none" strike="noStrike" cap="none">
         <a:solidFill>
           <a:srgbClr val="000000"/>
         </a:solidFill>
@@ -222,7 +199,7 @@
         <a:sym typeface="Arial"/>
       </a:defRPr>
     </a:lvl8pPr>
-    <a:lvl9pPr lvl="8" marR="0" rtl="0" algn="l">
+    <a:lvl9pPr marR="0" lvl="8" algn="l" rtl="0">
       <a:lnSpc>
         <a:spcPct val="100000"/>
       </a:lnSpc>
@@ -233,7 +210,7 @@
         <a:spcPts val="0"/>
       </a:spcAft>
       <a:buNone/>
-      <a:defRPr b="0" i="0" sz="1400" u="none" cap="none" strike="noStrike">
+      <a:defRPr sz="1400" b="0" i="0" u="none" strike="noStrike" cap="none">
         <a:solidFill>
           <a:srgbClr val="000000"/>
         </a:solidFill>
@@ -248,11 +225,16 @@
 </file>
 
 <file path=ppt/notesMasters/notesMaster1.xml><?xml version="1.0" encoding="utf-8"?>
-<p:notesMaster xmlns:a="http://schemas.openxmlformats.org/drawingml/2006/main" xmlns:r="http://schemas.openxmlformats.org/officeDocument/2006/relationships" xmlns:mc="http://schemas.openxmlformats.org/markup-compatibility/2006" xmlns:mv="urn:schemas-microsoft-com:mac:vml" xmlns:p="http://schemas.openxmlformats.org/presentationml/2006/main" xmlns:c="http://schemas.openxmlformats.org/drawingml/2006/chart" xmlns:dgm="http://schemas.openxmlformats.org/drawingml/2006/diagram" xmlns:o="urn:schemas-microsoft-com:office:office" xmlns:v="urn:schemas-microsoft-com:vml" xmlns:pvml="urn:schemas-microsoft-com:office:powerpoint" xmlns:com="http://schemas.openxmlformats.org/drawingml/2006/compatibility" xmlns:p14="http://schemas.microsoft.com/office/powerpoint/2010/main" xmlns:p15="http://schemas.microsoft.com/office/powerpoint/2012/main">
+<p:notesMaster xmlns:a="http://schemas.openxmlformats.org/drawingml/2006/main" xmlns:r="http://schemas.openxmlformats.org/officeDocument/2006/relationships" xmlns:p="http://schemas.openxmlformats.org/presentationml/2006/main">
   <p:cSld>
+    <p:bg>
+      <p:bgRef idx="1001">
+        <a:schemeClr val="bg1"/>
+      </p:bgRef>
+    </p:bg>
     <p:spTree>
       <p:nvGrpSpPr>
-        <p:cNvPr id="2" name="Shape 2"/>
+        <p:cNvPr id="1" name="Shape 2"/>
         <p:cNvGrpSpPr/>
         <p:nvPr/>
       </p:nvGrpSpPr>
@@ -267,9 +249,11 @@
       <p:sp>
         <p:nvSpPr>
           <p:cNvPr id="3" name="Shape 3"/>
-          <p:cNvSpPr/>
+          <p:cNvSpPr>
+            <a:spLocks noGrp="1" noRot="1" noChangeAspect="1"/>
+          </p:cNvSpPr>
           <p:nvPr>
-            <p:ph idx="2" type="sldImg"/>
+            <p:ph type="sldImg" idx="2"/>
           </p:nvPr>
         </p:nvSpPr>
         <p:spPr>
@@ -278,8 +262,13 @@
             <a:ext cx="6096075" cy="3429000"/>
           </a:xfrm>
           <a:custGeom>
+            <a:avLst/>
+            <a:gdLst/>
+            <a:ahLst/>
+            <a:cxnLst/>
+            <a:rect l="0" t="0" r="0" b="0"/>
             <a:pathLst>
-              <a:path extrusionOk="0" h="120000" w="120000">
+              <a:path w="120000" h="120000" extrusionOk="0">
                 <a:moveTo>
                   <a:pt x="0" y="0"/>
                 </a:moveTo>
@@ -297,23 +286,25 @@
             </a:pathLst>
           </a:custGeom>
           <a:noFill/>
-          <a:ln cap="flat" cmpd="sng" w="9525">
+          <a:ln w="9525" cap="flat" cmpd="sng">
             <a:solidFill>
               <a:srgbClr val="000000"/>
             </a:solidFill>
             <a:prstDash val="solid"/>
             <a:round/>
-            <a:headEnd len="med" w="med" type="none"/>
-            <a:tailEnd len="med" w="med" type="none"/>
+            <a:headEnd type="none" w="med" len="med"/>
+            <a:tailEnd type="none" w="med" len="med"/>
           </a:ln>
         </p:spPr>
       </p:sp>
       <p:sp>
         <p:nvSpPr>
           <p:cNvPr id="4" name="Shape 4"/>
-          <p:cNvSpPr txBox="1"/>
+          <p:cNvSpPr txBox="1">
+            <a:spLocks noGrp="1"/>
+          </p:cNvSpPr>
           <p:nvPr>
-            <p:ph idx="1" type="body"/>
+            <p:ph type="body" idx="1"/>
           </p:nvPr>
         </p:nvSpPr>
         <p:spPr>
@@ -330,7 +321,7 @@
           </a:ln>
         </p:spPr>
         <p:txBody>
-          <a:bodyPr anchorCtr="0" anchor="t" bIns="91425" lIns="91425" rIns="91425" wrap="square" tIns="91425"/>
+          <a:bodyPr wrap="square" lIns="91425" tIns="91425" rIns="91425" bIns="91425" anchor="t" anchorCtr="0"/>
           <a:lstStyle>
             <a:lvl1pPr lvl="0">
               <a:spcBef>
@@ -405,21 +396,115 @@
               <a:defRPr sz="1100"/>
             </a:lvl9pPr>
           </a:lstStyle>
-          <a:p/>
+          <a:p>
+            <a:endParaRPr/>
+          </a:p>
         </p:txBody>
       </p:sp>
     </p:spTree>
   </p:cSld>
-  <p:clrMap accent1="accent1" accent2="accent2" accent3="accent3" accent4="accent4" accent5="accent5" accent6="accent6" bg1="lt1" bg2="dk2" tx1="dk1" tx2="lt2" folHlink="folHlink" hlink="hlink"/>
+  <p:clrMap bg1="lt1" tx1="dk1" bg2="dk2" tx2="lt2" accent1="accent1" accent2="accent2" accent3="accent3" accent4="accent4" accent5="accent5" accent6="accent6" hlink="hlink" folHlink="folHlink"/>
+  <p:notesStyle>
+    <a:lvl1pPr marL="0" algn="l" defTabSz="914400" rtl="0" eaLnBrk="1" latinLnBrk="0" hangingPunct="1">
+      <a:defRPr sz="1200" kern="1200">
+        <a:solidFill>
+          <a:schemeClr val="tx1"/>
+        </a:solidFill>
+        <a:latin typeface="+mn-lt"/>
+        <a:ea typeface="+mn-ea"/>
+        <a:cs typeface="+mn-cs"/>
+      </a:defRPr>
+    </a:lvl1pPr>
+    <a:lvl2pPr marL="457200" algn="l" defTabSz="914400" rtl="0" eaLnBrk="1" latinLnBrk="0" hangingPunct="1">
+      <a:defRPr sz="1200" kern="1200">
+        <a:solidFill>
+          <a:schemeClr val="tx1"/>
+        </a:solidFill>
+        <a:latin typeface="+mn-lt"/>
+        <a:ea typeface="+mn-ea"/>
+        <a:cs typeface="+mn-cs"/>
+      </a:defRPr>
+    </a:lvl2pPr>
+    <a:lvl3pPr marL="914400" algn="l" defTabSz="914400" rtl="0" eaLnBrk="1" latinLnBrk="0" hangingPunct="1">
+      <a:defRPr sz="1200" kern="1200">
+        <a:solidFill>
+          <a:schemeClr val="tx1"/>
+        </a:solidFill>
+        <a:latin typeface="+mn-lt"/>
+        <a:ea typeface="+mn-ea"/>
+        <a:cs typeface="+mn-cs"/>
+      </a:defRPr>
+    </a:lvl3pPr>
+    <a:lvl4pPr marL="1371600" algn="l" defTabSz="914400" rtl="0" eaLnBrk="1" latinLnBrk="0" hangingPunct="1">
+      <a:defRPr sz="1200" kern="1200">
+        <a:solidFill>
+          <a:schemeClr val="tx1"/>
+        </a:solidFill>
+        <a:latin typeface="+mn-lt"/>
+        <a:ea typeface="+mn-ea"/>
+        <a:cs typeface="+mn-cs"/>
+      </a:defRPr>
+    </a:lvl4pPr>
+    <a:lvl5pPr marL="1828800" algn="l" defTabSz="914400" rtl="0" eaLnBrk="1" latinLnBrk="0" hangingPunct="1">
+      <a:defRPr sz="1200" kern="1200">
+        <a:solidFill>
+          <a:schemeClr val="tx1"/>
+        </a:solidFill>
+        <a:latin typeface="+mn-lt"/>
+        <a:ea typeface="+mn-ea"/>
+        <a:cs typeface="+mn-cs"/>
+      </a:defRPr>
+    </a:lvl5pPr>
+    <a:lvl6pPr marL="2286000" algn="l" defTabSz="914400" rtl="0" eaLnBrk="1" latinLnBrk="0" hangingPunct="1">
+      <a:defRPr sz="1200" kern="1200">
+        <a:solidFill>
+          <a:schemeClr val="tx1"/>
+        </a:solidFill>
+        <a:latin typeface="+mn-lt"/>
+        <a:ea typeface="+mn-ea"/>
+        <a:cs typeface="+mn-cs"/>
+      </a:defRPr>
+    </a:lvl6pPr>
+    <a:lvl7pPr marL="2743200" algn="l" defTabSz="914400" rtl="0" eaLnBrk="1" latinLnBrk="0" hangingPunct="1">
+      <a:defRPr sz="1200" kern="1200">
+        <a:solidFill>
+          <a:schemeClr val="tx1"/>
+        </a:solidFill>
+        <a:latin typeface="+mn-lt"/>
+        <a:ea typeface="+mn-ea"/>
+        <a:cs typeface="+mn-cs"/>
+      </a:defRPr>
+    </a:lvl7pPr>
+    <a:lvl8pPr marL="3200400" algn="l" defTabSz="914400" rtl="0" eaLnBrk="1" latinLnBrk="0" hangingPunct="1">
+      <a:defRPr sz="1200" kern="1200">
+        <a:solidFill>
+          <a:schemeClr val="tx1"/>
+        </a:solidFill>
+        <a:latin typeface="+mn-lt"/>
+        <a:ea typeface="+mn-ea"/>
+        <a:cs typeface="+mn-cs"/>
+      </a:defRPr>
+    </a:lvl8pPr>
+    <a:lvl9pPr marL="3657600" algn="l" defTabSz="914400" rtl="0" eaLnBrk="1" latinLnBrk="0" hangingPunct="1">
+      <a:defRPr sz="1200" kern="1200">
+        <a:solidFill>
+          <a:schemeClr val="tx1"/>
+        </a:solidFill>
+        <a:latin typeface="+mn-lt"/>
+        <a:ea typeface="+mn-ea"/>
+        <a:cs typeface="+mn-cs"/>
+      </a:defRPr>
+    </a:lvl9pPr>
+  </p:notesStyle>
 </p:notesMaster>
 </file>
 
 <file path=ppt/notesSlides/notesSlide1.xml><?xml version="1.0" encoding="utf-8"?>
-<p:notes xmlns:a="http://schemas.openxmlformats.org/drawingml/2006/main" xmlns:r="http://schemas.openxmlformats.org/officeDocument/2006/relationships" xmlns:mc="http://schemas.openxmlformats.org/markup-compatibility/2006" xmlns:mv="urn:schemas-microsoft-com:mac:vml" xmlns:p="http://schemas.openxmlformats.org/presentationml/2006/main" xmlns:c="http://schemas.openxmlformats.org/drawingml/2006/chart" xmlns:dgm="http://schemas.openxmlformats.org/drawingml/2006/diagram" xmlns:o="urn:schemas-microsoft-com:office:office" xmlns:v="urn:schemas-microsoft-com:vml" xmlns:pvml="urn:schemas-microsoft-com:office:powerpoint" xmlns:com="http://schemas.openxmlformats.org/drawingml/2006/compatibility" xmlns:p14="http://schemas.microsoft.com/office/powerpoint/2010/main" xmlns:p15="http://schemas.microsoft.com/office/powerpoint/2012/main" showMasterPhAnim="0" showMasterSp="0">
+<p:notes xmlns:a="http://schemas.openxmlformats.org/drawingml/2006/main" xmlns:r="http://schemas.openxmlformats.org/officeDocument/2006/relationships" xmlns:p="http://schemas.openxmlformats.org/presentationml/2006/main" showMasterSp="0" showMasterPhAnim="0">
   <p:cSld>
     <p:spTree>
       <p:nvGrpSpPr>
-        <p:cNvPr id="130" name="Shape 130"/>
+        <p:cNvPr id="1" name="Shape 130"/>
         <p:cNvGrpSpPr/>
         <p:nvPr/>
       </p:nvGrpSpPr>
@@ -434,9 +519,11 @@
       <p:sp>
         <p:nvSpPr>
           <p:cNvPr id="131" name="Shape 131"/>
-          <p:cNvSpPr/>
+          <p:cNvSpPr>
+            <a:spLocks noGrp="1" noRot="1" noChangeAspect="1"/>
+          </p:cNvSpPr>
           <p:nvPr>
-            <p:ph idx="2" type="sldImg"/>
+            <p:ph type="sldImg" idx="2"/>
           </p:nvPr>
         </p:nvSpPr>
         <p:spPr>
@@ -445,8 +532,13 @@
             <a:ext cx="6096075" cy="3429000"/>
           </a:xfrm>
           <a:custGeom>
+            <a:avLst/>
+            <a:gdLst/>
+            <a:ahLst/>
+            <a:cxnLst/>
+            <a:rect l="0" t="0" r="0" b="0"/>
             <a:pathLst>
-              <a:path extrusionOk="0" h="120000" w="120000">
+              <a:path w="120000" h="120000" extrusionOk="0">
                 <a:moveTo>
                   <a:pt x="0" y="0"/>
                 </a:moveTo>
@@ -468,9 +560,11 @@
       <p:sp>
         <p:nvSpPr>
           <p:cNvPr id="132" name="Shape 132"/>
-          <p:cNvSpPr txBox="1"/>
+          <p:cNvSpPr txBox="1">
+            <a:spLocks noGrp="1"/>
+          </p:cNvSpPr>
           <p:nvPr>
-            <p:ph idx="1" type="body"/>
+            <p:ph type="body" idx="1"/>
           </p:nvPr>
         </p:nvSpPr>
         <p:spPr>
@@ -483,7 +577,7 @@
           </a:prstGeom>
         </p:spPr>
         <p:txBody>
-          <a:bodyPr anchorCtr="0" anchor="t" bIns="91425" lIns="91425" rIns="91425" wrap="square" tIns="91425">
+          <a:bodyPr wrap="square" lIns="91425" tIns="91425" rIns="91425" bIns="91425" anchor="t" anchorCtr="0">
             <a:noAutofit/>
           </a:bodyPr>
           <a:lstStyle/>
@@ -494,9 +588,6 @@
               </a:spcBef>
               <a:buNone/>
             </a:pPr>
-            <a:r>
-              <a:t/>
-            </a:r>
             <a:endParaRPr/>
           </a:p>
         </p:txBody>
@@ -510,11 +601,11 @@
 </file>
 
 <file path=ppt/notesSlides/notesSlide2.xml><?xml version="1.0" encoding="utf-8"?>
-<p:notes xmlns:a="http://schemas.openxmlformats.org/drawingml/2006/main" xmlns:r="http://schemas.openxmlformats.org/officeDocument/2006/relationships" xmlns:mc="http://schemas.openxmlformats.org/markup-compatibility/2006" xmlns:mv="urn:schemas-microsoft-com:mac:vml" xmlns:p="http://schemas.openxmlformats.org/presentationml/2006/main" xmlns:c="http://schemas.openxmlformats.org/drawingml/2006/chart" xmlns:dgm="http://schemas.openxmlformats.org/drawingml/2006/diagram" xmlns:o="urn:schemas-microsoft-com:office:office" xmlns:v="urn:schemas-microsoft-com:vml" xmlns:pvml="urn:schemas-microsoft-com:office:powerpoint" xmlns:com="http://schemas.openxmlformats.org/drawingml/2006/compatibility" xmlns:p14="http://schemas.microsoft.com/office/powerpoint/2010/main" xmlns:p15="http://schemas.microsoft.com/office/powerpoint/2012/main" showMasterPhAnim="0" showMasterSp="0">
+<p:notes xmlns:a="http://schemas.openxmlformats.org/drawingml/2006/main" xmlns:r="http://schemas.openxmlformats.org/officeDocument/2006/relationships" xmlns:p="http://schemas.openxmlformats.org/presentationml/2006/main" showMasterSp="0" showMasterPhAnim="0">
   <p:cSld>
     <p:spTree>
       <p:nvGrpSpPr>
-        <p:cNvPr id="136" name="Shape 136"/>
+        <p:cNvPr id="1" name="Shape 136"/>
         <p:cNvGrpSpPr/>
         <p:nvPr/>
       </p:nvGrpSpPr>
@@ -529,19 +620,26 @@
       <p:sp>
         <p:nvSpPr>
           <p:cNvPr id="137" name="Shape 137"/>
-          <p:cNvSpPr/>
+          <p:cNvSpPr>
+            <a:spLocks noGrp="1" noRot="1" noChangeAspect="1"/>
+          </p:cNvSpPr>
           <p:nvPr>
-            <p:ph idx="2" type="sldImg"/>
+            <p:ph type="sldImg" idx="2"/>
           </p:nvPr>
         </p:nvSpPr>
         <p:spPr>
           <a:xfrm>
-            <a:off x="381300" y="685800"/>
+            <a:off x="381000" y="685800"/>
             <a:ext cx="6096000" cy="3429000"/>
           </a:xfrm>
           <a:custGeom>
+            <a:avLst/>
+            <a:gdLst/>
+            <a:ahLst/>
+            <a:cxnLst/>
+            <a:rect l="0" t="0" r="0" b="0"/>
             <a:pathLst>
-              <a:path extrusionOk="0" h="120000" w="120000">
+              <a:path w="120000" h="120000" extrusionOk="0">
                 <a:moveTo>
                   <a:pt x="0" y="0"/>
                 </a:moveTo>
@@ -563,9 +661,11 @@
       <p:sp>
         <p:nvSpPr>
           <p:cNvPr id="138" name="Shape 138"/>
-          <p:cNvSpPr txBox="1"/>
+          <p:cNvSpPr txBox="1">
+            <a:spLocks noGrp="1"/>
+          </p:cNvSpPr>
           <p:nvPr>
-            <p:ph idx="1" type="body"/>
+            <p:ph type="body" idx="1"/>
           </p:nvPr>
         </p:nvSpPr>
         <p:spPr>
@@ -578,7 +678,7 @@
           </a:prstGeom>
         </p:spPr>
         <p:txBody>
-          <a:bodyPr anchorCtr="0" anchor="t" bIns="91425" lIns="91425" rIns="91425" wrap="square" tIns="91425">
+          <a:bodyPr wrap="square" lIns="91425" tIns="91425" rIns="91425" bIns="91425" anchor="t" anchorCtr="0">
             <a:noAutofit/>
           </a:bodyPr>
           <a:lstStyle/>
@@ -589,9 +689,6 @@
               </a:spcBef>
               <a:buNone/>
             </a:pPr>
-            <a:r>
-              <a:t/>
-            </a:r>
             <a:endParaRPr/>
           </a:p>
         </p:txBody>
@@ -605,11 +702,11 @@
 </file>
 
 <file path=ppt/notesSlides/notesSlide3.xml><?xml version="1.0" encoding="utf-8"?>
-<p:notes xmlns:a="http://schemas.openxmlformats.org/drawingml/2006/main" xmlns:r="http://schemas.openxmlformats.org/officeDocument/2006/relationships" xmlns:mc="http://schemas.openxmlformats.org/markup-compatibility/2006" xmlns:mv="urn:schemas-microsoft-com:mac:vml" xmlns:p="http://schemas.openxmlformats.org/presentationml/2006/main" xmlns:c="http://schemas.openxmlformats.org/drawingml/2006/chart" xmlns:dgm="http://schemas.openxmlformats.org/drawingml/2006/diagram" xmlns:o="urn:schemas-microsoft-com:office:office" xmlns:v="urn:schemas-microsoft-com:vml" xmlns:pvml="urn:schemas-microsoft-com:office:powerpoint" xmlns:com="http://schemas.openxmlformats.org/drawingml/2006/compatibility" xmlns:p14="http://schemas.microsoft.com/office/powerpoint/2010/main" xmlns:p15="http://schemas.microsoft.com/office/powerpoint/2012/main" showMasterPhAnim="0" showMasterSp="0">
+<p:notes xmlns:a="http://schemas.openxmlformats.org/drawingml/2006/main" xmlns:r="http://schemas.openxmlformats.org/officeDocument/2006/relationships" xmlns:p="http://schemas.openxmlformats.org/presentationml/2006/main" showMasterSp="0" showMasterPhAnim="0">
   <p:cSld>
     <p:spTree>
       <p:nvGrpSpPr>
-        <p:cNvPr id="142" name="Shape 142"/>
+        <p:cNvPr id="1" name="Shape 142"/>
         <p:cNvGrpSpPr/>
         <p:nvPr/>
       </p:nvGrpSpPr>
@@ -624,9 +721,11 @@
       <p:sp>
         <p:nvSpPr>
           <p:cNvPr id="143" name="Shape 143"/>
-          <p:cNvSpPr/>
+          <p:cNvSpPr>
+            <a:spLocks noGrp="1" noRot="1" noChangeAspect="1"/>
+          </p:cNvSpPr>
           <p:nvPr>
-            <p:ph idx="2" type="sldImg"/>
+            <p:ph type="sldImg" idx="2"/>
           </p:nvPr>
         </p:nvSpPr>
         <p:spPr>
@@ -635,8 +734,13 @@
             <a:ext cx="6096000" cy="3429000"/>
           </a:xfrm>
           <a:custGeom>
+            <a:avLst/>
+            <a:gdLst/>
+            <a:ahLst/>
+            <a:cxnLst/>
+            <a:rect l="0" t="0" r="0" b="0"/>
             <a:pathLst>
-              <a:path extrusionOk="0" h="120000" w="120000">
+              <a:path w="120000" h="120000" extrusionOk="0">
                 <a:moveTo>
                   <a:pt x="0" y="0"/>
                 </a:moveTo>
@@ -658,9 +762,11 @@
       <p:sp>
         <p:nvSpPr>
           <p:cNvPr id="144" name="Shape 144"/>
-          <p:cNvSpPr txBox="1"/>
+          <p:cNvSpPr txBox="1">
+            <a:spLocks noGrp="1"/>
+          </p:cNvSpPr>
           <p:nvPr>
-            <p:ph idx="1" type="body"/>
+            <p:ph type="body" idx="1"/>
           </p:nvPr>
         </p:nvSpPr>
         <p:spPr>
@@ -673,7 +779,7 @@
           </a:prstGeom>
         </p:spPr>
         <p:txBody>
-          <a:bodyPr anchorCtr="0" anchor="t" bIns="91425" lIns="91425" rIns="91425" wrap="square" tIns="91425">
+          <a:bodyPr wrap="square" lIns="91425" tIns="91425" rIns="91425" bIns="91425" anchor="t" anchorCtr="0">
             <a:noAutofit/>
           </a:bodyPr>
           <a:lstStyle/>
@@ -684,9 +790,6 @@
               </a:spcBef>
               <a:buNone/>
             </a:pPr>
-            <a:r>
-              <a:t/>
-            </a:r>
             <a:endParaRPr/>
           </a:p>
         </p:txBody>
@@ -700,11 +803,11 @@
 </file>
 
 <file path=ppt/notesSlides/notesSlide4.xml><?xml version="1.0" encoding="utf-8"?>
-<p:notes xmlns:a="http://schemas.openxmlformats.org/drawingml/2006/main" xmlns:r="http://schemas.openxmlformats.org/officeDocument/2006/relationships" xmlns:mc="http://schemas.openxmlformats.org/markup-compatibility/2006" xmlns:mv="urn:schemas-microsoft-com:mac:vml" xmlns:p="http://schemas.openxmlformats.org/presentationml/2006/main" xmlns:c="http://schemas.openxmlformats.org/drawingml/2006/chart" xmlns:dgm="http://schemas.openxmlformats.org/drawingml/2006/diagram" xmlns:o="urn:schemas-microsoft-com:office:office" xmlns:v="urn:schemas-microsoft-com:vml" xmlns:pvml="urn:schemas-microsoft-com:office:powerpoint" xmlns:com="http://schemas.openxmlformats.org/drawingml/2006/compatibility" xmlns:p14="http://schemas.microsoft.com/office/powerpoint/2010/main" xmlns:p15="http://schemas.microsoft.com/office/powerpoint/2012/main" showMasterPhAnim="0" showMasterSp="0">
+<p:notes xmlns:a="http://schemas.openxmlformats.org/drawingml/2006/main" xmlns:r="http://schemas.openxmlformats.org/officeDocument/2006/relationships" xmlns:p="http://schemas.openxmlformats.org/presentationml/2006/main" showMasterSp="0" showMasterPhAnim="0">
   <p:cSld>
     <p:spTree>
       <p:nvGrpSpPr>
-        <p:cNvPr id="148" name="Shape 148"/>
+        <p:cNvPr id="1" name="Shape 148"/>
         <p:cNvGrpSpPr/>
         <p:nvPr/>
       </p:nvGrpSpPr>
@@ -719,9 +822,11 @@
       <p:sp>
         <p:nvSpPr>
           <p:cNvPr id="149" name="Shape 149"/>
-          <p:cNvSpPr/>
+          <p:cNvSpPr>
+            <a:spLocks noGrp="1" noRot="1" noChangeAspect="1"/>
+          </p:cNvSpPr>
           <p:nvPr>
-            <p:ph idx="2" type="sldImg"/>
+            <p:ph type="sldImg" idx="2"/>
           </p:nvPr>
         </p:nvSpPr>
         <p:spPr>
@@ -730,8 +835,13 @@
             <a:ext cx="6096000" cy="3429000"/>
           </a:xfrm>
           <a:custGeom>
+            <a:avLst/>
+            <a:gdLst/>
+            <a:ahLst/>
+            <a:cxnLst/>
+            <a:rect l="0" t="0" r="0" b="0"/>
             <a:pathLst>
-              <a:path extrusionOk="0" h="120000" w="120000">
+              <a:path w="120000" h="120000" extrusionOk="0">
                 <a:moveTo>
                   <a:pt x="0" y="0"/>
                 </a:moveTo>
@@ -753,9 +863,11 @@
       <p:sp>
         <p:nvSpPr>
           <p:cNvPr id="150" name="Shape 150"/>
-          <p:cNvSpPr txBox="1"/>
+          <p:cNvSpPr txBox="1">
+            <a:spLocks noGrp="1"/>
+          </p:cNvSpPr>
           <p:nvPr>
-            <p:ph idx="1" type="body"/>
+            <p:ph type="body" idx="1"/>
           </p:nvPr>
         </p:nvSpPr>
         <p:spPr>
@@ -768,7 +880,7 @@
           </a:prstGeom>
         </p:spPr>
         <p:txBody>
-          <a:bodyPr anchorCtr="0" anchor="t" bIns="91425" lIns="91425" rIns="91425" wrap="square" tIns="91425">
+          <a:bodyPr wrap="square" lIns="91425" tIns="91425" rIns="91425" bIns="91425" anchor="t" anchorCtr="0">
             <a:noAutofit/>
           </a:bodyPr>
           <a:lstStyle/>
@@ -779,9 +891,6 @@
               </a:spcBef>
               <a:buNone/>
             </a:pPr>
-            <a:r>
-              <a:t/>
-            </a:r>
             <a:endParaRPr/>
           </a:p>
         </p:txBody>
@@ -795,11 +904,11 @@
 </file>
 
 <file path=ppt/notesSlides/notesSlide5.xml><?xml version="1.0" encoding="utf-8"?>
-<p:notes xmlns:a="http://schemas.openxmlformats.org/drawingml/2006/main" xmlns:r="http://schemas.openxmlformats.org/officeDocument/2006/relationships" xmlns:mc="http://schemas.openxmlformats.org/markup-compatibility/2006" xmlns:mv="urn:schemas-microsoft-com:mac:vml" xmlns:p="http://schemas.openxmlformats.org/presentationml/2006/main" xmlns:c="http://schemas.openxmlformats.org/drawingml/2006/chart" xmlns:dgm="http://schemas.openxmlformats.org/drawingml/2006/diagram" xmlns:o="urn:schemas-microsoft-com:office:office" xmlns:v="urn:schemas-microsoft-com:vml" xmlns:pvml="urn:schemas-microsoft-com:office:powerpoint" xmlns:com="http://schemas.openxmlformats.org/drawingml/2006/compatibility" xmlns:p14="http://schemas.microsoft.com/office/powerpoint/2010/main" xmlns:p15="http://schemas.microsoft.com/office/powerpoint/2012/main" showMasterPhAnim="0" showMasterSp="0">
+<p:notes xmlns:a="http://schemas.openxmlformats.org/drawingml/2006/main" xmlns:r="http://schemas.openxmlformats.org/officeDocument/2006/relationships" xmlns:p="http://schemas.openxmlformats.org/presentationml/2006/main" showMasterSp="0" showMasterPhAnim="0">
   <p:cSld>
     <p:spTree>
       <p:nvGrpSpPr>
-        <p:cNvPr id="154" name="Shape 154"/>
+        <p:cNvPr id="1" name="Shape 154"/>
         <p:cNvGrpSpPr/>
         <p:nvPr/>
       </p:nvGrpSpPr>
@@ -814,9 +923,11 @@
       <p:sp>
         <p:nvSpPr>
           <p:cNvPr id="155" name="Shape 155"/>
-          <p:cNvSpPr/>
+          <p:cNvSpPr>
+            <a:spLocks noGrp="1" noRot="1" noChangeAspect="1"/>
+          </p:cNvSpPr>
           <p:nvPr>
-            <p:ph idx="2" type="sldImg"/>
+            <p:ph type="sldImg" idx="2"/>
           </p:nvPr>
         </p:nvSpPr>
         <p:spPr>
@@ -825,8 +936,13 @@
             <a:ext cx="6096000" cy="3429000"/>
           </a:xfrm>
           <a:custGeom>
+            <a:avLst/>
+            <a:gdLst/>
+            <a:ahLst/>
+            <a:cxnLst/>
+            <a:rect l="0" t="0" r="0" b="0"/>
             <a:pathLst>
-              <a:path extrusionOk="0" h="120000" w="120000">
+              <a:path w="120000" h="120000" extrusionOk="0">
                 <a:moveTo>
                   <a:pt x="0" y="0"/>
                 </a:moveTo>
@@ -848,9 +964,11 @@
       <p:sp>
         <p:nvSpPr>
           <p:cNvPr id="156" name="Shape 156"/>
-          <p:cNvSpPr txBox="1"/>
+          <p:cNvSpPr txBox="1">
+            <a:spLocks noGrp="1"/>
+          </p:cNvSpPr>
           <p:nvPr>
-            <p:ph idx="1" type="body"/>
+            <p:ph type="body" idx="1"/>
           </p:nvPr>
         </p:nvSpPr>
         <p:spPr>
@@ -863,7 +981,7 @@
           </a:prstGeom>
         </p:spPr>
         <p:txBody>
-          <a:bodyPr anchorCtr="0" anchor="t" bIns="91425" lIns="91425" rIns="91425" wrap="square" tIns="91425">
+          <a:bodyPr wrap="square" lIns="91425" tIns="91425" rIns="91425" bIns="91425" anchor="t" anchorCtr="0">
             <a:noAutofit/>
           </a:bodyPr>
           <a:lstStyle/>
@@ -874,9 +992,6 @@
               </a:spcBef>
               <a:buNone/>
             </a:pPr>
-            <a:r>
-              <a:t/>
-            </a:r>
             <a:endParaRPr/>
           </a:p>
         </p:txBody>
@@ -890,11 +1005,11 @@
 </file>
 
 <file path=ppt/notesSlides/notesSlide6.xml><?xml version="1.0" encoding="utf-8"?>
-<p:notes xmlns:a="http://schemas.openxmlformats.org/drawingml/2006/main" xmlns:r="http://schemas.openxmlformats.org/officeDocument/2006/relationships" xmlns:mc="http://schemas.openxmlformats.org/markup-compatibility/2006" xmlns:mv="urn:schemas-microsoft-com:mac:vml" xmlns:p="http://schemas.openxmlformats.org/presentationml/2006/main" xmlns:c="http://schemas.openxmlformats.org/drawingml/2006/chart" xmlns:dgm="http://schemas.openxmlformats.org/drawingml/2006/diagram" xmlns:o="urn:schemas-microsoft-com:office:office" xmlns:v="urn:schemas-microsoft-com:vml" xmlns:pvml="urn:schemas-microsoft-com:office:powerpoint" xmlns:com="http://schemas.openxmlformats.org/drawingml/2006/compatibility" xmlns:p14="http://schemas.microsoft.com/office/powerpoint/2010/main" xmlns:p15="http://schemas.microsoft.com/office/powerpoint/2012/main" showMasterPhAnim="0" showMasterSp="0">
+<p:notes xmlns:a="http://schemas.openxmlformats.org/drawingml/2006/main" xmlns:r="http://schemas.openxmlformats.org/officeDocument/2006/relationships" xmlns:p="http://schemas.openxmlformats.org/presentationml/2006/main" showMasterSp="0" showMasterPhAnim="0">
   <p:cSld>
     <p:spTree>
       <p:nvGrpSpPr>
-        <p:cNvPr id="178" name="Shape 178"/>
+        <p:cNvPr id="1" name="Shape 178"/>
         <p:cNvGrpSpPr/>
         <p:nvPr/>
       </p:nvGrpSpPr>
@@ -909,9 +1024,11 @@
       <p:sp>
         <p:nvSpPr>
           <p:cNvPr id="179" name="Shape 179"/>
-          <p:cNvSpPr/>
+          <p:cNvSpPr>
+            <a:spLocks noGrp="1" noRot="1" noChangeAspect="1"/>
+          </p:cNvSpPr>
           <p:nvPr>
-            <p:ph idx="2" type="sldImg"/>
+            <p:ph type="sldImg" idx="2"/>
           </p:nvPr>
         </p:nvSpPr>
         <p:spPr>
@@ -920,8 +1037,13 @@
             <a:ext cx="6096000" cy="3429000"/>
           </a:xfrm>
           <a:custGeom>
+            <a:avLst/>
+            <a:gdLst/>
+            <a:ahLst/>
+            <a:cxnLst/>
+            <a:rect l="0" t="0" r="0" b="0"/>
             <a:pathLst>
-              <a:path extrusionOk="0" h="120000" w="120000">
+              <a:path w="120000" h="120000" extrusionOk="0">
                 <a:moveTo>
                   <a:pt x="0" y="0"/>
                 </a:moveTo>
@@ -943,9 +1065,11 @@
       <p:sp>
         <p:nvSpPr>
           <p:cNvPr id="180" name="Shape 180"/>
-          <p:cNvSpPr txBox="1"/>
+          <p:cNvSpPr txBox="1">
+            <a:spLocks noGrp="1"/>
+          </p:cNvSpPr>
           <p:nvPr>
-            <p:ph idx="1" type="body"/>
+            <p:ph type="body" idx="1"/>
           </p:nvPr>
         </p:nvSpPr>
         <p:spPr>
@@ -958,7 +1082,7 @@
           </a:prstGeom>
         </p:spPr>
         <p:txBody>
-          <a:bodyPr anchorCtr="0" anchor="t" bIns="91425" lIns="91425" rIns="91425" wrap="square" tIns="91425">
+          <a:bodyPr wrap="square" lIns="91425" tIns="91425" rIns="91425" bIns="91425" anchor="t" anchorCtr="0">
             <a:noAutofit/>
           </a:bodyPr>
           <a:lstStyle/>
@@ -969,9 +1093,6 @@
               </a:spcBef>
               <a:buNone/>
             </a:pPr>
-            <a:r>
-              <a:t/>
-            </a:r>
             <a:endParaRPr/>
           </a:p>
         </p:txBody>
@@ -985,11 +1106,11 @@
 </file>
 
 <file path=ppt/notesSlides/notesSlide7.xml><?xml version="1.0" encoding="utf-8"?>
-<p:notes xmlns:a="http://schemas.openxmlformats.org/drawingml/2006/main" xmlns:r="http://schemas.openxmlformats.org/officeDocument/2006/relationships" xmlns:mc="http://schemas.openxmlformats.org/markup-compatibility/2006" xmlns:mv="urn:schemas-microsoft-com:mac:vml" xmlns:p="http://schemas.openxmlformats.org/presentationml/2006/main" xmlns:c="http://schemas.openxmlformats.org/drawingml/2006/chart" xmlns:dgm="http://schemas.openxmlformats.org/drawingml/2006/diagram" xmlns:o="urn:schemas-microsoft-com:office:office" xmlns:v="urn:schemas-microsoft-com:vml" xmlns:pvml="urn:schemas-microsoft-com:office:powerpoint" xmlns:com="http://schemas.openxmlformats.org/drawingml/2006/compatibility" xmlns:p14="http://schemas.microsoft.com/office/powerpoint/2010/main" xmlns:p15="http://schemas.microsoft.com/office/powerpoint/2012/main" showMasterPhAnim="0" showMasterSp="0">
+<p:notes xmlns:a="http://schemas.openxmlformats.org/drawingml/2006/main" xmlns:r="http://schemas.openxmlformats.org/officeDocument/2006/relationships" xmlns:p="http://schemas.openxmlformats.org/presentationml/2006/main" showMasterSp="0" showMasterPhAnim="0">
   <p:cSld>
     <p:spTree>
       <p:nvGrpSpPr>
-        <p:cNvPr id="184" name="Shape 184"/>
+        <p:cNvPr id="1" name="Shape 184"/>
         <p:cNvGrpSpPr/>
         <p:nvPr/>
       </p:nvGrpSpPr>
@@ -1004,9 +1125,11 @@
       <p:sp>
         <p:nvSpPr>
           <p:cNvPr id="185" name="Shape 185"/>
-          <p:cNvSpPr/>
+          <p:cNvSpPr>
+            <a:spLocks noGrp="1" noRot="1" noChangeAspect="1"/>
+          </p:cNvSpPr>
           <p:nvPr>
-            <p:ph idx="2" type="sldImg"/>
+            <p:ph type="sldImg" idx="2"/>
           </p:nvPr>
         </p:nvSpPr>
         <p:spPr>
@@ -1015,8 +1138,13 @@
             <a:ext cx="6096000" cy="3429000"/>
           </a:xfrm>
           <a:custGeom>
+            <a:avLst/>
+            <a:gdLst/>
+            <a:ahLst/>
+            <a:cxnLst/>
+            <a:rect l="0" t="0" r="0" b="0"/>
             <a:pathLst>
-              <a:path extrusionOk="0" h="120000" w="120000">
+              <a:path w="120000" h="120000" extrusionOk="0">
                 <a:moveTo>
                   <a:pt x="0" y="0"/>
                 </a:moveTo>
@@ -1038,9 +1166,11 @@
       <p:sp>
         <p:nvSpPr>
           <p:cNvPr id="186" name="Shape 186"/>
-          <p:cNvSpPr txBox="1"/>
+          <p:cNvSpPr txBox="1">
+            <a:spLocks noGrp="1"/>
+          </p:cNvSpPr>
           <p:nvPr>
-            <p:ph idx="1" type="body"/>
+            <p:ph type="body" idx="1"/>
           </p:nvPr>
         </p:nvSpPr>
         <p:spPr>
@@ -1053,7 +1183,7 @@
           </a:prstGeom>
         </p:spPr>
         <p:txBody>
-          <a:bodyPr anchorCtr="0" anchor="t" bIns="91425" lIns="91425" rIns="91425" wrap="square" tIns="91425">
+          <a:bodyPr wrap="square" lIns="91425" tIns="91425" rIns="91425" bIns="91425" anchor="t" anchorCtr="0">
             <a:noAutofit/>
           </a:bodyPr>
           <a:lstStyle/>
@@ -1064,9 +1194,6 @@
               </a:spcBef>
               <a:buNone/>
             </a:pPr>
-            <a:r>
-              <a:t/>
-            </a:r>
             <a:endParaRPr/>
           </a:p>
         </p:txBody>
@@ -1080,11 +1207,11 @@
 </file>
 
 <file path=ppt/notesSlides/notesSlide8.xml><?xml version="1.0" encoding="utf-8"?>
-<p:notes xmlns:a="http://schemas.openxmlformats.org/drawingml/2006/main" xmlns:r="http://schemas.openxmlformats.org/officeDocument/2006/relationships" xmlns:mc="http://schemas.openxmlformats.org/markup-compatibility/2006" xmlns:mv="urn:schemas-microsoft-com:mac:vml" xmlns:p="http://schemas.openxmlformats.org/presentationml/2006/main" xmlns:c="http://schemas.openxmlformats.org/drawingml/2006/chart" xmlns:dgm="http://schemas.openxmlformats.org/drawingml/2006/diagram" xmlns:o="urn:schemas-microsoft-com:office:office" xmlns:v="urn:schemas-microsoft-com:vml" xmlns:pvml="urn:schemas-microsoft-com:office:powerpoint" xmlns:com="http://schemas.openxmlformats.org/drawingml/2006/compatibility" xmlns:p14="http://schemas.microsoft.com/office/powerpoint/2010/main" xmlns:p15="http://schemas.microsoft.com/office/powerpoint/2012/main" showMasterPhAnim="0" showMasterSp="0">
+<p:notes xmlns:a="http://schemas.openxmlformats.org/drawingml/2006/main" xmlns:r="http://schemas.openxmlformats.org/officeDocument/2006/relationships" xmlns:p="http://schemas.openxmlformats.org/presentationml/2006/main" showMasterSp="0" showMasterPhAnim="0">
   <p:cSld>
     <p:spTree>
       <p:nvGrpSpPr>
-        <p:cNvPr id="190" name="Shape 190"/>
+        <p:cNvPr id="1" name="Shape 190"/>
         <p:cNvGrpSpPr/>
         <p:nvPr/>
       </p:nvGrpSpPr>
@@ -1099,9 +1226,11 @@
       <p:sp>
         <p:nvSpPr>
           <p:cNvPr id="191" name="Shape 191"/>
-          <p:cNvSpPr/>
+          <p:cNvSpPr>
+            <a:spLocks noGrp="1" noRot="1" noChangeAspect="1"/>
+          </p:cNvSpPr>
           <p:nvPr>
-            <p:ph idx="2" type="sldImg"/>
+            <p:ph type="sldImg" idx="2"/>
           </p:nvPr>
         </p:nvSpPr>
         <p:spPr>
@@ -1110,8 +1239,13 @@
             <a:ext cx="6096000" cy="3429000"/>
           </a:xfrm>
           <a:custGeom>
+            <a:avLst/>
+            <a:gdLst/>
+            <a:ahLst/>
+            <a:cxnLst/>
+            <a:rect l="0" t="0" r="0" b="0"/>
             <a:pathLst>
-              <a:path extrusionOk="0" h="120000" w="120000">
+              <a:path w="120000" h="120000" extrusionOk="0">
                 <a:moveTo>
                   <a:pt x="0" y="0"/>
                 </a:moveTo>
@@ -1133,9 +1267,11 @@
       <p:sp>
         <p:nvSpPr>
           <p:cNvPr id="192" name="Shape 192"/>
-          <p:cNvSpPr txBox="1"/>
+          <p:cNvSpPr txBox="1">
+            <a:spLocks noGrp="1"/>
+          </p:cNvSpPr>
           <p:nvPr>
-            <p:ph idx="1" type="body"/>
+            <p:ph type="body" idx="1"/>
           </p:nvPr>
         </p:nvSpPr>
         <p:spPr>
@@ -1148,7 +1284,7 @@
           </a:prstGeom>
         </p:spPr>
         <p:txBody>
-          <a:bodyPr anchorCtr="0" anchor="t" bIns="91425" lIns="91425" rIns="91425" wrap="square" tIns="91425">
+          <a:bodyPr wrap="square" lIns="91425" tIns="91425" rIns="91425" bIns="91425" anchor="t" anchorCtr="0">
             <a:noAutofit/>
           </a:bodyPr>
           <a:lstStyle/>
@@ -1159,9 +1295,6 @@
               </a:spcBef>
               <a:buNone/>
             </a:pPr>
-            <a:r>
-              <a:t/>
-            </a:r>
             <a:endParaRPr/>
           </a:p>
         </p:txBody>
@@ -1175,11 +1308,11 @@
 </file>
 
 <file path=ppt/slideLayouts/slideLayout1.xml><?xml version="1.0" encoding="utf-8"?>
-<p:sldLayout xmlns:a="http://schemas.openxmlformats.org/drawingml/2006/main" xmlns:r="http://schemas.openxmlformats.org/officeDocument/2006/relationships" xmlns:mc="http://schemas.openxmlformats.org/markup-compatibility/2006" xmlns:mv="urn:schemas-microsoft-com:mac:vml" xmlns:p="http://schemas.openxmlformats.org/presentationml/2006/main" xmlns:c="http://schemas.openxmlformats.org/drawingml/2006/chart" xmlns:dgm="http://schemas.openxmlformats.org/drawingml/2006/diagram" xmlns:o="urn:schemas-microsoft-com:office:office" xmlns:v="urn:schemas-microsoft-com:vml" xmlns:pvml="urn:schemas-microsoft-com:office:powerpoint" xmlns:com="http://schemas.openxmlformats.org/drawingml/2006/compatibility" xmlns:p14="http://schemas.microsoft.com/office/powerpoint/2010/main" xmlns:p15="http://schemas.microsoft.com/office/powerpoint/2012/main" type="title">
+<p:sldLayout xmlns:a="http://schemas.openxmlformats.org/drawingml/2006/main" xmlns:r="http://schemas.openxmlformats.org/officeDocument/2006/relationships" xmlns:p="http://schemas.openxmlformats.org/presentationml/2006/main" type="title">
   <p:cSld name="Title slide">
     <p:spTree>
       <p:nvGrpSpPr>
-        <p:cNvPr id="9" name="Shape 9"/>
+        <p:cNvPr id="1" name="Shape 9"/>
         <p:cNvGrpSpPr/>
         <p:nvPr/>
       </p:nvGrpSpPr>
@@ -1204,7 +1337,7 @@
           </a:xfrm>
           <a:prstGeom prst="diagStripe">
             <a:avLst>
-              <a:gd fmla="val 0" name="adj"/>
+              <a:gd name="adj" fmla="val 0"/>
             </a:avLst>
           </a:prstGeom>
           <a:solidFill>
@@ -1217,7 +1350,7 @@
           </a:ln>
         </p:spPr>
         <p:txBody>
-          <a:bodyPr anchorCtr="0" anchor="ctr" bIns="91425" lIns="91425" rIns="91425" wrap="square" tIns="91425">
+          <a:bodyPr wrap="square" lIns="91425" tIns="91425" rIns="91425" bIns="91425" anchor="ctr" anchorCtr="0">
             <a:noAutofit/>
           </a:bodyPr>
           <a:lstStyle/>
@@ -1228,9 +1361,6 @@
               </a:spcBef>
               <a:buNone/>
             </a:pPr>
-            <a:r>
-              <a:t/>
-            </a:r>
             <a:endParaRPr/>
           </a:p>
         </p:txBody>
@@ -1262,7 +1392,7 @@
             </a:xfrm>
             <a:prstGeom prst="diagStripe">
               <a:avLst>
-                <a:gd fmla="val 50000" name="adj"/>
+                <a:gd name="adj" fmla="val 50000"/>
               </a:avLst>
             </a:prstGeom>
             <a:solidFill>
@@ -1275,7 +1405,7 @@
             </a:ln>
           </p:spPr>
           <p:txBody>
-            <a:bodyPr anchorCtr="0" anchor="ctr" bIns="91425" lIns="91425" rIns="91425" wrap="square" tIns="91425">
+            <a:bodyPr wrap="square" lIns="91425" tIns="91425" rIns="91425" bIns="91425" anchor="ctr" anchorCtr="0">
               <a:noAutofit/>
             </a:bodyPr>
             <a:lstStyle/>
@@ -1286,9 +1416,6 @@
                 </a:spcBef>
                 <a:buNone/>
               </a:pPr>
-              <a:r>
-                <a:t/>
-              </a:r>
               <a:endParaRPr/>
             </a:p>
           </p:txBody>
@@ -1306,7 +1433,7 @@
             </a:xfrm>
             <a:prstGeom prst="diagStripe">
               <a:avLst>
-                <a:gd fmla="val 58774" name="adj"/>
+                <a:gd name="adj" fmla="val 58774"/>
               </a:avLst>
             </a:prstGeom>
             <a:solidFill>
@@ -1319,7 +1446,7 @@
             </a:ln>
           </p:spPr>
           <p:txBody>
-            <a:bodyPr anchorCtr="0" anchor="ctr" bIns="91425" lIns="91425" rIns="91425" wrap="square" tIns="91425">
+            <a:bodyPr wrap="square" lIns="91425" tIns="91425" rIns="91425" bIns="91425" anchor="ctr" anchorCtr="0">
               <a:noAutofit/>
             </a:bodyPr>
             <a:lstStyle/>
@@ -1330,9 +1457,6 @@
                 </a:spcBef>
                 <a:buNone/>
               </a:pPr>
-              <a:r>
-                <a:t/>
-              </a:r>
               <a:endParaRPr/>
             </a:p>
           </p:txBody>
@@ -1350,7 +1474,7 @@
             </a:xfrm>
             <a:prstGeom prst="diagStripe">
               <a:avLst>
-                <a:gd fmla="val 50000" name="adj"/>
+                <a:gd name="adj" fmla="val 50000"/>
               </a:avLst>
             </a:prstGeom>
             <a:solidFill>
@@ -1361,7 +1485,7 @@
             </a:ln>
           </p:spPr>
           <p:txBody>
-            <a:bodyPr anchorCtr="0" anchor="ctr" bIns="91425" lIns="91425" rIns="91425" wrap="square" tIns="91425">
+            <a:bodyPr wrap="square" lIns="91425" tIns="91425" rIns="91425" bIns="91425" anchor="ctr" anchorCtr="0">
               <a:noAutofit/>
             </a:bodyPr>
             <a:lstStyle/>
@@ -1372,9 +1496,6 @@
                 </a:spcBef>
                 <a:buNone/>
               </a:pPr>
-              <a:r>
-                <a:t/>
-              </a:r>
               <a:endParaRPr/>
             </a:p>
           </p:txBody>
@@ -1392,7 +1513,7 @@
             </a:xfrm>
             <a:prstGeom prst="diagStripe">
               <a:avLst>
-                <a:gd fmla="val 50000" name="adj"/>
+                <a:gd name="adj" fmla="val 50000"/>
               </a:avLst>
             </a:prstGeom>
             <a:solidFill>
@@ -1403,7 +1524,7 @@
             </a:ln>
           </p:spPr>
           <p:txBody>
-            <a:bodyPr anchorCtr="0" anchor="ctr" bIns="91425" lIns="91425" rIns="91425" wrap="square" tIns="91425">
+            <a:bodyPr wrap="square" lIns="91425" tIns="91425" rIns="91425" bIns="91425" anchor="ctr" anchorCtr="0">
               <a:noAutofit/>
             </a:bodyPr>
             <a:lstStyle/>
@@ -1414,9 +1535,6 @@
                 </a:spcBef>
                 <a:buNone/>
               </a:pPr>
-              <a:r>
-                <a:t/>
-              </a:r>
               <a:endParaRPr/>
             </a:p>
           </p:txBody>
@@ -1425,7 +1543,9 @@
       <p:sp>
         <p:nvSpPr>
           <p:cNvPr id="16" name="Shape 16"/>
-          <p:cNvSpPr txBox="1"/>
+          <p:cNvSpPr txBox="1">
+            <a:spLocks noGrp="1"/>
+          </p:cNvSpPr>
           <p:nvPr>
             <p:ph type="ctrTitle"/>
           </p:nvPr>
@@ -1440,7 +1560,7 @@
           </a:prstGeom>
         </p:spPr>
         <p:txBody>
-          <a:bodyPr anchorCtr="0" anchor="t" bIns="91425" lIns="91425" rIns="91425" wrap="square" tIns="91425"/>
+          <a:bodyPr wrap="square" lIns="91425" tIns="91425" rIns="91425" bIns="91425" anchor="t" anchorCtr="0"/>
           <a:lstStyle>
             <a:lvl1pPr lvl="0">
               <a:spcBef>
@@ -1506,15 +1626,19 @@
               <a:defRPr sz="4000"/>
             </a:lvl9pPr>
           </a:lstStyle>
-          <a:p/>
+          <a:p>
+            <a:endParaRPr/>
+          </a:p>
         </p:txBody>
       </p:sp>
       <p:sp>
         <p:nvSpPr>
           <p:cNvPr id="17" name="Shape 17"/>
-          <p:cNvSpPr txBox="1"/>
+          <p:cNvSpPr txBox="1">
+            <a:spLocks noGrp="1"/>
+          </p:cNvSpPr>
           <p:nvPr>
-            <p:ph idx="1" type="subTitle"/>
+            <p:ph type="subTitle" idx="1"/>
           </p:nvPr>
         </p:nvSpPr>
         <p:spPr>
@@ -1527,7 +1651,7 @@
           </a:prstGeom>
         </p:spPr>
         <p:txBody>
-          <a:bodyPr anchorCtr="0" anchor="t" bIns="91425" lIns="91425" rIns="91425" wrap="square" tIns="91425"/>
+          <a:bodyPr wrap="square" lIns="91425" tIns="91425" rIns="91425" bIns="91425" anchor="t" anchorCtr="0"/>
           <a:lstStyle>
             <a:lvl1pPr lvl="0">
               <a:lnSpc>
@@ -1655,15 +1779,19 @@
               <a:defRPr sz="1300"/>
             </a:lvl9pPr>
           </a:lstStyle>
-          <a:p/>
+          <a:p>
+            <a:endParaRPr/>
+          </a:p>
         </p:txBody>
       </p:sp>
       <p:sp>
         <p:nvSpPr>
           <p:cNvPr id="18" name="Shape 18"/>
-          <p:cNvSpPr txBox="1"/>
+          <p:cNvSpPr txBox="1">
+            <a:spLocks noGrp="1"/>
+          </p:cNvSpPr>
           <p:nvPr>
-            <p:ph idx="12" type="sldNum"/>
+            <p:ph type="sldNum" idx="12"/>
           </p:nvPr>
         </p:nvSpPr>
         <p:spPr>
@@ -1676,7 +1804,7 @@
           </a:prstGeom>
         </p:spPr>
         <p:txBody>
-          <a:bodyPr anchorCtr="0" anchor="ctr" bIns="91425" lIns="91425" rIns="91425" wrap="square" tIns="91425">
+          <a:bodyPr wrap="square" lIns="91425" tIns="91425" rIns="91425" bIns="91425" anchor="ctr" anchorCtr="0">
             <a:noAutofit/>
           </a:bodyPr>
           <a:lstStyle/>
@@ -1691,6 +1819,7 @@
               <a:rPr lang="en"/>
               <a:t>‹#›</a:t>
             </a:fld>
+            <a:endParaRPr lang="en"/>
           </a:p>
         </p:txBody>
       </p:sp>
@@ -1703,11 +1832,11 @@
 </file>
 
 <file path=ppt/slideLayouts/slideLayout10.xml><?xml version="1.0" encoding="utf-8"?>
-<p:sldLayout xmlns:a="http://schemas.openxmlformats.org/drawingml/2006/main" xmlns:r="http://schemas.openxmlformats.org/officeDocument/2006/relationships" xmlns:mc="http://schemas.openxmlformats.org/markup-compatibility/2006" xmlns:mv="urn:schemas-microsoft-com:mac:vml" xmlns:p="http://schemas.openxmlformats.org/presentationml/2006/main" xmlns:c="http://schemas.openxmlformats.org/drawingml/2006/chart" xmlns:dgm="http://schemas.openxmlformats.org/drawingml/2006/diagram" xmlns:o="urn:schemas-microsoft-com:office:office" xmlns:v="urn:schemas-microsoft-com:vml" xmlns:pvml="urn:schemas-microsoft-com:office:powerpoint" xmlns:com="http://schemas.openxmlformats.org/drawingml/2006/compatibility" xmlns:p14="http://schemas.microsoft.com/office/powerpoint/2010/main" xmlns:p15="http://schemas.microsoft.com/office/powerpoint/2012/main">
+<p:sldLayout xmlns:a="http://schemas.openxmlformats.org/drawingml/2006/main" xmlns:r="http://schemas.openxmlformats.org/officeDocument/2006/relationships" xmlns:p="http://schemas.openxmlformats.org/presentationml/2006/main">
   <p:cSld name="Big number">
     <p:spTree>
       <p:nvGrpSpPr>
-        <p:cNvPr id="105" name="Shape 105"/>
+        <p:cNvPr id="1" name="Shape 105"/>
         <p:cNvGrpSpPr/>
         <p:nvPr/>
       </p:nvGrpSpPr>
@@ -1746,7 +1875,7 @@
             </a:xfrm>
             <a:prstGeom prst="diagStripe">
               <a:avLst>
-                <a:gd fmla="val 49469" name="adj"/>
+                <a:gd name="adj" fmla="val 49469"/>
               </a:avLst>
             </a:prstGeom>
             <a:solidFill>
@@ -1759,7 +1888,7 @@
             </a:ln>
           </p:spPr>
           <p:txBody>
-            <a:bodyPr anchorCtr="0" anchor="ctr" bIns="91425" lIns="91425" rIns="91425" wrap="square" tIns="91425">
+            <a:bodyPr wrap="square" lIns="91425" tIns="91425" rIns="91425" bIns="91425" anchor="ctr" anchorCtr="0">
               <a:noAutofit/>
             </a:bodyPr>
             <a:lstStyle/>
@@ -1770,9 +1899,6 @@
                 </a:spcBef>
                 <a:buNone/>
               </a:pPr>
-              <a:r>
-                <a:t/>
-              </a:r>
               <a:endParaRPr/>
             </a:p>
           </p:txBody>
@@ -1790,7 +1916,7 @@
             </a:xfrm>
             <a:prstGeom prst="diagStripe">
               <a:avLst>
-                <a:gd fmla="val 0" name="adj"/>
+                <a:gd name="adj" fmla="val 0"/>
               </a:avLst>
             </a:prstGeom>
             <a:solidFill>
@@ -1803,7 +1929,7 @@
             </a:ln>
           </p:spPr>
           <p:txBody>
-            <a:bodyPr anchorCtr="0" anchor="ctr" bIns="91425" lIns="91425" rIns="91425" wrap="square" tIns="91425">
+            <a:bodyPr wrap="square" lIns="91425" tIns="91425" rIns="91425" bIns="91425" anchor="ctr" anchorCtr="0">
               <a:noAutofit/>
             </a:bodyPr>
             <a:lstStyle/>
@@ -1814,9 +1940,6 @@
                 </a:spcBef>
                 <a:buNone/>
               </a:pPr>
-              <a:r>
-                <a:t/>
-              </a:r>
               <a:endParaRPr/>
             </a:p>
           </p:txBody>
@@ -1834,7 +1957,7 @@
             </a:xfrm>
             <a:prstGeom prst="diagStripe">
               <a:avLst>
-                <a:gd fmla="val 50000" name="adj"/>
+                <a:gd name="adj" fmla="val 50000"/>
               </a:avLst>
             </a:prstGeom>
             <a:solidFill>
@@ -1847,7 +1970,7 @@
             </a:ln>
           </p:spPr>
           <p:txBody>
-            <a:bodyPr anchorCtr="0" anchor="ctr" bIns="91425" lIns="91425" rIns="91425" wrap="square" tIns="91425">
+            <a:bodyPr wrap="square" lIns="91425" tIns="91425" rIns="91425" bIns="91425" anchor="ctr" anchorCtr="0">
               <a:noAutofit/>
             </a:bodyPr>
             <a:lstStyle/>
@@ -1858,9 +1981,6 @@
                 </a:spcBef>
                 <a:buNone/>
               </a:pPr>
-              <a:r>
-                <a:t/>
-              </a:r>
               <a:endParaRPr/>
             </a:p>
           </p:txBody>
@@ -1878,7 +1998,7 @@
             </a:xfrm>
             <a:prstGeom prst="diagStripe">
               <a:avLst>
-                <a:gd fmla="val 50000" name="adj"/>
+                <a:gd name="adj" fmla="val 50000"/>
               </a:avLst>
             </a:prstGeom>
             <a:solidFill>
@@ -1891,7 +2011,7 @@
             </a:ln>
           </p:spPr>
           <p:txBody>
-            <a:bodyPr anchorCtr="0" anchor="ctr" bIns="91425" lIns="91425" rIns="91425" wrap="square" tIns="91425">
+            <a:bodyPr wrap="square" lIns="91425" tIns="91425" rIns="91425" bIns="91425" anchor="ctr" anchorCtr="0">
               <a:noAutofit/>
             </a:bodyPr>
             <a:lstStyle/>
@@ -1902,9 +2022,6 @@
                 </a:spcBef>
                 <a:buNone/>
               </a:pPr>
-              <a:r>
-                <a:t/>
-              </a:r>
               <a:endParaRPr/>
             </a:p>
           </p:txBody>
@@ -1922,7 +2039,7 @@
             </a:xfrm>
             <a:prstGeom prst="diagStripe">
               <a:avLst>
-                <a:gd fmla="val 50000" name="adj"/>
+                <a:gd name="adj" fmla="val 50000"/>
               </a:avLst>
             </a:prstGeom>
             <a:solidFill>
@@ -1935,7 +2052,7 @@
             </a:ln>
           </p:spPr>
           <p:txBody>
-            <a:bodyPr anchorCtr="0" anchor="ctr" bIns="91425" lIns="91425" rIns="91425" wrap="square" tIns="91425">
+            <a:bodyPr wrap="square" lIns="91425" tIns="91425" rIns="91425" bIns="91425" anchor="ctr" anchorCtr="0">
               <a:noAutofit/>
             </a:bodyPr>
             <a:lstStyle/>
@@ -1946,9 +2063,6 @@
                 </a:spcBef>
                 <a:buNone/>
               </a:pPr>
-              <a:r>
-                <a:t/>
-              </a:r>
               <a:endParaRPr/>
             </a:p>
           </p:txBody>
@@ -1966,7 +2080,7 @@
             </a:xfrm>
             <a:prstGeom prst="diagStripe">
               <a:avLst>
-                <a:gd fmla="val 50000" name="adj"/>
+                <a:gd name="adj" fmla="val 50000"/>
               </a:avLst>
             </a:prstGeom>
             <a:solidFill>
@@ -1979,7 +2093,7 @@
             </a:ln>
           </p:spPr>
           <p:txBody>
-            <a:bodyPr anchorCtr="0" anchor="ctr" bIns="91425" lIns="91425" rIns="91425" wrap="square" tIns="91425">
+            <a:bodyPr wrap="square" lIns="91425" tIns="91425" rIns="91425" bIns="91425" anchor="ctr" anchorCtr="0">
               <a:noAutofit/>
             </a:bodyPr>
             <a:lstStyle/>
@@ -1990,9 +2104,6 @@
                 </a:spcBef>
                 <a:buNone/>
               </a:pPr>
-              <a:r>
-                <a:t/>
-              </a:r>
               <a:endParaRPr/>
             </a:p>
           </p:txBody>
@@ -2010,7 +2121,7 @@
             </a:xfrm>
             <a:prstGeom prst="diagStripe">
               <a:avLst>
-                <a:gd fmla="val 50000" name="adj"/>
+                <a:gd name="adj" fmla="val 50000"/>
               </a:avLst>
             </a:prstGeom>
             <a:solidFill>
@@ -2023,7 +2134,7 @@
             </a:ln>
           </p:spPr>
           <p:txBody>
-            <a:bodyPr anchorCtr="0" anchor="ctr" bIns="91425" lIns="91425" rIns="91425" wrap="square" tIns="91425">
+            <a:bodyPr wrap="square" lIns="91425" tIns="91425" rIns="91425" bIns="91425" anchor="ctr" anchorCtr="0">
               <a:noAutofit/>
             </a:bodyPr>
             <a:lstStyle/>
@@ -2034,9 +2145,6 @@
                 </a:spcBef>
                 <a:buNone/>
               </a:pPr>
-              <a:r>
-                <a:t/>
-              </a:r>
               <a:endParaRPr/>
             </a:p>
           </p:txBody>
@@ -2054,7 +2162,7 @@
             </a:xfrm>
             <a:prstGeom prst="diagStripe">
               <a:avLst>
-                <a:gd fmla="val 50000" name="adj"/>
+                <a:gd name="adj" fmla="val 50000"/>
               </a:avLst>
             </a:prstGeom>
             <a:solidFill>
@@ -2065,7 +2173,7 @@
             </a:ln>
           </p:spPr>
           <p:txBody>
-            <a:bodyPr anchorCtr="0" anchor="ctr" bIns="91425" lIns="91425" rIns="91425" wrap="square" tIns="91425">
+            <a:bodyPr wrap="square" lIns="91425" tIns="91425" rIns="91425" bIns="91425" anchor="ctr" anchorCtr="0">
               <a:noAutofit/>
             </a:bodyPr>
             <a:lstStyle/>
@@ -2076,9 +2184,6 @@
                 </a:spcBef>
                 <a:buNone/>
               </a:pPr>
-              <a:r>
-                <a:t/>
-              </a:r>
               <a:endParaRPr/>
             </a:p>
           </p:txBody>
@@ -2096,7 +2201,7 @@
             </a:xfrm>
             <a:prstGeom prst="diagStripe">
               <a:avLst>
-                <a:gd fmla="val 50000" name="adj"/>
+                <a:gd name="adj" fmla="val 50000"/>
               </a:avLst>
             </a:prstGeom>
             <a:solidFill>
@@ -2109,7 +2214,7 @@
             </a:ln>
           </p:spPr>
           <p:txBody>
-            <a:bodyPr anchorCtr="0" anchor="ctr" bIns="91425" lIns="91425" rIns="91425" wrap="square" tIns="91425">
+            <a:bodyPr wrap="square" lIns="91425" tIns="91425" rIns="91425" bIns="91425" anchor="ctr" anchorCtr="0">
               <a:noAutofit/>
             </a:bodyPr>
             <a:lstStyle/>
@@ -2120,9 +2225,6 @@
                 </a:spcBef>
                 <a:buNone/>
               </a:pPr>
-              <a:r>
-                <a:t/>
-              </a:r>
               <a:endParaRPr/>
             </a:p>
           </p:txBody>
@@ -2140,7 +2242,7 @@
             </a:xfrm>
             <a:prstGeom prst="diagStripe">
               <a:avLst>
-                <a:gd fmla="val 50000" name="adj"/>
+                <a:gd name="adj" fmla="val 50000"/>
               </a:avLst>
             </a:prstGeom>
             <a:solidFill>
@@ -2153,7 +2255,7 @@
             </a:ln>
           </p:spPr>
           <p:txBody>
-            <a:bodyPr anchorCtr="0" anchor="ctr" bIns="91425" lIns="91425" rIns="91425" wrap="square" tIns="91425">
+            <a:bodyPr wrap="square" lIns="91425" tIns="91425" rIns="91425" bIns="91425" anchor="ctr" anchorCtr="0">
               <a:noAutofit/>
             </a:bodyPr>
             <a:lstStyle/>
@@ -2164,9 +2266,6 @@
                 </a:spcBef>
                 <a:buNone/>
               </a:pPr>
-              <a:r>
-                <a:t/>
-              </a:r>
               <a:endParaRPr/>
             </a:p>
           </p:txBody>
@@ -2184,7 +2283,7 @@
             </a:xfrm>
             <a:prstGeom prst="diagStripe">
               <a:avLst>
-                <a:gd fmla="val 50000" name="adj"/>
+                <a:gd name="adj" fmla="val 50000"/>
               </a:avLst>
             </a:prstGeom>
             <a:solidFill>
@@ -2197,7 +2296,7 @@
             </a:ln>
           </p:spPr>
           <p:txBody>
-            <a:bodyPr anchorCtr="0" anchor="ctr" bIns="91425" lIns="91425" rIns="91425" wrap="square" tIns="91425">
+            <a:bodyPr wrap="square" lIns="91425" tIns="91425" rIns="91425" bIns="91425" anchor="ctr" anchorCtr="0">
               <a:noAutofit/>
             </a:bodyPr>
             <a:lstStyle/>
@@ -2208,9 +2307,6 @@
                 </a:spcBef>
                 <a:buNone/>
               </a:pPr>
-              <a:r>
-                <a:t/>
-              </a:r>
               <a:endParaRPr/>
             </a:p>
           </p:txBody>
@@ -2228,7 +2324,7 @@
             </a:xfrm>
             <a:prstGeom prst="diagStripe">
               <a:avLst>
-                <a:gd fmla="val 50000" name="adj"/>
+                <a:gd name="adj" fmla="val 50000"/>
               </a:avLst>
             </a:prstGeom>
             <a:solidFill>
@@ -2241,7 +2337,7 @@
             </a:ln>
           </p:spPr>
           <p:txBody>
-            <a:bodyPr anchorCtr="0" anchor="ctr" bIns="91425" lIns="91425" rIns="91425" wrap="square" tIns="91425">
+            <a:bodyPr wrap="square" lIns="91425" tIns="91425" rIns="91425" bIns="91425" anchor="ctr" anchorCtr="0">
               <a:noAutofit/>
             </a:bodyPr>
             <a:lstStyle/>
@@ -2252,9 +2348,6 @@
                 </a:spcBef>
                 <a:buNone/>
               </a:pPr>
-              <a:r>
-                <a:t/>
-              </a:r>
               <a:endParaRPr/>
             </a:p>
           </p:txBody>
@@ -2272,7 +2365,7 @@
             </a:xfrm>
             <a:prstGeom prst="diagStripe">
               <a:avLst>
-                <a:gd fmla="val 50000" name="adj"/>
+                <a:gd name="adj" fmla="val 50000"/>
               </a:avLst>
             </a:prstGeom>
             <a:solidFill>
@@ -2285,7 +2378,7 @@
             </a:ln>
           </p:spPr>
           <p:txBody>
-            <a:bodyPr anchorCtr="0" anchor="ctr" bIns="91425" lIns="91425" rIns="91425" wrap="square" tIns="91425">
+            <a:bodyPr wrap="square" lIns="91425" tIns="91425" rIns="91425" bIns="91425" anchor="ctr" anchorCtr="0">
               <a:noAutofit/>
             </a:bodyPr>
             <a:lstStyle/>
@@ -2296,9 +2389,6 @@
                 </a:spcBef>
                 <a:buNone/>
               </a:pPr>
-              <a:r>
-                <a:t/>
-              </a:r>
               <a:endParaRPr/>
             </a:p>
           </p:txBody>
@@ -2316,7 +2406,7 @@
             </a:xfrm>
             <a:prstGeom prst="diagStripe">
               <a:avLst>
-                <a:gd fmla="val 50000" name="adj"/>
+                <a:gd name="adj" fmla="val 50000"/>
               </a:avLst>
             </a:prstGeom>
             <a:solidFill>
@@ -2327,7 +2417,7 @@
             </a:ln>
           </p:spPr>
           <p:txBody>
-            <a:bodyPr anchorCtr="0" anchor="ctr" bIns="91425" lIns="91425" rIns="91425" wrap="square" tIns="91425">
+            <a:bodyPr wrap="square" lIns="91425" tIns="91425" rIns="91425" bIns="91425" anchor="ctr" anchorCtr="0">
               <a:noAutofit/>
             </a:bodyPr>
             <a:lstStyle/>
@@ -2338,9 +2428,6 @@
                 </a:spcBef>
                 <a:buNone/>
               </a:pPr>
-              <a:r>
-                <a:t/>
-              </a:r>
               <a:endParaRPr/>
             </a:p>
           </p:txBody>
@@ -2358,7 +2445,7 @@
             </a:xfrm>
             <a:prstGeom prst="diagStripe">
               <a:avLst>
-                <a:gd fmla="val 50000" name="adj"/>
+                <a:gd name="adj" fmla="val 50000"/>
               </a:avLst>
             </a:prstGeom>
             <a:solidFill>
@@ -2371,7 +2458,7 @@
             </a:ln>
           </p:spPr>
           <p:txBody>
-            <a:bodyPr anchorCtr="0" anchor="ctr" bIns="91425" lIns="91425" rIns="91425" wrap="square" tIns="91425">
+            <a:bodyPr wrap="square" lIns="91425" tIns="91425" rIns="91425" bIns="91425" anchor="ctr" anchorCtr="0">
               <a:noAutofit/>
             </a:bodyPr>
             <a:lstStyle/>
@@ -2382,9 +2469,6 @@
                 </a:spcBef>
                 <a:buNone/>
               </a:pPr>
-              <a:r>
-                <a:t/>
-              </a:r>
               <a:endParaRPr/>
             </a:p>
           </p:txBody>
@@ -2402,7 +2486,7 @@
             </a:xfrm>
             <a:prstGeom prst="diagStripe">
               <a:avLst>
-                <a:gd fmla="val 50000" name="adj"/>
+                <a:gd name="adj" fmla="val 50000"/>
               </a:avLst>
             </a:prstGeom>
             <a:solidFill>
@@ -2415,7 +2499,7 @@
             </a:ln>
           </p:spPr>
           <p:txBody>
-            <a:bodyPr anchorCtr="0" anchor="ctr" bIns="91425" lIns="91425" rIns="91425" wrap="square" tIns="91425">
+            <a:bodyPr wrap="square" lIns="91425" tIns="91425" rIns="91425" bIns="91425" anchor="ctr" anchorCtr="0">
               <a:noAutofit/>
             </a:bodyPr>
             <a:lstStyle/>
@@ -2426,9 +2510,6 @@
                 </a:spcBef>
                 <a:buNone/>
               </a:pPr>
-              <a:r>
-                <a:t/>
-              </a:r>
               <a:endParaRPr/>
             </a:p>
           </p:txBody>
@@ -2446,7 +2527,7 @@
             </a:xfrm>
             <a:prstGeom prst="diagStripe">
               <a:avLst>
-                <a:gd fmla="val 50000" name="adj"/>
+                <a:gd name="adj" fmla="val 50000"/>
               </a:avLst>
             </a:prstGeom>
             <a:solidFill>
@@ -2459,7 +2540,7 @@
             </a:ln>
           </p:spPr>
           <p:txBody>
-            <a:bodyPr anchorCtr="0" anchor="ctr" bIns="91425" lIns="91425" rIns="91425" wrap="square" tIns="91425">
+            <a:bodyPr wrap="square" lIns="91425" tIns="91425" rIns="91425" bIns="91425" anchor="ctr" anchorCtr="0">
               <a:noAutofit/>
             </a:bodyPr>
             <a:lstStyle/>
@@ -2470,9 +2551,6 @@
                 </a:spcBef>
                 <a:buNone/>
               </a:pPr>
-              <a:r>
-                <a:t/>
-              </a:r>
               <a:endParaRPr/>
             </a:p>
           </p:txBody>
@@ -2490,7 +2568,7 @@
             </a:xfrm>
             <a:prstGeom prst="diagStripe">
               <a:avLst>
-                <a:gd fmla="val 50000" name="adj"/>
+                <a:gd name="adj" fmla="val 50000"/>
               </a:avLst>
             </a:prstGeom>
             <a:solidFill>
@@ -2503,7 +2581,7 @@
             </a:ln>
           </p:spPr>
           <p:txBody>
-            <a:bodyPr anchorCtr="0" anchor="ctr" bIns="91425" lIns="91425" rIns="91425" wrap="square" tIns="91425">
+            <a:bodyPr wrap="square" lIns="91425" tIns="91425" rIns="91425" bIns="91425" anchor="ctr" anchorCtr="0">
               <a:noAutofit/>
             </a:bodyPr>
             <a:lstStyle/>
@@ -2514,9 +2592,6 @@
                 </a:spcBef>
                 <a:buNone/>
               </a:pPr>
-              <a:r>
-                <a:t/>
-              </a:r>
               <a:endParaRPr/>
             </a:p>
           </p:txBody>
@@ -2525,7 +2600,9 @@
       <p:sp>
         <p:nvSpPr>
           <p:cNvPr id="125" name="Shape 125"/>
-          <p:cNvSpPr txBox="1"/>
+          <p:cNvSpPr txBox="1">
+            <a:spLocks noGrp="1"/>
+          </p:cNvSpPr>
           <p:nvPr>
             <p:ph type="title"/>
           </p:nvPr>
@@ -2540,7 +2617,7 @@
           </a:prstGeom>
         </p:spPr>
         <p:txBody>
-          <a:bodyPr anchorCtr="0" anchor="t" bIns="91425" lIns="91425" rIns="91425" wrap="square" tIns="91425"/>
+          <a:bodyPr wrap="square" lIns="91425" tIns="91425" rIns="91425" bIns="91425" anchor="t" anchorCtr="0"/>
           <a:lstStyle>
             <a:lvl1pPr lvl="0">
               <a:spcBef>
@@ -2606,15 +2683,19 @@
               <a:defRPr sz="8000"/>
             </a:lvl9pPr>
           </a:lstStyle>
-          <a:p/>
+          <a:p>
+            <a:endParaRPr/>
+          </a:p>
         </p:txBody>
       </p:sp>
       <p:sp>
         <p:nvSpPr>
           <p:cNvPr id="126" name="Shape 126"/>
-          <p:cNvSpPr txBox="1"/>
+          <p:cNvSpPr txBox="1">
+            <a:spLocks noGrp="1"/>
+          </p:cNvSpPr>
           <p:nvPr>
-            <p:ph idx="1" type="body"/>
+            <p:ph type="body" idx="1"/>
           </p:nvPr>
         </p:nvSpPr>
         <p:spPr>
@@ -2627,7 +2708,7 @@
           </a:prstGeom>
         </p:spPr>
         <p:txBody>
-          <a:bodyPr anchorCtr="0" anchor="t" bIns="91425" lIns="91425" rIns="91425" wrap="square" tIns="91425"/>
+          <a:bodyPr wrap="square" lIns="91425" tIns="91425" rIns="91425" bIns="91425" anchor="t" anchorCtr="0"/>
           <a:lstStyle>
             <a:lvl1pPr lvl="0">
               <a:spcBef>
@@ -2684,15 +2765,19 @@
               <a:defRPr/>
             </a:lvl9pPr>
           </a:lstStyle>
-          <a:p/>
+          <a:p>
+            <a:endParaRPr/>
+          </a:p>
         </p:txBody>
       </p:sp>
       <p:sp>
         <p:nvSpPr>
           <p:cNvPr id="127" name="Shape 127"/>
-          <p:cNvSpPr txBox="1"/>
+          <p:cNvSpPr txBox="1">
+            <a:spLocks noGrp="1"/>
+          </p:cNvSpPr>
           <p:nvPr>
-            <p:ph idx="12" type="sldNum"/>
+            <p:ph type="sldNum" idx="12"/>
           </p:nvPr>
         </p:nvSpPr>
         <p:spPr>
@@ -2705,7 +2790,7 @@
           </a:prstGeom>
         </p:spPr>
         <p:txBody>
-          <a:bodyPr anchorCtr="0" anchor="ctr" bIns="91425" lIns="91425" rIns="91425" wrap="square" tIns="91425">
+          <a:bodyPr wrap="square" lIns="91425" tIns="91425" rIns="91425" bIns="91425" anchor="ctr" anchorCtr="0">
             <a:noAutofit/>
           </a:bodyPr>
           <a:lstStyle/>
@@ -2720,6 +2805,7 @@
               <a:rPr lang="en"/>
               <a:t>‹#›</a:t>
             </a:fld>
+            <a:endParaRPr lang="en"/>
           </a:p>
         </p:txBody>
       </p:sp>
@@ -2732,11 +2818,11 @@
 </file>
 
 <file path=ppt/slideLayouts/slideLayout11.xml><?xml version="1.0" encoding="utf-8"?>
-<p:sldLayout xmlns:a="http://schemas.openxmlformats.org/drawingml/2006/main" xmlns:r="http://schemas.openxmlformats.org/officeDocument/2006/relationships" xmlns:mc="http://schemas.openxmlformats.org/markup-compatibility/2006" xmlns:mv="urn:schemas-microsoft-com:mac:vml" xmlns:p="http://schemas.openxmlformats.org/presentationml/2006/main" xmlns:c="http://schemas.openxmlformats.org/drawingml/2006/chart" xmlns:dgm="http://schemas.openxmlformats.org/drawingml/2006/diagram" xmlns:o="urn:schemas-microsoft-com:office:office" xmlns:v="urn:schemas-microsoft-com:vml" xmlns:pvml="urn:schemas-microsoft-com:office:powerpoint" xmlns:com="http://schemas.openxmlformats.org/drawingml/2006/compatibility" xmlns:p14="http://schemas.microsoft.com/office/powerpoint/2010/main" xmlns:p15="http://schemas.microsoft.com/office/powerpoint/2012/main" type="blank">
+<p:sldLayout xmlns:a="http://schemas.openxmlformats.org/drawingml/2006/main" xmlns:r="http://schemas.openxmlformats.org/officeDocument/2006/relationships" xmlns:p="http://schemas.openxmlformats.org/presentationml/2006/main" type="blank">
   <p:cSld name="Blank">
     <p:spTree>
       <p:nvGrpSpPr>
-        <p:cNvPr id="128" name="Shape 128"/>
+        <p:cNvPr id="1" name="Shape 128"/>
         <p:cNvGrpSpPr/>
         <p:nvPr/>
       </p:nvGrpSpPr>
@@ -2751,9 +2837,11 @@
       <p:sp>
         <p:nvSpPr>
           <p:cNvPr id="129" name="Shape 129"/>
-          <p:cNvSpPr txBox="1"/>
+          <p:cNvSpPr txBox="1">
+            <a:spLocks noGrp="1"/>
+          </p:cNvSpPr>
           <p:nvPr>
-            <p:ph idx="12" type="sldNum"/>
+            <p:ph type="sldNum" idx="12"/>
           </p:nvPr>
         </p:nvSpPr>
         <p:spPr>
@@ -2766,7 +2854,7 @@
           </a:prstGeom>
         </p:spPr>
         <p:txBody>
-          <a:bodyPr anchorCtr="0" anchor="ctr" bIns="91425" lIns="91425" rIns="91425" wrap="square" tIns="91425">
+          <a:bodyPr wrap="square" lIns="91425" tIns="91425" rIns="91425" bIns="91425" anchor="ctr" anchorCtr="0">
             <a:noAutofit/>
           </a:bodyPr>
           <a:lstStyle/>
@@ -2781,6 +2869,7 @@
               <a:rPr lang="en"/>
               <a:t>‹#›</a:t>
             </a:fld>
+            <a:endParaRPr lang="en"/>
           </a:p>
         </p:txBody>
       </p:sp>
@@ -2793,11 +2882,11 @@
 </file>
 
 <file path=ppt/slideLayouts/slideLayout2.xml><?xml version="1.0" encoding="utf-8"?>
-<p:sldLayout xmlns:a="http://schemas.openxmlformats.org/drawingml/2006/main" xmlns:r="http://schemas.openxmlformats.org/officeDocument/2006/relationships" xmlns:mc="http://schemas.openxmlformats.org/markup-compatibility/2006" xmlns:mv="urn:schemas-microsoft-com:mac:vml" xmlns:p="http://schemas.openxmlformats.org/presentationml/2006/main" xmlns:c="http://schemas.openxmlformats.org/drawingml/2006/chart" xmlns:dgm="http://schemas.openxmlformats.org/drawingml/2006/diagram" xmlns:o="urn:schemas-microsoft-com:office:office" xmlns:v="urn:schemas-microsoft-com:vml" xmlns:pvml="urn:schemas-microsoft-com:office:powerpoint" xmlns:com="http://schemas.openxmlformats.org/drawingml/2006/compatibility" xmlns:p14="http://schemas.microsoft.com/office/powerpoint/2010/main" xmlns:p15="http://schemas.microsoft.com/office/powerpoint/2012/main" type="secHead">
+<p:sldLayout xmlns:a="http://schemas.openxmlformats.org/drawingml/2006/main" xmlns:r="http://schemas.openxmlformats.org/officeDocument/2006/relationships" xmlns:p="http://schemas.openxmlformats.org/presentationml/2006/main" type="secHead">
   <p:cSld name="Section header">
     <p:spTree>
       <p:nvGrpSpPr>
-        <p:cNvPr id="19" name="Shape 19"/>
+        <p:cNvPr id="1" name="Shape 19"/>
         <p:cNvGrpSpPr/>
         <p:nvPr/>
       </p:nvGrpSpPr>
@@ -2836,7 +2925,7 @@
             </a:xfrm>
             <a:prstGeom prst="diagStripe">
               <a:avLst>
-                <a:gd fmla="val 49469" name="adj"/>
+                <a:gd name="adj" fmla="val 49469"/>
               </a:avLst>
             </a:prstGeom>
             <a:solidFill>
@@ -2849,7 +2938,7 @@
             </a:ln>
           </p:spPr>
           <p:txBody>
-            <a:bodyPr anchorCtr="0" anchor="ctr" bIns="91425" lIns="91425" rIns="91425" wrap="square" tIns="91425">
+            <a:bodyPr wrap="square" lIns="91425" tIns="91425" rIns="91425" bIns="91425" anchor="ctr" anchorCtr="0">
               <a:noAutofit/>
             </a:bodyPr>
             <a:lstStyle/>
@@ -2860,9 +2949,6 @@
                 </a:spcBef>
                 <a:buNone/>
               </a:pPr>
-              <a:r>
-                <a:t/>
-              </a:r>
               <a:endParaRPr/>
             </a:p>
           </p:txBody>
@@ -2880,7 +2966,7 @@
             </a:xfrm>
             <a:prstGeom prst="diagStripe">
               <a:avLst>
-                <a:gd fmla="val 0" name="adj"/>
+                <a:gd name="adj" fmla="val 0"/>
               </a:avLst>
             </a:prstGeom>
             <a:solidFill>
@@ -2893,7 +2979,7 @@
             </a:ln>
           </p:spPr>
           <p:txBody>
-            <a:bodyPr anchorCtr="0" anchor="ctr" bIns="91425" lIns="91425" rIns="91425" wrap="square" tIns="91425">
+            <a:bodyPr wrap="square" lIns="91425" tIns="91425" rIns="91425" bIns="91425" anchor="ctr" anchorCtr="0">
               <a:noAutofit/>
             </a:bodyPr>
             <a:lstStyle/>
@@ -2904,9 +2990,6 @@
                 </a:spcBef>
                 <a:buNone/>
               </a:pPr>
-              <a:r>
-                <a:t/>
-              </a:r>
               <a:endParaRPr/>
             </a:p>
           </p:txBody>
@@ -2924,7 +3007,7 @@
             </a:xfrm>
             <a:prstGeom prst="diagStripe">
               <a:avLst>
-                <a:gd fmla="val 50000" name="adj"/>
+                <a:gd name="adj" fmla="val 50000"/>
               </a:avLst>
             </a:prstGeom>
             <a:solidFill>
@@ -2937,7 +3020,7 @@
             </a:ln>
           </p:spPr>
           <p:txBody>
-            <a:bodyPr anchorCtr="0" anchor="ctr" bIns="91425" lIns="91425" rIns="91425" wrap="square" tIns="91425">
+            <a:bodyPr wrap="square" lIns="91425" tIns="91425" rIns="91425" bIns="91425" anchor="ctr" anchorCtr="0">
               <a:noAutofit/>
             </a:bodyPr>
             <a:lstStyle/>
@@ -2948,9 +3031,6 @@
                 </a:spcBef>
                 <a:buNone/>
               </a:pPr>
-              <a:r>
-                <a:t/>
-              </a:r>
               <a:endParaRPr/>
             </a:p>
           </p:txBody>
@@ -2968,7 +3048,7 @@
             </a:xfrm>
             <a:prstGeom prst="diagStripe">
               <a:avLst>
-                <a:gd fmla="val 50000" name="adj"/>
+                <a:gd name="adj" fmla="val 50000"/>
               </a:avLst>
             </a:prstGeom>
             <a:solidFill>
@@ -2981,7 +3061,7 @@
             </a:ln>
           </p:spPr>
           <p:txBody>
-            <a:bodyPr anchorCtr="0" anchor="ctr" bIns="91425" lIns="91425" rIns="91425" wrap="square" tIns="91425">
+            <a:bodyPr wrap="square" lIns="91425" tIns="91425" rIns="91425" bIns="91425" anchor="ctr" anchorCtr="0">
               <a:noAutofit/>
             </a:bodyPr>
             <a:lstStyle/>
@@ -2992,9 +3072,6 @@
                 </a:spcBef>
                 <a:buNone/>
               </a:pPr>
-              <a:r>
-                <a:t/>
-              </a:r>
               <a:endParaRPr/>
             </a:p>
           </p:txBody>
@@ -3012,7 +3089,7 @@
             </a:xfrm>
             <a:prstGeom prst="diagStripe">
               <a:avLst>
-                <a:gd fmla="val 50000" name="adj"/>
+                <a:gd name="adj" fmla="val 50000"/>
               </a:avLst>
             </a:prstGeom>
             <a:solidFill>
@@ -3025,7 +3102,7 @@
             </a:ln>
           </p:spPr>
           <p:txBody>
-            <a:bodyPr anchorCtr="0" anchor="ctr" bIns="91425" lIns="91425" rIns="91425" wrap="square" tIns="91425">
+            <a:bodyPr wrap="square" lIns="91425" tIns="91425" rIns="91425" bIns="91425" anchor="ctr" anchorCtr="0">
               <a:noAutofit/>
             </a:bodyPr>
             <a:lstStyle/>
@@ -3036,9 +3113,6 @@
                 </a:spcBef>
                 <a:buNone/>
               </a:pPr>
-              <a:r>
-                <a:t/>
-              </a:r>
               <a:endParaRPr/>
             </a:p>
           </p:txBody>
@@ -3056,7 +3130,7 @@
             </a:xfrm>
             <a:prstGeom prst="diagStripe">
               <a:avLst>
-                <a:gd fmla="val 50000" name="adj"/>
+                <a:gd name="adj" fmla="val 50000"/>
               </a:avLst>
             </a:prstGeom>
             <a:solidFill>
@@ -3069,7 +3143,7 @@
             </a:ln>
           </p:spPr>
           <p:txBody>
-            <a:bodyPr anchorCtr="0" anchor="ctr" bIns="91425" lIns="91425" rIns="91425" wrap="square" tIns="91425">
+            <a:bodyPr wrap="square" lIns="91425" tIns="91425" rIns="91425" bIns="91425" anchor="ctr" anchorCtr="0">
               <a:noAutofit/>
             </a:bodyPr>
             <a:lstStyle/>
@@ -3080,9 +3154,6 @@
                 </a:spcBef>
                 <a:buNone/>
               </a:pPr>
-              <a:r>
-                <a:t/>
-              </a:r>
               <a:endParaRPr/>
             </a:p>
           </p:txBody>
@@ -3100,7 +3171,7 @@
             </a:xfrm>
             <a:prstGeom prst="diagStripe">
               <a:avLst>
-                <a:gd fmla="val 50000" name="adj"/>
+                <a:gd name="adj" fmla="val 50000"/>
               </a:avLst>
             </a:prstGeom>
             <a:solidFill>
@@ -3113,7 +3184,7 @@
             </a:ln>
           </p:spPr>
           <p:txBody>
-            <a:bodyPr anchorCtr="0" anchor="ctr" bIns="91425" lIns="91425" rIns="91425" wrap="square" tIns="91425">
+            <a:bodyPr wrap="square" lIns="91425" tIns="91425" rIns="91425" bIns="91425" anchor="ctr" anchorCtr="0">
               <a:noAutofit/>
             </a:bodyPr>
             <a:lstStyle/>
@@ -3124,9 +3195,6 @@
                 </a:spcBef>
                 <a:buNone/>
               </a:pPr>
-              <a:r>
-                <a:t/>
-              </a:r>
               <a:endParaRPr/>
             </a:p>
           </p:txBody>
@@ -3144,7 +3212,7 @@
             </a:xfrm>
             <a:prstGeom prst="diagStripe">
               <a:avLst>
-                <a:gd fmla="val 50000" name="adj"/>
+                <a:gd name="adj" fmla="val 50000"/>
               </a:avLst>
             </a:prstGeom>
             <a:solidFill>
@@ -3155,7 +3223,7 @@
             </a:ln>
           </p:spPr>
           <p:txBody>
-            <a:bodyPr anchorCtr="0" anchor="ctr" bIns="91425" lIns="91425" rIns="91425" wrap="square" tIns="91425">
+            <a:bodyPr wrap="square" lIns="91425" tIns="91425" rIns="91425" bIns="91425" anchor="ctr" anchorCtr="0">
               <a:noAutofit/>
             </a:bodyPr>
             <a:lstStyle/>
@@ -3166,9 +3234,6 @@
                 </a:spcBef>
                 <a:buNone/>
               </a:pPr>
-              <a:r>
-                <a:t/>
-              </a:r>
               <a:endParaRPr/>
             </a:p>
           </p:txBody>
@@ -3186,7 +3251,7 @@
             </a:xfrm>
             <a:prstGeom prst="diagStripe">
               <a:avLst>
-                <a:gd fmla="val 50000" name="adj"/>
+                <a:gd name="adj" fmla="val 50000"/>
               </a:avLst>
             </a:prstGeom>
             <a:solidFill>
@@ -3199,7 +3264,7 @@
             </a:ln>
           </p:spPr>
           <p:txBody>
-            <a:bodyPr anchorCtr="0" anchor="ctr" bIns="91425" lIns="91425" rIns="91425" wrap="square" tIns="91425">
+            <a:bodyPr wrap="square" lIns="91425" tIns="91425" rIns="91425" bIns="91425" anchor="ctr" anchorCtr="0">
               <a:noAutofit/>
             </a:bodyPr>
             <a:lstStyle/>
@@ -3210,9 +3275,6 @@
                 </a:spcBef>
                 <a:buNone/>
               </a:pPr>
-              <a:r>
-                <a:t/>
-              </a:r>
               <a:endParaRPr/>
             </a:p>
           </p:txBody>
@@ -3230,7 +3292,7 @@
             </a:xfrm>
             <a:prstGeom prst="diagStripe">
               <a:avLst>
-                <a:gd fmla="val 50000" name="adj"/>
+                <a:gd name="adj" fmla="val 50000"/>
               </a:avLst>
             </a:prstGeom>
             <a:solidFill>
@@ -3243,7 +3305,7 @@
             </a:ln>
           </p:spPr>
           <p:txBody>
-            <a:bodyPr anchorCtr="0" anchor="ctr" bIns="91425" lIns="91425" rIns="91425" wrap="square" tIns="91425">
+            <a:bodyPr wrap="square" lIns="91425" tIns="91425" rIns="91425" bIns="91425" anchor="ctr" anchorCtr="0">
               <a:noAutofit/>
             </a:bodyPr>
             <a:lstStyle/>
@@ -3254,9 +3316,6 @@
                 </a:spcBef>
                 <a:buNone/>
               </a:pPr>
-              <a:r>
-                <a:t/>
-              </a:r>
               <a:endParaRPr/>
             </a:p>
           </p:txBody>
@@ -3274,7 +3333,7 @@
             </a:xfrm>
             <a:prstGeom prst="diagStripe">
               <a:avLst>
-                <a:gd fmla="val 50000" name="adj"/>
+                <a:gd name="adj" fmla="val 50000"/>
               </a:avLst>
             </a:prstGeom>
             <a:solidFill>
@@ -3287,7 +3346,7 @@
             </a:ln>
           </p:spPr>
           <p:txBody>
-            <a:bodyPr anchorCtr="0" anchor="ctr" bIns="91425" lIns="91425" rIns="91425" wrap="square" tIns="91425">
+            <a:bodyPr wrap="square" lIns="91425" tIns="91425" rIns="91425" bIns="91425" anchor="ctr" anchorCtr="0">
               <a:noAutofit/>
             </a:bodyPr>
             <a:lstStyle/>
@@ -3298,9 +3357,6 @@
                 </a:spcBef>
                 <a:buNone/>
               </a:pPr>
-              <a:r>
-                <a:t/>
-              </a:r>
               <a:endParaRPr/>
             </a:p>
           </p:txBody>
@@ -3318,7 +3374,7 @@
             </a:xfrm>
             <a:prstGeom prst="diagStripe">
               <a:avLst>
-                <a:gd fmla="val 50000" name="adj"/>
+                <a:gd name="adj" fmla="val 50000"/>
               </a:avLst>
             </a:prstGeom>
             <a:solidFill>
@@ -3331,7 +3387,7 @@
             </a:ln>
           </p:spPr>
           <p:txBody>
-            <a:bodyPr anchorCtr="0" anchor="ctr" bIns="91425" lIns="91425" rIns="91425" wrap="square" tIns="91425">
+            <a:bodyPr wrap="square" lIns="91425" tIns="91425" rIns="91425" bIns="91425" anchor="ctr" anchorCtr="0">
               <a:noAutofit/>
             </a:bodyPr>
             <a:lstStyle/>
@@ -3342,9 +3398,6 @@
                 </a:spcBef>
                 <a:buNone/>
               </a:pPr>
-              <a:r>
-                <a:t/>
-              </a:r>
               <a:endParaRPr/>
             </a:p>
           </p:txBody>
@@ -3362,7 +3415,7 @@
             </a:xfrm>
             <a:prstGeom prst="diagStripe">
               <a:avLst>
-                <a:gd fmla="val 50000" name="adj"/>
+                <a:gd name="adj" fmla="val 50000"/>
               </a:avLst>
             </a:prstGeom>
             <a:solidFill>
@@ -3375,7 +3428,7 @@
             </a:ln>
           </p:spPr>
           <p:txBody>
-            <a:bodyPr anchorCtr="0" anchor="ctr" bIns="91425" lIns="91425" rIns="91425" wrap="square" tIns="91425">
+            <a:bodyPr wrap="square" lIns="91425" tIns="91425" rIns="91425" bIns="91425" anchor="ctr" anchorCtr="0">
               <a:noAutofit/>
             </a:bodyPr>
             <a:lstStyle/>
@@ -3386,9 +3439,6 @@
                 </a:spcBef>
                 <a:buNone/>
               </a:pPr>
-              <a:r>
-                <a:t/>
-              </a:r>
               <a:endParaRPr/>
             </a:p>
           </p:txBody>
@@ -3406,7 +3456,7 @@
             </a:xfrm>
             <a:prstGeom prst="diagStripe">
               <a:avLst>
-                <a:gd fmla="val 50000" name="adj"/>
+                <a:gd name="adj" fmla="val 50000"/>
               </a:avLst>
             </a:prstGeom>
             <a:solidFill>
@@ -3417,7 +3467,7 @@
             </a:ln>
           </p:spPr>
           <p:txBody>
-            <a:bodyPr anchorCtr="0" anchor="ctr" bIns="91425" lIns="91425" rIns="91425" wrap="square" tIns="91425">
+            <a:bodyPr wrap="square" lIns="91425" tIns="91425" rIns="91425" bIns="91425" anchor="ctr" anchorCtr="0">
               <a:noAutofit/>
             </a:bodyPr>
             <a:lstStyle/>
@@ -3428,9 +3478,6 @@
                 </a:spcBef>
                 <a:buNone/>
               </a:pPr>
-              <a:r>
-                <a:t/>
-              </a:r>
               <a:endParaRPr/>
             </a:p>
           </p:txBody>
@@ -3448,7 +3495,7 @@
             </a:xfrm>
             <a:prstGeom prst="diagStripe">
               <a:avLst>
-                <a:gd fmla="val 50000" name="adj"/>
+                <a:gd name="adj" fmla="val 50000"/>
               </a:avLst>
             </a:prstGeom>
             <a:solidFill>
@@ -3461,7 +3508,7 @@
             </a:ln>
           </p:spPr>
           <p:txBody>
-            <a:bodyPr anchorCtr="0" anchor="ctr" bIns="91425" lIns="91425" rIns="91425" wrap="square" tIns="91425">
+            <a:bodyPr wrap="square" lIns="91425" tIns="91425" rIns="91425" bIns="91425" anchor="ctr" anchorCtr="0">
               <a:noAutofit/>
             </a:bodyPr>
             <a:lstStyle/>
@@ -3472,9 +3519,6 @@
                 </a:spcBef>
                 <a:buNone/>
               </a:pPr>
-              <a:r>
-                <a:t/>
-              </a:r>
               <a:endParaRPr/>
             </a:p>
           </p:txBody>
@@ -3492,7 +3536,7 @@
             </a:xfrm>
             <a:prstGeom prst="diagStripe">
               <a:avLst>
-                <a:gd fmla="val 50000" name="adj"/>
+                <a:gd name="adj" fmla="val 50000"/>
               </a:avLst>
             </a:prstGeom>
             <a:solidFill>
@@ -3505,7 +3549,7 @@
             </a:ln>
           </p:spPr>
           <p:txBody>
-            <a:bodyPr anchorCtr="0" anchor="ctr" bIns="91425" lIns="91425" rIns="91425" wrap="square" tIns="91425">
+            <a:bodyPr wrap="square" lIns="91425" tIns="91425" rIns="91425" bIns="91425" anchor="ctr" anchorCtr="0">
               <a:noAutofit/>
             </a:bodyPr>
             <a:lstStyle/>
@@ -3516,9 +3560,6 @@
                 </a:spcBef>
                 <a:buNone/>
               </a:pPr>
-              <a:r>
-                <a:t/>
-              </a:r>
               <a:endParaRPr/>
             </a:p>
           </p:txBody>
@@ -3536,7 +3577,7 @@
             </a:xfrm>
             <a:prstGeom prst="diagStripe">
               <a:avLst>
-                <a:gd fmla="val 50000" name="adj"/>
+                <a:gd name="adj" fmla="val 50000"/>
               </a:avLst>
             </a:prstGeom>
             <a:solidFill>
@@ -3549,7 +3590,7 @@
             </a:ln>
           </p:spPr>
           <p:txBody>
-            <a:bodyPr anchorCtr="0" anchor="ctr" bIns="91425" lIns="91425" rIns="91425" wrap="square" tIns="91425">
+            <a:bodyPr wrap="square" lIns="91425" tIns="91425" rIns="91425" bIns="91425" anchor="ctr" anchorCtr="0">
               <a:noAutofit/>
             </a:bodyPr>
             <a:lstStyle/>
@@ -3560,9 +3601,6 @@
                 </a:spcBef>
                 <a:buNone/>
               </a:pPr>
-              <a:r>
-                <a:t/>
-              </a:r>
               <a:endParaRPr/>
             </a:p>
           </p:txBody>
@@ -3580,7 +3618,7 @@
             </a:xfrm>
             <a:prstGeom prst="diagStripe">
               <a:avLst>
-                <a:gd fmla="val 50000" name="adj"/>
+                <a:gd name="adj" fmla="val 50000"/>
               </a:avLst>
             </a:prstGeom>
             <a:solidFill>
@@ -3593,7 +3631,7 @@
             </a:ln>
           </p:spPr>
           <p:txBody>
-            <a:bodyPr anchorCtr="0" anchor="ctr" bIns="91425" lIns="91425" rIns="91425" wrap="square" tIns="91425">
+            <a:bodyPr wrap="square" lIns="91425" tIns="91425" rIns="91425" bIns="91425" anchor="ctr" anchorCtr="0">
               <a:noAutofit/>
             </a:bodyPr>
             <a:lstStyle/>
@@ -3604,9 +3642,6 @@
                 </a:spcBef>
                 <a:buNone/>
               </a:pPr>
-              <a:r>
-                <a:t/>
-              </a:r>
               <a:endParaRPr/>
             </a:p>
           </p:txBody>
@@ -3615,7 +3650,9 @@
       <p:sp>
         <p:nvSpPr>
           <p:cNvPr id="39" name="Shape 39"/>
-          <p:cNvSpPr txBox="1"/>
+          <p:cNvSpPr txBox="1">
+            <a:spLocks noGrp="1"/>
+          </p:cNvSpPr>
           <p:nvPr>
             <p:ph type="title"/>
           </p:nvPr>
@@ -3630,7 +3667,7 @@
           </a:prstGeom>
         </p:spPr>
         <p:txBody>
-          <a:bodyPr anchorCtr="0" anchor="ctr" bIns="91425" lIns="91425" rIns="91425" wrap="square" tIns="91425"/>
+          <a:bodyPr wrap="square" lIns="91425" tIns="91425" rIns="91425" bIns="91425" anchor="ctr" anchorCtr="0"/>
           <a:lstStyle>
             <a:lvl1pPr lvl="0">
               <a:spcBef>
@@ -3687,15 +3724,19 @@
               <a:defRPr/>
             </a:lvl9pPr>
           </a:lstStyle>
-          <a:p/>
+          <a:p>
+            <a:endParaRPr/>
+          </a:p>
         </p:txBody>
       </p:sp>
       <p:sp>
         <p:nvSpPr>
           <p:cNvPr id="40" name="Shape 40"/>
-          <p:cNvSpPr txBox="1"/>
+          <p:cNvSpPr txBox="1">
+            <a:spLocks noGrp="1"/>
+          </p:cNvSpPr>
           <p:nvPr>
-            <p:ph idx="12" type="sldNum"/>
+            <p:ph type="sldNum" idx="12"/>
           </p:nvPr>
         </p:nvSpPr>
         <p:spPr>
@@ -3708,7 +3749,7 @@
           </a:prstGeom>
         </p:spPr>
         <p:txBody>
-          <a:bodyPr anchorCtr="0" anchor="ctr" bIns="91425" lIns="91425" rIns="91425" wrap="square" tIns="91425">
+          <a:bodyPr wrap="square" lIns="91425" tIns="91425" rIns="91425" bIns="91425" anchor="ctr" anchorCtr="0">
             <a:noAutofit/>
           </a:bodyPr>
           <a:lstStyle/>
@@ -3723,6 +3764,7 @@
               <a:rPr lang="en"/>
               <a:t>‹#›</a:t>
             </a:fld>
+            <a:endParaRPr lang="en"/>
           </a:p>
         </p:txBody>
       </p:sp>
@@ -3735,11 +3777,11 @@
 </file>
 
 <file path=ppt/slideLayouts/slideLayout3.xml><?xml version="1.0" encoding="utf-8"?>
-<p:sldLayout xmlns:a="http://schemas.openxmlformats.org/drawingml/2006/main" xmlns:r="http://schemas.openxmlformats.org/officeDocument/2006/relationships" xmlns:mc="http://schemas.openxmlformats.org/markup-compatibility/2006" xmlns:mv="urn:schemas-microsoft-com:mac:vml" xmlns:p="http://schemas.openxmlformats.org/presentationml/2006/main" xmlns:c="http://schemas.openxmlformats.org/drawingml/2006/chart" xmlns:dgm="http://schemas.openxmlformats.org/drawingml/2006/diagram" xmlns:o="urn:schemas-microsoft-com:office:office" xmlns:v="urn:schemas-microsoft-com:vml" xmlns:pvml="urn:schemas-microsoft-com:office:powerpoint" xmlns:com="http://schemas.openxmlformats.org/drawingml/2006/compatibility" xmlns:p14="http://schemas.microsoft.com/office/powerpoint/2010/main" xmlns:p15="http://schemas.microsoft.com/office/powerpoint/2012/main" type="tx">
+<p:sldLayout xmlns:a="http://schemas.openxmlformats.org/drawingml/2006/main" xmlns:r="http://schemas.openxmlformats.org/officeDocument/2006/relationships" xmlns:p="http://schemas.openxmlformats.org/presentationml/2006/main" type="tx">
   <p:cSld name="Title and body">
     <p:spTree>
       <p:nvGrpSpPr>
-        <p:cNvPr id="41" name="Shape 41"/>
+        <p:cNvPr id="1" name="Shape 41"/>
         <p:cNvGrpSpPr/>
         <p:nvPr/>
       </p:nvGrpSpPr>
@@ -3778,7 +3820,7 @@
             </a:xfrm>
             <a:prstGeom prst="diagStripe">
               <a:avLst>
-                <a:gd fmla="val 50000" name="adj"/>
+                <a:gd name="adj" fmla="val 50000"/>
               </a:avLst>
             </a:prstGeom>
             <a:solidFill>
@@ -3789,7 +3831,7 @@
             </a:ln>
           </p:spPr>
           <p:txBody>
-            <a:bodyPr anchorCtr="0" anchor="ctr" bIns="91425" lIns="91425" rIns="91425" wrap="square" tIns="91425">
+            <a:bodyPr wrap="square" lIns="91425" tIns="91425" rIns="91425" bIns="91425" anchor="ctr" anchorCtr="0">
               <a:noAutofit/>
             </a:bodyPr>
             <a:lstStyle/>
@@ -3800,9 +3842,6 @@
                 </a:spcBef>
                 <a:buNone/>
               </a:pPr>
-              <a:r>
-                <a:t/>
-              </a:r>
               <a:endParaRPr/>
             </a:p>
           </p:txBody>
@@ -3820,7 +3859,7 @@
             </a:xfrm>
             <a:prstGeom prst="diagStripe">
               <a:avLst>
-                <a:gd fmla="val 50000" name="adj"/>
+                <a:gd name="adj" fmla="val 50000"/>
               </a:avLst>
             </a:prstGeom>
             <a:solidFill>
@@ -3831,7 +3870,7 @@
             </a:ln>
           </p:spPr>
           <p:txBody>
-            <a:bodyPr anchorCtr="0" anchor="ctr" bIns="91425" lIns="91425" rIns="91425" wrap="square" tIns="91425">
+            <a:bodyPr wrap="square" lIns="91425" tIns="91425" rIns="91425" bIns="91425" anchor="ctr" anchorCtr="0">
               <a:noAutofit/>
             </a:bodyPr>
             <a:lstStyle/>
@@ -3842,9 +3881,6 @@
                 </a:spcBef>
                 <a:buNone/>
               </a:pPr>
-              <a:r>
-                <a:t/>
-              </a:r>
               <a:endParaRPr/>
             </a:p>
           </p:txBody>
@@ -3853,7 +3889,9 @@
       <p:sp>
         <p:nvSpPr>
           <p:cNvPr id="45" name="Shape 45"/>
-          <p:cNvSpPr txBox="1"/>
+          <p:cNvSpPr txBox="1">
+            <a:spLocks noGrp="1"/>
+          </p:cNvSpPr>
           <p:nvPr>
             <p:ph type="title"/>
           </p:nvPr>
@@ -3868,7 +3906,7 @@
           </a:prstGeom>
         </p:spPr>
         <p:txBody>
-          <a:bodyPr anchorCtr="0" anchor="t" bIns="91425" lIns="91425" rIns="91425" wrap="square" tIns="91425"/>
+          <a:bodyPr wrap="square" lIns="91425" tIns="91425" rIns="91425" bIns="91425" anchor="t" anchorCtr="0"/>
           <a:lstStyle>
             <a:lvl1pPr lvl="0">
               <a:spcBef>
@@ -3934,15 +3972,19 @@
               <a:defRPr sz="2400"/>
             </a:lvl9pPr>
           </a:lstStyle>
-          <a:p/>
+          <a:p>
+            <a:endParaRPr/>
+          </a:p>
         </p:txBody>
       </p:sp>
       <p:sp>
         <p:nvSpPr>
           <p:cNvPr id="46" name="Shape 46"/>
-          <p:cNvSpPr txBox="1"/>
+          <p:cNvSpPr txBox="1">
+            <a:spLocks noGrp="1"/>
+          </p:cNvSpPr>
           <p:nvPr>
-            <p:ph idx="1" type="body"/>
+            <p:ph type="body" idx="1"/>
           </p:nvPr>
         </p:nvSpPr>
         <p:spPr>
@@ -3955,7 +3997,7 @@
           </a:prstGeom>
         </p:spPr>
         <p:txBody>
-          <a:bodyPr anchorCtr="0" anchor="t" bIns="91425" lIns="91425" rIns="91425" wrap="square" tIns="91425"/>
+          <a:bodyPr wrap="square" lIns="91425" tIns="91425" rIns="91425" bIns="91425" anchor="t" anchorCtr="0"/>
           <a:lstStyle>
             <a:lvl1pPr lvl="0">
               <a:spcBef>
@@ -4012,15 +4054,19 @@
               <a:defRPr/>
             </a:lvl9pPr>
           </a:lstStyle>
-          <a:p/>
+          <a:p>
+            <a:endParaRPr/>
+          </a:p>
         </p:txBody>
       </p:sp>
       <p:sp>
         <p:nvSpPr>
           <p:cNvPr id="47" name="Shape 47"/>
-          <p:cNvSpPr txBox="1"/>
+          <p:cNvSpPr txBox="1">
+            <a:spLocks noGrp="1"/>
+          </p:cNvSpPr>
           <p:nvPr>
-            <p:ph idx="12" type="sldNum"/>
+            <p:ph type="sldNum" idx="12"/>
           </p:nvPr>
         </p:nvSpPr>
         <p:spPr>
@@ -4033,7 +4079,7 @@
           </a:prstGeom>
         </p:spPr>
         <p:txBody>
-          <a:bodyPr anchorCtr="0" anchor="ctr" bIns="91425" lIns="91425" rIns="91425" wrap="square" tIns="91425">
+          <a:bodyPr wrap="square" lIns="91425" tIns="91425" rIns="91425" bIns="91425" anchor="ctr" anchorCtr="0">
             <a:noAutofit/>
           </a:bodyPr>
           <a:lstStyle/>
@@ -4048,6 +4094,7 @@
               <a:rPr lang="en"/>
               <a:t>‹#›</a:t>
             </a:fld>
+            <a:endParaRPr lang="en"/>
           </a:p>
         </p:txBody>
       </p:sp>
@@ -4060,11 +4107,11 @@
 </file>
 
 <file path=ppt/slideLayouts/slideLayout4.xml><?xml version="1.0" encoding="utf-8"?>
-<p:sldLayout xmlns:a="http://schemas.openxmlformats.org/drawingml/2006/main" xmlns:r="http://schemas.openxmlformats.org/officeDocument/2006/relationships" xmlns:mc="http://schemas.openxmlformats.org/markup-compatibility/2006" xmlns:mv="urn:schemas-microsoft-com:mac:vml" xmlns:p="http://schemas.openxmlformats.org/presentationml/2006/main" xmlns:c="http://schemas.openxmlformats.org/drawingml/2006/chart" xmlns:dgm="http://schemas.openxmlformats.org/drawingml/2006/diagram" xmlns:o="urn:schemas-microsoft-com:office:office" xmlns:v="urn:schemas-microsoft-com:vml" xmlns:pvml="urn:schemas-microsoft-com:office:powerpoint" xmlns:com="http://schemas.openxmlformats.org/drawingml/2006/compatibility" xmlns:p14="http://schemas.microsoft.com/office/powerpoint/2010/main" xmlns:p15="http://schemas.microsoft.com/office/powerpoint/2012/main" type="twoColTx">
+<p:sldLayout xmlns:a="http://schemas.openxmlformats.org/drawingml/2006/main" xmlns:r="http://schemas.openxmlformats.org/officeDocument/2006/relationships" xmlns:p="http://schemas.openxmlformats.org/presentationml/2006/main" type="twoColTx">
   <p:cSld name="Title and two columns">
     <p:spTree>
       <p:nvGrpSpPr>
-        <p:cNvPr id="48" name="Shape 48"/>
+        <p:cNvPr id="1" name="Shape 48"/>
         <p:cNvGrpSpPr/>
         <p:nvPr/>
       </p:nvGrpSpPr>
@@ -4103,7 +4150,7 @@
             </a:xfrm>
             <a:prstGeom prst="diagStripe">
               <a:avLst>
-                <a:gd fmla="val 50000" name="adj"/>
+                <a:gd name="adj" fmla="val 50000"/>
               </a:avLst>
             </a:prstGeom>
             <a:solidFill>
@@ -4114,7 +4161,7 @@
             </a:ln>
           </p:spPr>
           <p:txBody>
-            <a:bodyPr anchorCtr="0" anchor="ctr" bIns="91425" lIns="91425" rIns="91425" wrap="square" tIns="91425">
+            <a:bodyPr wrap="square" lIns="91425" tIns="91425" rIns="91425" bIns="91425" anchor="ctr" anchorCtr="0">
               <a:noAutofit/>
             </a:bodyPr>
             <a:lstStyle/>
@@ -4125,9 +4172,6 @@
                 </a:spcBef>
                 <a:buNone/>
               </a:pPr>
-              <a:r>
-                <a:t/>
-              </a:r>
               <a:endParaRPr/>
             </a:p>
           </p:txBody>
@@ -4145,7 +4189,7 @@
             </a:xfrm>
             <a:prstGeom prst="diagStripe">
               <a:avLst>
-                <a:gd fmla="val 50000" name="adj"/>
+                <a:gd name="adj" fmla="val 50000"/>
               </a:avLst>
             </a:prstGeom>
             <a:solidFill>
@@ -4156,7 +4200,7 @@
             </a:ln>
           </p:spPr>
           <p:txBody>
-            <a:bodyPr anchorCtr="0" anchor="ctr" bIns="91425" lIns="91425" rIns="91425" wrap="square" tIns="91425">
+            <a:bodyPr wrap="square" lIns="91425" tIns="91425" rIns="91425" bIns="91425" anchor="ctr" anchorCtr="0">
               <a:noAutofit/>
             </a:bodyPr>
             <a:lstStyle/>
@@ -4167,9 +4211,6 @@
                 </a:spcBef>
                 <a:buNone/>
               </a:pPr>
-              <a:r>
-                <a:t/>
-              </a:r>
               <a:endParaRPr/>
             </a:p>
           </p:txBody>
@@ -4178,7 +4219,9 @@
       <p:sp>
         <p:nvSpPr>
           <p:cNvPr id="52" name="Shape 52"/>
-          <p:cNvSpPr txBox="1"/>
+          <p:cNvSpPr txBox="1">
+            <a:spLocks noGrp="1"/>
+          </p:cNvSpPr>
           <p:nvPr>
             <p:ph type="title"/>
           </p:nvPr>
@@ -4193,7 +4236,7 @@
           </a:prstGeom>
         </p:spPr>
         <p:txBody>
-          <a:bodyPr anchorCtr="0" anchor="t" bIns="91425" lIns="91425" rIns="91425" wrap="square" tIns="91425"/>
+          <a:bodyPr wrap="square" lIns="91425" tIns="91425" rIns="91425" bIns="91425" anchor="t" anchorCtr="0"/>
           <a:lstStyle>
             <a:lvl1pPr lvl="0">
               <a:spcBef>
@@ -4259,15 +4302,19 @@
               <a:defRPr sz="2400"/>
             </a:lvl9pPr>
           </a:lstStyle>
-          <a:p/>
+          <a:p>
+            <a:endParaRPr/>
+          </a:p>
         </p:txBody>
       </p:sp>
       <p:sp>
         <p:nvSpPr>
           <p:cNvPr id="53" name="Shape 53"/>
-          <p:cNvSpPr txBox="1"/>
+          <p:cNvSpPr txBox="1">
+            <a:spLocks noGrp="1"/>
+          </p:cNvSpPr>
           <p:nvPr>
-            <p:ph idx="1" type="body"/>
+            <p:ph type="body" idx="1"/>
           </p:nvPr>
         </p:nvSpPr>
         <p:spPr>
@@ -4280,7 +4327,7 @@
           </a:prstGeom>
         </p:spPr>
         <p:txBody>
-          <a:bodyPr anchorCtr="0" anchor="t" bIns="91425" lIns="91425" rIns="91425" wrap="square" tIns="91425"/>
+          <a:bodyPr wrap="square" lIns="91425" tIns="91425" rIns="91425" bIns="91425" anchor="t" anchorCtr="0"/>
           <a:lstStyle>
             <a:lvl1pPr lvl="0">
               <a:spcBef>
@@ -4337,15 +4384,19 @@
               <a:defRPr/>
             </a:lvl9pPr>
           </a:lstStyle>
-          <a:p/>
+          <a:p>
+            <a:endParaRPr/>
+          </a:p>
         </p:txBody>
       </p:sp>
       <p:sp>
         <p:nvSpPr>
           <p:cNvPr id="54" name="Shape 54"/>
-          <p:cNvSpPr txBox="1"/>
+          <p:cNvSpPr txBox="1">
+            <a:spLocks noGrp="1"/>
+          </p:cNvSpPr>
           <p:nvPr>
-            <p:ph idx="2" type="body"/>
+            <p:ph type="body" idx="2"/>
           </p:nvPr>
         </p:nvSpPr>
         <p:spPr>
@@ -4358,7 +4409,7 @@
           </a:prstGeom>
         </p:spPr>
         <p:txBody>
-          <a:bodyPr anchorCtr="0" anchor="t" bIns="91425" lIns="91425" rIns="91425" wrap="square" tIns="91425"/>
+          <a:bodyPr wrap="square" lIns="91425" tIns="91425" rIns="91425" bIns="91425" anchor="t" anchorCtr="0"/>
           <a:lstStyle>
             <a:lvl1pPr lvl="0">
               <a:spcBef>
@@ -4415,15 +4466,19 @@
               <a:defRPr/>
             </a:lvl9pPr>
           </a:lstStyle>
-          <a:p/>
+          <a:p>
+            <a:endParaRPr/>
+          </a:p>
         </p:txBody>
       </p:sp>
       <p:sp>
         <p:nvSpPr>
           <p:cNvPr id="55" name="Shape 55"/>
-          <p:cNvSpPr txBox="1"/>
+          <p:cNvSpPr txBox="1">
+            <a:spLocks noGrp="1"/>
+          </p:cNvSpPr>
           <p:nvPr>
-            <p:ph idx="12" type="sldNum"/>
+            <p:ph type="sldNum" idx="12"/>
           </p:nvPr>
         </p:nvSpPr>
         <p:spPr>
@@ -4436,7 +4491,7 @@
           </a:prstGeom>
         </p:spPr>
         <p:txBody>
-          <a:bodyPr anchorCtr="0" anchor="ctr" bIns="91425" lIns="91425" rIns="91425" wrap="square" tIns="91425">
+          <a:bodyPr wrap="square" lIns="91425" tIns="91425" rIns="91425" bIns="91425" anchor="ctr" anchorCtr="0">
             <a:noAutofit/>
           </a:bodyPr>
           <a:lstStyle/>
@@ -4451,6 +4506,7 @@
               <a:rPr lang="en"/>
               <a:t>‹#›</a:t>
             </a:fld>
+            <a:endParaRPr lang="en"/>
           </a:p>
         </p:txBody>
       </p:sp>
@@ -4463,11 +4519,11 @@
 </file>
 
 <file path=ppt/slideLayouts/slideLayout5.xml><?xml version="1.0" encoding="utf-8"?>
-<p:sldLayout xmlns:a="http://schemas.openxmlformats.org/drawingml/2006/main" xmlns:r="http://schemas.openxmlformats.org/officeDocument/2006/relationships" xmlns:mc="http://schemas.openxmlformats.org/markup-compatibility/2006" xmlns:mv="urn:schemas-microsoft-com:mac:vml" xmlns:p="http://schemas.openxmlformats.org/presentationml/2006/main" xmlns:c="http://schemas.openxmlformats.org/drawingml/2006/chart" xmlns:dgm="http://schemas.openxmlformats.org/drawingml/2006/diagram" xmlns:o="urn:schemas-microsoft-com:office:office" xmlns:v="urn:schemas-microsoft-com:vml" xmlns:pvml="urn:schemas-microsoft-com:office:powerpoint" xmlns:com="http://schemas.openxmlformats.org/drawingml/2006/compatibility" xmlns:p14="http://schemas.microsoft.com/office/powerpoint/2010/main" xmlns:p15="http://schemas.microsoft.com/office/powerpoint/2012/main" type="titleOnly">
+<p:sldLayout xmlns:a="http://schemas.openxmlformats.org/drawingml/2006/main" xmlns:r="http://schemas.openxmlformats.org/officeDocument/2006/relationships" xmlns:p="http://schemas.openxmlformats.org/presentationml/2006/main" type="titleOnly">
   <p:cSld name="Title only">
     <p:spTree>
       <p:nvGrpSpPr>
-        <p:cNvPr id="56" name="Shape 56"/>
+        <p:cNvPr id="1" name="Shape 56"/>
         <p:cNvGrpSpPr/>
         <p:nvPr/>
       </p:nvGrpSpPr>
@@ -4506,7 +4562,7 @@
             </a:xfrm>
             <a:prstGeom prst="diagStripe">
               <a:avLst>
-                <a:gd fmla="val 50000" name="adj"/>
+                <a:gd name="adj" fmla="val 50000"/>
               </a:avLst>
             </a:prstGeom>
             <a:solidFill>
@@ -4517,7 +4573,7 @@
             </a:ln>
           </p:spPr>
           <p:txBody>
-            <a:bodyPr anchorCtr="0" anchor="ctr" bIns="91425" lIns="91425" rIns="91425" wrap="square" tIns="91425">
+            <a:bodyPr wrap="square" lIns="91425" tIns="91425" rIns="91425" bIns="91425" anchor="ctr" anchorCtr="0">
               <a:noAutofit/>
             </a:bodyPr>
             <a:lstStyle/>
@@ -4528,9 +4584,6 @@
                 </a:spcBef>
                 <a:buNone/>
               </a:pPr>
-              <a:r>
-                <a:t/>
-              </a:r>
               <a:endParaRPr/>
             </a:p>
           </p:txBody>
@@ -4548,7 +4601,7 @@
             </a:xfrm>
             <a:prstGeom prst="diagStripe">
               <a:avLst>
-                <a:gd fmla="val 50000" name="adj"/>
+                <a:gd name="adj" fmla="val 50000"/>
               </a:avLst>
             </a:prstGeom>
             <a:solidFill>
@@ -4559,7 +4612,7 @@
             </a:ln>
           </p:spPr>
           <p:txBody>
-            <a:bodyPr anchorCtr="0" anchor="ctr" bIns="91425" lIns="91425" rIns="91425" wrap="square" tIns="91425">
+            <a:bodyPr wrap="square" lIns="91425" tIns="91425" rIns="91425" bIns="91425" anchor="ctr" anchorCtr="0">
               <a:noAutofit/>
             </a:bodyPr>
             <a:lstStyle/>
@@ -4570,9 +4623,6 @@
                 </a:spcBef>
                 <a:buNone/>
               </a:pPr>
-              <a:r>
-                <a:t/>
-              </a:r>
               <a:endParaRPr/>
             </a:p>
           </p:txBody>
@@ -4581,7 +4631,9 @@
       <p:sp>
         <p:nvSpPr>
           <p:cNvPr id="60" name="Shape 60"/>
-          <p:cNvSpPr txBox="1"/>
+          <p:cNvSpPr txBox="1">
+            <a:spLocks noGrp="1"/>
+          </p:cNvSpPr>
           <p:nvPr>
             <p:ph type="title"/>
           </p:nvPr>
@@ -4596,7 +4648,7 @@
           </a:prstGeom>
         </p:spPr>
         <p:txBody>
-          <a:bodyPr anchorCtr="0" anchor="t" bIns="91425" lIns="91425" rIns="91425" wrap="square" tIns="91425"/>
+          <a:bodyPr wrap="square" lIns="91425" tIns="91425" rIns="91425" bIns="91425" anchor="t" anchorCtr="0"/>
           <a:lstStyle>
             <a:lvl1pPr lvl="0">
               <a:spcBef>
@@ -4662,15 +4714,19 @@
               <a:defRPr sz="2400"/>
             </a:lvl9pPr>
           </a:lstStyle>
-          <a:p/>
+          <a:p>
+            <a:endParaRPr/>
+          </a:p>
         </p:txBody>
       </p:sp>
       <p:sp>
         <p:nvSpPr>
           <p:cNvPr id="61" name="Shape 61"/>
-          <p:cNvSpPr txBox="1"/>
+          <p:cNvSpPr txBox="1">
+            <a:spLocks noGrp="1"/>
+          </p:cNvSpPr>
           <p:nvPr>
-            <p:ph idx="12" type="sldNum"/>
+            <p:ph type="sldNum" idx="12"/>
           </p:nvPr>
         </p:nvSpPr>
         <p:spPr>
@@ -4683,7 +4739,7 @@
           </a:prstGeom>
         </p:spPr>
         <p:txBody>
-          <a:bodyPr anchorCtr="0" anchor="ctr" bIns="91425" lIns="91425" rIns="91425" wrap="square" tIns="91425">
+          <a:bodyPr wrap="square" lIns="91425" tIns="91425" rIns="91425" bIns="91425" anchor="ctr" anchorCtr="0">
             <a:noAutofit/>
           </a:bodyPr>
           <a:lstStyle/>
@@ -4698,6 +4754,7 @@
               <a:rPr lang="en"/>
               <a:t>‹#›</a:t>
             </a:fld>
+            <a:endParaRPr lang="en"/>
           </a:p>
         </p:txBody>
       </p:sp>
@@ -4710,11 +4767,11 @@
 </file>
 
 <file path=ppt/slideLayouts/slideLayout6.xml><?xml version="1.0" encoding="utf-8"?>
-<p:sldLayout xmlns:a="http://schemas.openxmlformats.org/drawingml/2006/main" xmlns:r="http://schemas.openxmlformats.org/officeDocument/2006/relationships" xmlns:mc="http://schemas.openxmlformats.org/markup-compatibility/2006" xmlns:mv="urn:schemas-microsoft-com:mac:vml" xmlns:p="http://schemas.openxmlformats.org/presentationml/2006/main" xmlns:c="http://schemas.openxmlformats.org/drawingml/2006/chart" xmlns:dgm="http://schemas.openxmlformats.org/drawingml/2006/diagram" xmlns:o="urn:schemas-microsoft-com:office:office" xmlns:v="urn:schemas-microsoft-com:vml" xmlns:pvml="urn:schemas-microsoft-com:office:powerpoint" xmlns:com="http://schemas.openxmlformats.org/drawingml/2006/compatibility" xmlns:p14="http://schemas.microsoft.com/office/powerpoint/2010/main" xmlns:p15="http://schemas.microsoft.com/office/powerpoint/2012/main">
+<p:sldLayout xmlns:a="http://schemas.openxmlformats.org/drawingml/2006/main" xmlns:r="http://schemas.openxmlformats.org/officeDocument/2006/relationships" xmlns:p="http://schemas.openxmlformats.org/presentationml/2006/main">
   <p:cSld name="One column text">
     <p:spTree>
       <p:nvGrpSpPr>
-        <p:cNvPr id="62" name="Shape 62"/>
+        <p:cNvPr id="1" name="Shape 62"/>
         <p:cNvGrpSpPr/>
         <p:nvPr/>
       </p:nvGrpSpPr>
@@ -4753,7 +4810,7 @@
             </a:xfrm>
             <a:prstGeom prst="diagStripe">
               <a:avLst>
-                <a:gd fmla="val 50000" name="adj"/>
+                <a:gd name="adj" fmla="val 50000"/>
               </a:avLst>
             </a:prstGeom>
             <a:solidFill>
@@ -4764,7 +4821,7 @@
             </a:ln>
           </p:spPr>
           <p:txBody>
-            <a:bodyPr anchorCtr="0" anchor="ctr" bIns="91425" lIns="91425" rIns="91425" wrap="square" tIns="91425">
+            <a:bodyPr wrap="square" lIns="91425" tIns="91425" rIns="91425" bIns="91425" anchor="ctr" anchorCtr="0">
               <a:noAutofit/>
             </a:bodyPr>
             <a:lstStyle/>
@@ -4775,9 +4832,6 @@
                 </a:spcBef>
                 <a:buNone/>
               </a:pPr>
-              <a:r>
-                <a:t/>
-              </a:r>
               <a:endParaRPr/>
             </a:p>
           </p:txBody>
@@ -4795,7 +4849,7 @@
             </a:xfrm>
             <a:prstGeom prst="diagStripe">
               <a:avLst>
-                <a:gd fmla="val 50000" name="adj"/>
+                <a:gd name="adj" fmla="val 50000"/>
               </a:avLst>
             </a:prstGeom>
             <a:solidFill>
@@ -4806,7 +4860,7 @@
             </a:ln>
           </p:spPr>
           <p:txBody>
-            <a:bodyPr anchorCtr="0" anchor="ctr" bIns="91425" lIns="91425" rIns="91425" wrap="square" tIns="91425">
+            <a:bodyPr wrap="square" lIns="91425" tIns="91425" rIns="91425" bIns="91425" anchor="ctr" anchorCtr="0">
               <a:noAutofit/>
             </a:bodyPr>
             <a:lstStyle/>
@@ -4817,9 +4871,6 @@
                 </a:spcBef>
                 <a:buNone/>
               </a:pPr>
-              <a:r>
-                <a:t/>
-              </a:r>
               <a:endParaRPr/>
             </a:p>
           </p:txBody>
@@ -4828,7 +4879,9 @@
       <p:sp>
         <p:nvSpPr>
           <p:cNvPr id="66" name="Shape 66"/>
-          <p:cNvSpPr txBox="1"/>
+          <p:cNvSpPr txBox="1">
+            <a:spLocks noGrp="1"/>
+          </p:cNvSpPr>
           <p:nvPr>
             <p:ph type="title"/>
           </p:nvPr>
@@ -4843,7 +4896,7 @@
           </a:prstGeom>
         </p:spPr>
         <p:txBody>
-          <a:bodyPr anchorCtr="0" anchor="t" bIns="91425" lIns="91425" rIns="91425" wrap="square" tIns="91425"/>
+          <a:bodyPr wrap="square" lIns="91425" tIns="91425" rIns="91425" bIns="91425" anchor="t" anchorCtr="0"/>
           <a:lstStyle>
             <a:lvl1pPr lvl="0">
               <a:spcBef>
@@ -4909,15 +4962,19 @@
               <a:defRPr sz="2400"/>
             </a:lvl9pPr>
           </a:lstStyle>
-          <a:p/>
+          <a:p>
+            <a:endParaRPr/>
+          </a:p>
         </p:txBody>
       </p:sp>
       <p:sp>
         <p:nvSpPr>
           <p:cNvPr id="67" name="Shape 67"/>
-          <p:cNvSpPr txBox="1"/>
+          <p:cNvSpPr txBox="1">
+            <a:spLocks noGrp="1"/>
+          </p:cNvSpPr>
           <p:nvPr>
-            <p:ph idx="1" type="body"/>
+            <p:ph type="body" idx="1"/>
           </p:nvPr>
         </p:nvSpPr>
         <p:spPr>
@@ -4930,7 +4987,7 @@
           </a:prstGeom>
         </p:spPr>
         <p:txBody>
-          <a:bodyPr anchorCtr="0" anchor="t" bIns="91425" lIns="91425" rIns="91425" wrap="square" tIns="91425"/>
+          <a:bodyPr wrap="square" lIns="91425" tIns="91425" rIns="91425" bIns="91425" anchor="t" anchorCtr="0"/>
           <a:lstStyle>
             <a:lvl1pPr lvl="0">
               <a:spcBef>
@@ -4987,15 +5044,19 @@
               <a:defRPr/>
             </a:lvl9pPr>
           </a:lstStyle>
-          <a:p/>
+          <a:p>
+            <a:endParaRPr/>
+          </a:p>
         </p:txBody>
       </p:sp>
       <p:sp>
         <p:nvSpPr>
           <p:cNvPr id="68" name="Shape 68"/>
-          <p:cNvSpPr txBox="1"/>
+          <p:cNvSpPr txBox="1">
+            <a:spLocks noGrp="1"/>
+          </p:cNvSpPr>
           <p:nvPr>
-            <p:ph idx="12" type="sldNum"/>
+            <p:ph type="sldNum" idx="12"/>
           </p:nvPr>
         </p:nvSpPr>
         <p:spPr>
@@ -5008,7 +5069,7 @@
           </a:prstGeom>
         </p:spPr>
         <p:txBody>
-          <a:bodyPr anchorCtr="0" anchor="ctr" bIns="91425" lIns="91425" rIns="91425" wrap="square" tIns="91425">
+          <a:bodyPr wrap="square" lIns="91425" tIns="91425" rIns="91425" bIns="91425" anchor="ctr" anchorCtr="0">
             <a:noAutofit/>
           </a:bodyPr>
           <a:lstStyle/>
@@ -5023,6 +5084,7 @@
               <a:rPr lang="en"/>
               <a:t>‹#›</a:t>
             </a:fld>
+            <a:endParaRPr lang="en"/>
           </a:p>
         </p:txBody>
       </p:sp>
@@ -5035,11 +5097,11 @@
 </file>
 
 <file path=ppt/slideLayouts/slideLayout7.xml><?xml version="1.0" encoding="utf-8"?>
-<p:sldLayout xmlns:a="http://schemas.openxmlformats.org/drawingml/2006/main" xmlns:r="http://schemas.openxmlformats.org/officeDocument/2006/relationships" xmlns:mc="http://schemas.openxmlformats.org/markup-compatibility/2006" xmlns:mv="urn:schemas-microsoft-com:mac:vml" xmlns:p="http://schemas.openxmlformats.org/presentationml/2006/main" xmlns:c="http://schemas.openxmlformats.org/drawingml/2006/chart" xmlns:dgm="http://schemas.openxmlformats.org/drawingml/2006/diagram" xmlns:o="urn:schemas-microsoft-com:office:office" xmlns:v="urn:schemas-microsoft-com:vml" xmlns:pvml="urn:schemas-microsoft-com:office:powerpoint" xmlns:com="http://schemas.openxmlformats.org/drawingml/2006/compatibility" xmlns:p14="http://schemas.microsoft.com/office/powerpoint/2010/main" xmlns:p15="http://schemas.microsoft.com/office/powerpoint/2012/main">
+<p:sldLayout xmlns:a="http://schemas.openxmlformats.org/drawingml/2006/main" xmlns:r="http://schemas.openxmlformats.org/officeDocument/2006/relationships" xmlns:p="http://schemas.openxmlformats.org/presentationml/2006/main">
   <p:cSld name="Main point">
     <p:spTree>
       <p:nvGrpSpPr>
-        <p:cNvPr id="69" name="Shape 69"/>
+        <p:cNvPr id="1" name="Shape 69"/>
         <p:cNvGrpSpPr/>
         <p:nvPr/>
       </p:nvGrpSpPr>
@@ -5078,7 +5140,7 @@
             </a:xfrm>
             <a:prstGeom prst="diagStripe">
               <a:avLst>
-                <a:gd fmla="val 49469" name="adj"/>
+                <a:gd name="adj" fmla="val 49469"/>
               </a:avLst>
             </a:prstGeom>
             <a:solidFill>
@@ -5091,7 +5153,7 @@
             </a:ln>
           </p:spPr>
           <p:txBody>
-            <a:bodyPr anchorCtr="0" anchor="ctr" bIns="91425" lIns="91425" rIns="91425" wrap="square" tIns="91425">
+            <a:bodyPr wrap="square" lIns="91425" tIns="91425" rIns="91425" bIns="91425" anchor="ctr" anchorCtr="0">
               <a:noAutofit/>
             </a:bodyPr>
             <a:lstStyle/>
@@ -5102,9 +5164,6 @@
                 </a:spcBef>
                 <a:buNone/>
               </a:pPr>
-              <a:r>
-                <a:t/>
-              </a:r>
               <a:endParaRPr/>
             </a:p>
           </p:txBody>
@@ -5122,7 +5181,7 @@
             </a:xfrm>
             <a:prstGeom prst="diagStripe">
               <a:avLst>
-                <a:gd fmla="val 0" name="adj"/>
+                <a:gd name="adj" fmla="val 0"/>
               </a:avLst>
             </a:prstGeom>
             <a:solidFill>
@@ -5135,7 +5194,7 @@
             </a:ln>
           </p:spPr>
           <p:txBody>
-            <a:bodyPr anchorCtr="0" anchor="ctr" bIns="91425" lIns="91425" rIns="91425" wrap="square" tIns="91425">
+            <a:bodyPr wrap="square" lIns="91425" tIns="91425" rIns="91425" bIns="91425" anchor="ctr" anchorCtr="0">
               <a:noAutofit/>
             </a:bodyPr>
             <a:lstStyle/>
@@ -5146,9 +5205,6 @@
                 </a:spcBef>
                 <a:buNone/>
               </a:pPr>
-              <a:r>
-                <a:t/>
-              </a:r>
               <a:endParaRPr/>
             </a:p>
           </p:txBody>
@@ -5166,7 +5222,7 @@
             </a:xfrm>
             <a:prstGeom prst="diagStripe">
               <a:avLst>
-                <a:gd fmla="val 50000" name="adj"/>
+                <a:gd name="adj" fmla="val 50000"/>
               </a:avLst>
             </a:prstGeom>
             <a:solidFill>
@@ -5179,7 +5235,7 @@
             </a:ln>
           </p:spPr>
           <p:txBody>
-            <a:bodyPr anchorCtr="0" anchor="ctr" bIns="91425" lIns="91425" rIns="91425" wrap="square" tIns="91425">
+            <a:bodyPr wrap="square" lIns="91425" tIns="91425" rIns="91425" bIns="91425" anchor="ctr" anchorCtr="0">
               <a:noAutofit/>
             </a:bodyPr>
             <a:lstStyle/>
@@ -5190,9 +5246,6 @@
                 </a:spcBef>
                 <a:buNone/>
               </a:pPr>
-              <a:r>
-                <a:t/>
-              </a:r>
               <a:endParaRPr/>
             </a:p>
           </p:txBody>
@@ -5210,7 +5263,7 @@
             </a:xfrm>
             <a:prstGeom prst="diagStripe">
               <a:avLst>
-                <a:gd fmla="val 50000" name="adj"/>
+                <a:gd name="adj" fmla="val 50000"/>
               </a:avLst>
             </a:prstGeom>
             <a:solidFill>
@@ -5223,7 +5276,7 @@
             </a:ln>
           </p:spPr>
           <p:txBody>
-            <a:bodyPr anchorCtr="0" anchor="ctr" bIns="91425" lIns="91425" rIns="91425" wrap="square" tIns="91425">
+            <a:bodyPr wrap="square" lIns="91425" tIns="91425" rIns="91425" bIns="91425" anchor="ctr" anchorCtr="0">
               <a:noAutofit/>
             </a:bodyPr>
             <a:lstStyle/>
@@ -5234,9 +5287,6 @@
                 </a:spcBef>
                 <a:buNone/>
               </a:pPr>
-              <a:r>
-                <a:t/>
-              </a:r>
               <a:endParaRPr/>
             </a:p>
           </p:txBody>
@@ -5254,7 +5304,7 @@
             </a:xfrm>
             <a:prstGeom prst="diagStripe">
               <a:avLst>
-                <a:gd fmla="val 50000" name="adj"/>
+                <a:gd name="adj" fmla="val 50000"/>
               </a:avLst>
             </a:prstGeom>
             <a:solidFill>
@@ -5267,7 +5317,7 @@
             </a:ln>
           </p:spPr>
           <p:txBody>
-            <a:bodyPr anchorCtr="0" anchor="ctr" bIns="91425" lIns="91425" rIns="91425" wrap="square" tIns="91425">
+            <a:bodyPr wrap="square" lIns="91425" tIns="91425" rIns="91425" bIns="91425" anchor="ctr" anchorCtr="0">
               <a:noAutofit/>
             </a:bodyPr>
             <a:lstStyle/>
@@ -5278,9 +5328,6 @@
                 </a:spcBef>
                 <a:buNone/>
               </a:pPr>
-              <a:r>
-                <a:t/>
-              </a:r>
               <a:endParaRPr/>
             </a:p>
           </p:txBody>
@@ -5298,7 +5345,7 @@
             </a:xfrm>
             <a:prstGeom prst="diagStripe">
               <a:avLst>
-                <a:gd fmla="val 50000" name="adj"/>
+                <a:gd name="adj" fmla="val 50000"/>
               </a:avLst>
             </a:prstGeom>
             <a:solidFill>
@@ -5311,7 +5358,7 @@
             </a:ln>
           </p:spPr>
           <p:txBody>
-            <a:bodyPr anchorCtr="0" anchor="ctr" bIns="91425" lIns="91425" rIns="91425" wrap="square" tIns="91425">
+            <a:bodyPr wrap="square" lIns="91425" tIns="91425" rIns="91425" bIns="91425" anchor="ctr" anchorCtr="0">
               <a:noAutofit/>
             </a:bodyPr>
             <a:lstStyle/>
@@ -5322,9 +5369,6 @@
                 </a:spcBef>
                 <a:buNone/>
               </a:pPr>
-              <a:r>
-                <a:t/>
-              </a:r>
               <a:endParaRPr/>
             </a:p>
           </p:txBody>
@@ -5342,7 +5386,7 @@
             </a:xfrm>
             <a:prstGeom prst="diagStripe">
               <a:avLst>
-                <a:gd fmla="val 50000" name="adj"/>
+                <a:gd name="adj" fmla="val 50000"/>
               </a:avLst>
             </a:prstGeom>
             <a:solidFill>
@@ -5355,7 +5399,7 @@
             </a:ln>
           </p:spPr>
           <p:txBody>
-            <a:bodyPr anchorCtr="0" anchor="ctr" bIns="91425" lIns="91425" rIns="91425" wrap="square" tIns="91425">
+            <a:bodyPr wrap="square" lIns="91425" tIns="91425" rIns="91425" bIns="91425" anchor="ctr" anchorCtr="0">
               <a:noAutofit/>
             </a:bodyPr>
             <a:lstStyle/>
@@ -5366,9 +5410,6 @@
                 </a:spcBef>
                 <a:buNone/>
               </a:pPr>
-              <a:r>
-                <a:t/>
-              </a:r>
               <a:endParaRPr/>
             </a:p>
           </p:txBody>
@@ -5386,7 +5427,7 @@
             </a:xfrm>
             <a:prstGeom prst="diagStripe">
               <a:avLst>
-                <a:gd fmla="val 50000" name="adj"/>
+                <a:gd name="adj" fmla="val 50000"/>
               </a:avLst>
             </a:prstGeom>
             <a:solidFill>
@@ -5397,7 +5438,7 @@
             </a:ln>
           </p:spPr>
           <p:txBody>
-            <a:bodyPr anchorCtr="0" anchor="ctr" bIns="91425" lIns="91425" rIns="91425" wrap="square" tIns="91425">
+            <a:bodyPr wrap="square" lIns="91425" tIns="91425" rIns="91425" bIns="91425" anchor="ctr" anchorCtr="0">
               <a:noAutofit/>
             </a:bodyPr>
             <a:lstStyle/>
@@ -5408,9 +5449,6 @@
                 </a:spcBef>
                 <a:buNone/>
               </a:pPr>
-              <a:r>
-                <a:t/>
-              </a:r>
               <a:endParaRPr/>
             </a:p>
           </p:txBody>
@@ -5428,7 +5466,7 @@
             </a:xfrm>
             <a:prstGeom prst="diagStripe">
               <a:avLst>
-                <a:gd fmla="val 50000" name="adj"/>
+                <a:gd name="adj" fmla="val 50000"/>
               </a:avLst>
             </a:prstGeom>
             <a:solidFill>
@@ -5441,7 +5479,7 @@
             </a:ln>
           </p:spPr>
           <p:txBody>
-            <a:bodyPr anchorCtr="0" anchor="ctr" bIns="91425" lIns="91425" rIns="91425" wrap="square" tIns="91425">
+            <a:bodyPr wrap="square" lIns="91425" tIns="91425" rIns="91425" bIns="91425" anchor="ctr" anchorCtr="0">
               <a:noAutofit/>
             </a:bodyPr>
             <a:lstStyle/>
@@ -5452,9 +5490,6 @@
                 </a:spcBef>
                 <a:buNone/>
               </a:pPr>
-              <a:r>
-                <a:t/>
-              </a:r>
               <a:endParaRPr/>
             </a:p>
           </p:txBody>
@@ -5472,7 +5507,7 @@
             </a:xfrm>
             <a:prstGeom prst="diagStripe">
               <a:avLst>
-                <a:gd fmla="val 50000" name="adj"/>
+                <a:gd name="adj" fmla="val 50000"/>
               </a:avLst>
             </a:prstGeom>
             <a:solidFill>
@@ -5485,7 +5520,7 @@
             </a:ln>
           </p:spPr>
           <p:txBody>
-            <a:bodyPr anchorCtr="0" anchor="ctr" bIns="91425" lIns="91425" rIns="91425" wrap="square" tIns="91425">
+            <a:bodyPr wrap="square" lIns="91425" tIns="91425" rIns="91425" bIns="91425" anchor="ctr" anchorCtr="0">
               <a:noAutofit/>
             </a:bodyPr>
             <a:lstStyle/>
@@ -5496,9 +5531,6 @@
                 </a:spcBef>
                 <a:buNone/>
               </a:pPr>
-              <a:r>
-                <a:t/>
-              </a:r>
               <a:endParaRPr/>
             </a:p>
           </p:txBody>
@@ -5516,7 +5548,7 @@
             </a:xfrm>
             <a:prstGeom prst="diagStripe">
               <a:avLst>
-                <a:gd fmla="val 50000" name="adj"/>
+                <a:gd name="adj" fmla="val 50000"/>
               </a:avLst>
             </a:prstGeom>
             <a:solidFill>
@@ -5529,7 +5561,7 @@
             </a:ln>
           </p:spPr>
           <p:txBody>
-            <a:bodyPr anchorCtr="0" anchor="ctr" bIns="91425" lIns="91425" rIns="91425" wrap="square" tIns="91425">
+            <a:bodyPr wrap="square" lIns="91425" tIns="91425" rIns="91425" bIns="91425" anchor="ctr" anchorCtr="0">
               <a:noAutofit/>
             </a:bodyPr>
             <a:lstStyle/>
@@ -5540,9 +5572,6 @@
                 </a:spcBef>
                 <a:buNone/>
               </a:pPr>
-              <a:r>
-                <a:t/>
-              </a:r>
               <a:endParaRPr/>
             </a:p>
           </p:txBody>
@@ -5560,7 +5589,7 @@
             </a:xfrm>
             <a:prstGeom prst="diagStripe">
               <a:avLst>
-                <a:gd fmla="val 50000" name="adj"/>
+                <a:gd name="adj" fmla="val 50000"/>
               </a:avLst>
             </a:prstGeom>
             <a:solidFill>
@@ -5573,7 +5602,7 @@
             </a:ln>
           </p:spPr>
           <p:txBody>
-            <a:bodyPr anchorCtr="0" anchor="ctr" bIns="91425" lIns="91425" rIns="91425" wrap="square" tIns="91425">
+            <a:bodyPr wrap="square" lIns="91425" tIns="91425" rIns="91425" bIns="91425" anchor="ctr" anchorCtr="0">
               <a:noAutofit/>
             </a:bodyPr>
             <a:lstStyle/>
@@ -5584,9 +5613,6 @@
                 </a:spcBef>
                 <a:buNone/>
               </a:pPr>
-              <a:r>
-                <a:t/>
-              </a:r>
               <a:endParaRPr/>
             </a:p>
           </p:txBody>
@@ -5604,7 +5630,7 @@
             </a:xfrm>
             <a:prstGeom prst="diagStripe">
               <a:avLst>
-                <a:gd fmla="val 50000" name="adj"/>
+                <a:gd name="adj" fmla="val 50000"/>
               </a:avLst>
             </a:prstGeom>
             <a:solidFill>
@@ -5617,7 +5643,7 @@
             </a:ln>
           </p:spPr>
           <p:txBody>
-            <a:bodyPr anchorCtr="0" anchor="ctr" bIns="91425" lIns="91425" rIns="91425" wrap="square" tIns="91425">
+            <a:bodyPr wrap="square" lIns="91425" tIns="91425" rIns="91425" bIns="91425" anchor="ctr" anchorCtr="0">
               <a:noAutofit/>
             </a:bodyPr>
             <a:lstStyle/>
@@ -5628,9 +5654,6 @@
                 </a:spcBef>
                 <a:buNone/>
               </a:pPr>
-              <a:r>
-                <a:t/>
-              </a:r>
               <a:endParaRPr/>
             </a:p>
           </p:txBody>
@@ -5648,7 +5671,7 @@
             </a:xfrm>
             <a:prstGeom prst="diagStripe">
               <a:avLst>
-                <a:gd fmla="val 50000" name="adj"/>
+                <a:gd name="adj" fmla="val 50000"/>
               </a:avLst>
             </a:prstGeom>
             <a:solidFill>
@@ -5659,7 +5682,7 @@
             </a:ln>
           </p:spPr>
           <p:txBody>
-            <a:bodyPr anchorCtr="0" anchor="ctr" bIns="91425" lIns="91425" rIns="91425" wrap="square" tIns="91425">
+            <a:bodyPr wrap="square" lIns="91425" tIns="91425" rIns="91425" bIns="91425" anchor="ctr" anchorCtr="0">
               <a:noAutofit/>
             </a:bodyPr>
             <a:lstStyle/>
@@ -5670,9 +5693,6 @@
                 </a:spcBef>
                 <a:buNone/>
               </a:pPr>
-              <a:r>
-                <a:t/>
-              </a:r>
               <a:endParaRPr/>
             </a:p>
           </p:txBody>
@@ -5690,7 +5710,7 @@
             </a:xfrm>
             <a:prstGeom prst="diagStripe">
               <a:avLst>
-                <a:gd fmla="val 50000" name="adj"/>
+                <a:gd name="adj" fmla="val 50000"/>
               </a:avLst>
             </a:prstGeom>
             <a:solidFill>
@@ -5703,7 +5723,7 @@
             </a:ln>
           </p:spPr>
           <p:txBody>
-            <a:bodyPr anchorCtr="0" anchor="ctr" bIns="91425" lIns="91425" rIns="91425" wrap="square" tIns="91425">
+            <a:bodyPr wrap="square" lIns="91425" tIns="91425" rIns="91425" bIns="91425" anchor="ctr" anchorCtr="0">
               <a:noAutofit/>
             </a:bodyPr>
             <a:lstStyle/>
@@ -5714,9 +5734,6 @@
                 </a:spcBef>
                 <a:buNone/>
               </a:pPr>
-              <a:r>
-                <a:t/>
-              </a:r>
               <a:endParaRPr/>
             </a:p>
           </p:txBody>
@@ -5734,7 +5751,7 @@
             </a:xfrm>
             <a:prstGeom prst="diagStripe">
               <a:avLst>
-                <a:gd fmla="val 50000" name="adj"/>
+                <a:gd name="adj" fmla="val 50000"/>
               </a:avLst>
             </a:prstGeom>
             <a:solidFill>
@@ -5747,7 +5764,7 @@
             </a:ln>
           </p:spPr>
           <p:txBody>
-            <a:bodyPr anchorCtr="0" anchor="ctr" bIns="91425" lIns="91425" rIns="91425" wrap="square" tIns="91425">
+            <a:bodyPr wrap="square" lIns="91425" tIns="91425" rIns="91425" bIns="91425" anchor="ctr" anchorCtr="0">
               <a:noAutofit/>
             </a:bodyPr>
             <a:lstStyle/>
@@ -5758,9 +5775,6 @@
                 </a:spcBef>
                 <a:buNone/>
               </a:pPr>
-              <a:r>
-                <a:t/>
-              </a:r>
               <a:endParaRPr/>
             </a:p>
           </p:txBody>
@@ -5778,7 +5792,7 @@
             </a:xfrm>
             <a:prstGeom prst="diagStripe">
               <a:avLst>
-                <a:gd fmla="val 50000" name="adj"/>
+                <a:gd name="adj" fmla="val 50000"/>
               </a:avLst>
             </a:prstGeom>
             <a:solidFill>
@@ -5791,7 +5805,7 @@
             </a:ln>
           </p:spPr>
           <p:txBody>
-            <a:bodyPr anchorCtr="0" anchor="ctr" bIns="91425" lIns="91425" rIns="91425" wrap="square" tIns="91425">
+            <a:bodyPr wrap="square" lIns="91425" tIns="91425" rIns="91425" bIns="91425" anchor="ctr" anchorCtr="0">
               <a:noAutofit/>
             </a:bodyPr>
             <a:lstStyle/>
@@ -5802,9 +5816,6 @@
                 </a:spcBef>
                 <a:buNone/>
               </a:pPr>
-              <a:r>
-                <a:t/>
-              </a:r>
               <a:endParaRPr/>
             </a:p>
           </p:txBody>
@@ -5822,7 +5833,7 @@
             </a:xfrm>
             <a:prstGeom prst="diagStripe">
               <a:avLst>
-                <a:gd fmla="val 50000" name="adj"/>
+                <a:gd name="adj" fmla="val 50000"/>
               </a:avLst>
             </a:prstGeom>
             <a:solidFill>
@@ -5835,7 +5846,7 @@
             </a:ln>
           </p:spPr>
           <p:txBody>
-            <a:bodyPr anchorCtr="0" anchor="ctr" bIns="91425" lIns="91425" rIns="91425" wrap="square" tIns="91425">
+            <a:bodyPr wrap="square" lIns="91425" tIns="91425" rIns="91425" bIns="91425" anchor="ctr" anchorCtr="0">
               <a:noAutofit/>
             </a:bodyPr>
             <a:lstStyle/>
@@ -5846,9 +5857,6 @@
                 </a:spcBef>
                 <a:buNone/>
               </a:pPr>
-              <a:r>
-                <a:t/>
-              </a:r>
               <a:endParaRPr/>
             </a:p>
           </p:txBody>
@@ -5857,7 +5865,9 @@
       <p:sp>
         <p:nvSpPr>
           <p:cNvPr id="89" name="Shape 89"/>
-          <p:cNvSpPr txBox="1"/>
+          <p:cNvSpPr txBox="1">
+            <a:spLocks noGrp="1"/>
+          </p:cNvSpPr>
           <p:nvPr>
             <p:ph type="title"/>
           </p:nvPr>
@@ -5872,7 +5882,7 @@
           </a:prstGeom>
         </p:spPr>
         <p:txBody>
-          <a:bodyPr anchorCtr="0" anchor="ctr" bIns="91425" lIns="91425" rIns="91425" wrap="square" tIns="91425"/>
+          <a:bodyPr wrap="square" lIns="91425" tIns="91425" rIns="91425" bIns="91425" anchor="ctr" anchorCtr="0"/>
           <a:lstStyle>
             <a:lvl1pPr lvl="0">
               <a:spcBef>
@@ -5929,15 +5939,19 @@
               <a:defRPr/>
             </a:lvl9pPr>
           </a:lstStyle>
-          <a:p/>
+          <a:p>
+            <a:endParaRPr/>
+          </a:p>
         </p:txBody>
       </p:sp>
       <p:sp>
         <p:nvSpPr>
           <p:cNvPr id="90" name="Shape 90"/>
-          <p:cNvSpPr txBox="1"/>
+          <p:cNvSpPr txBox="1">
+            <a:spLocks noGrp="1"/>
+          </p:cNvSpPr>
           <p:nvPr>
-            <p:ph idx="12" type="sldNum"/>
+            <p:ph type="sldNum" idx="12"/>
           </p:nvPr>
         </p:nvSpPr>
         <p:spPr>
@@ -5950,7 +5964,7 @@
           </a:prstGeom>
         </p:spPr>
         <p:txBody>
-          <a:bodyPr anchorCtr="0" anchor="ctr" bIns="91425" lIns="91425" rIns="91425" wrap="square" tIns="91425">
+          <a:bodyPr wrap="square" lIns="91425" tIns="91425" rIns="91425" bIns="91425" anchor="ctr" anchorCtr="0">
             <a:noAutofit/>
           </a:bodyPr>
           <a:lstStyle/>
@@ -5965,6 +5979,7 @@
               <a:rPr lang="en"/>
               <a:t>‹#›</a:t>
             </a:fld>
+            <a:endParaRPr lang="en"/>
           </a:p>
         </p:txBody>
       </p:sp>
@@ -5977,11 +5992,11 @@
 </file>
 
 <file path=ppt/slideLayouts/slideLayout8.xml><?xml version="1.0" encoding="utf-8"?>
-<p:sldLayout xmlns:a="http://schemas.openxmlformats.org/drawingml/2006/main" xmlns:r="http://schemas.openxmlformats.org/officeDocument/2006/relationships" xmlns:mc="http://schemas.openxmlformats.org/markup-compatibility/2006" xmlns:mv="urn:schemas-microsoft-com:mac:vml" xmlns:p="http://schemas.openxmlformats.org/presentationml/2006/main" xmlns:c="http://schemas.openxmlformats.org/drawingml/2006/chart" xmlns:dgm="http://schemas.openxmlformats.org/drawingml/2006/diagram" xmlns:o="urn:schemas-microsoft-com:office:office" xmlns:v="urn:schemas-microsoft-com:vml" xmlns:pvml="urn:schemas-microsoft-com:office:powerpoint" xmlns:com="http://schemas.openxmlformats.org/drawingml/2006/compatibility" xmlns:p14="http://schemas.microsoft.com/office/powerpoint/2010/main" xmlns:p15="http://schemas.microsoft.com/office/powerpoint/2012/main">
+<p:sldLayout xmlns:a="http://schemas.openxmlformats.org/drawingml/2006/main" xmlns:r="http://schemas.openxmlformats.org/officeDocument/2006/relationships" xmlns:p="http://schemas.openxmlformats.org/presentationml/2006/main">
   <p:cSld name="Section title and description">
     <p:spTree>
       <p:nvGrpSpPr>
-        <p:cNvPr id="91" name="Shape 91"/>
+        <p:cNvPr id="1" name="Shape 91"/>
         <p:cNvGrpSpPr/>
         <p:nvPr/>
       </p:nvGrpSpPr>
@@ -6020,7 +6035,7 @@
             </a:xfrm>
             <a:prstGeom prst="diagStripe">
               <a:avLst>
-                <a:gd fmla="val 50000" name="adj"/>
+                <a:gd name="adj" fmla="val 50000"/>
               </a:avLst>
             </a:prstGeom>
             <a:solidFill>
@@ -6031,7 +6046,7 @@
             </a:ln>
           </p:spPr>
           <p:txBody>
-            <a:bodyPr anchorCtr="0" anchor="ctr" bIns="91425" lIns="91425" rIns="91425" wrap="square" tIns="91425">
+            <a:bodyPr wrap="square" lIns="91425" tIns="91425" rIns="91425" bIns="91425" anchor="ctr" anchorCtr="0">
               <a:noAutofit/>
             </a:bodyPr>
             <a:lstStyle/>
@@ -6042,9 +6057,6 @@
                 </a:spcBef>
                 <a:buNone/>
               </a:pPr>
-              <a:r>
-                <a:t/>
-              </a:r>
               <a:endParaRPr/>
             </a:p>
           </p:txBody>
@@ -6062,7 +6074,7 @@
             </a:xfrm>
             <a:prstGeom prst="diagStripe">
               <a:avLst>
-                <a:gd fmla="val 50000" name="adj"/>
+                <a:gd name="adj" fmla="val 50000"/>
               </a:avLst>
             </a:prstGeom>
             <a:solidFill>
@@ -6073,7 +6085,7 @@
             </a:ln>
           </p:spPr>
           <p:txBody>
-            <a:bodyPr anchorCtr="0" anchor="ctr" bIns="91425" lIns="91425" rIns="91425" wrap="square" tIns="91425">
+            <a:bodyPr wrap="square" lIns="91425" tIns="91425" rIns="91425" bIns="91425" anchor="ctr" anchorCtr="0">
               <a:noAutofit/>
             </a:bodyPr>
             <a:lstStyle/>
@@ -6084,9 +6096,6 @@
                 </a:spcBef>
                 <a:buNone/>
               </a:pPr>
-              <a:r>
-                <a:t/>
-              </a:r>
               <a:endParaRPr/>
             </a:p>
           </p:txBody>
@@ -6095,7 +6104,9 @@
       <p:sp>
         <p:nvSpPr>
           <p:cNvPr id="95" name="Shape 95"/>
-          <p:cNvSpPr txBox="1"/>
+          <p:cNvSpPr txBox="1">
+            <a:spLocks noGrp="1"/>
+          </p:cNvSpPr>
           <p:nvPr>
             <p:ph type="title"/>
           </p:nvPr>
@@ -6110,7 +6121,7 @@
           </a:prstGeom>
         </p:spPr>
         <p:txBody>
-          <a:bodyPr anchorCtr="0" anchor="t" bIns="91425" lIns="91425" rIns="91425" wrap="square" tIns="91425"/>
+          <a:bodyPr wrap="square" lIns="91425" tIns="91425" rIns="91425" bIns="91425" anchor="t" anchorCtr="0"/>
           <a:lstStyle>
             <a:lvl1pPr lvl="0">
               <a:spcBef>
@@ -6176,15 +6187,19 @@
               <a:defRPr sz="2400"/>
             </a:lvl9pPr>
           </a:lstStyle>
-          <a:p/>
+          <a:p>
+            <a:endParaRPr/>
+          </a:p>
         </p:txBody>
       </p:sp>
       <p:sp>
         <p:nvSpPr>
           <p:cNvPr id="96" name="Shape 96"/>
-          <p:cNvSpPr txBox="1"/>
+          <p:cNvSpPr txBox="1">
+            <a:spLocks noGrp="1"/>
+          </p:cNvSpPr>
           <p:nvPr>
-            <p:ph idx="1" type="subTitle"/>
+            <p:ph type="subTitle" idx="1"/>
           </p:nvPr>
         </p:nvSpPr>
         <p:spPr>
@@ -6197,7 +6212,7 @@
           </a:prstGeom>
         </p:spPr>
         <p:txBody>
-          <a:bodyPr anchorCtr="0" anchor="t" bIns="91425" lIns="91425" rIns="91425" wrap="square" tIns="91425"/>
+          <a:bodyPr wrap="square" lIns="91425" tIns="91425" rIns="91425" bIns="91425" anchor="t" anchorCtr="0"/>
           <a:lstStyle>
             <a:lvl1pPr lvl="0">
               <a:lnSpc>
@@ -6325,15 +6340,19 @@
               <a:defRPr sz="1300"/>
             </a:lvl9pPr>
           </a:lstStyle>
-          <a:p/>
+          <a:p>
+            <a:endParaRPr/>
+          </a:p>
         </p:txBody>
       </p:sp>
       <p:sp>
         <p:nvSpPr>
           <p:cNvPr id="97" name="Shape 97"/>
-          <p:cNvSpPr txBox="1"/>
+          <p:cNvSpPr txBox="1">
+            <a:spLocks noGrp="1"/>
+          </p:cNvSpPr>
           <p:nvPr>
-            <p:ph idx="2" type="body"/>
+            <p:ph type="body" idx="2"/>
           </p:nvPr>
         </p:nvSpPr>
         <p:spPr>
@@ -6346,7 +6365,7 @@
           </a:prstGeom>
         </p:spPr>
         <p:txBody>
-          <a:bodyPr anchorCtr="0" anchor="t" bIns="91425" lIns="91425" rIns="91425" wrap="square" tIns="91425"/>
+          <a:bodyPr wrap="square" lIns="91425" tIns="91425" rIns="91425" bIns="91425" anchor="t" anchorCtr="0"/>
           <a:lstStyle>
             <a:lvl1pPr lvl="0">
               <a:spcBef>
@@ -6403,15 +6422,19 @@
               <a:defRPr/>
             </a:lvl9pPr>
           </a:lstStyle>
-          <a:p/>
+          <a:p>
+            <a:endParaRPr/>
+          </a:p>
         </p:txBody>
       </p:sp>
       <p:sp>
         <p:nvSpPr>
           <p:cNvPr id="98" name="Shape 98"/>
-          <p:cNvSpPr txBox="1"/>
+          <p:cNvSpPr txBox="1">
+            <a:spLocks noGrp="1"/>
+          </p:cNvSpPr>
           <p:nvPr>
-            <p:ph idx="12" type="sldNum"/>
+            <p:ph type="sldNum" idx="12"/>
           </p:nvPr>
         </p:nvSpPr>
         <p:spPr>
@@ -6424,7 +6447,7 @@
           </a:prstGeom>
         </p:spPr>
         <p:txBody>
-          <a:bodyPr anchorCtr="0" anchor="ctr" bIns="91425" lIns="91425" rIns="91425" wrap="square" tIns="91425">
+          <a:bodyPr wrap="square" lIns="91425" tIns="91425" rIns="91425" bIns="91425" anchor="ctr" anchorCtr="0">
             <a:noAutofit/>
           </a:bodyPr>
           <a:lstStyle/>
@@ -6439,6 +6462,7 @@
               <a:rPr lang="en"/>
               <a:t>‹#›</a:t>
             </a:fld>
+            <a:endParaRPr lang="en"/>
           </a:p>
         </p:txBody>
       </p:sp>
@@ -6451,11 +6475,11 @@
 </file>
 
 <file path=ppt/slideLayouts/slideLayout9.xml><?xml version="1.0" encoding="utf-8"?>
-<p:sldLayout xmlns:a="http://schemas.openxmlformats.org/drawingml/2006/main" xmlns:r="http://schemas.openxmlformats.org/officeDocument/2006/relationships" xmlns:mc="http://schemas.openxmlformats.org/markup-compatibility/2006" xmlns:mv="urn:schemas-microsoft-com:mac:vml" xmlns:p="http://schemas.openxmlformats.org/presentationml/2006/main" xmlns:c="http://schemas.openxmlformats.org/drawingml/2006/chart" xmlns:dgm="http://schemas.openxmlformats.org/drawingml/2006/diagram" xmlns:o="urn:schemas-microsoft-com:office:office" xmlns:v="urn:schemas-microsoft-com:vml" xmlns:pvml="urn:schemas-microsoft-com:office:powerpoint" xmlns:com="http://schemas.openxmlformats.org/drawingml/2006/compatibility" xmlns:p14="http://schemas.microsoft.com/office/powerpoint/2010/main" xmlns:p15="http://schemas.microsoft.com/office/powerpoint/2012/main">
+<p:sldLayout xmlns:a="http://schemas.openxmlformats.org/drawingml/2006/main" xmlns:r="http://schemas.openxmlformats.org/officeDocument/2006/relationships" xmlns:p="http://schemas.openxmlformats.org/presentationml/2006/main">
   <p:cSld name="Caption">
     <p:spTree>
       <p:nvGrpSpPr>
-        <p:cNvPr id="99" name="Shape 99"/>
+        <p:cNvPr id="1" name="Shape 99"/>
         <p:cNvGrpSpPr/>
         <p:nvPr/>
       </p:nvGrpSpPr>
@@ -6494,7 +6518,7 @@
             </a:xfrm>
             <a:prstGeom prst="diagStripe">
               <a:avLst>
-                <a:gd fmla="val 50000" name="adj"/>
+                <a:gd name="adj" fmla="val 50000"/>
               </a:avLst>
             </a:prstGeom>
             <a:solidFill>
@@ -6507,7 +6531,7 @@
             </a:ln>
           </p:spPr>
           <p:txBody>
-            <a:bodyPr anchorCtr="0" anchor="ctr" bIns="91425" lIns="91425" rIns="91425" wrap="square" tIns="91425">
+            <a:bodyPr wrap="square" lIns="91425" tIns="91425" rIns="91425" bIns="91425" anchor="ctr" anchorCtr="0">
               <a:noAutofit/>
             </a:bodyPr>
             <a:lstStyle/>
@@ -6518,9 +6542,6 @@
                 </a:spcBef>
                 <a:buNone/>
               </a:pPr>
-              <a:r>
-                <a:t/>
-              </a:r>
               <a:endParaRPr/>
             </a:p>
           </p:txBody>
@@ -6538,7 +6559,7 @@
             </a:xfrm>
             <a:prstGeom prst="diagStripe">
               <a:avLst>
-                <a:gd fmla="val 50000" name="adj"/>
+                <a:gd name="adj" fmla="val 50000"/>
               </a:avLst>
             </a:prstGeom>
             <a:solidFill>
@@ -6551,7 +6572,7 @@
             </a:ln>
           </p:spPr>
           <p:txBody>
-            <a:bodyPr anchorCtr="0" anchor="ctr" bIns="91425" lIns="91425" rIns="91425" wrap="square" tIns="91425">
+            <a:bodyPr wrap="square" lIns="91425" tIns="91425" rIns="91425" bIns="91425" anchor="ctr" anchorCtr="0">
               <a:noAutofit/>
             </a:bodyPr>
             <a:lstStyle/>
@@ -6562,9 +6583,6 @@
                 </a:spcBef>
                 <a:buNone/>
               </a:pPr>
-              <a:r>
-                <a:t/>
-              </a:r>
               <a:endParaRPr/>
             </a:p>
           </p:txBody>
@@ -6573,9 +6591,11 @@
       <p:sp>
         <p:nvSpPr>
           <p:cNvPr id="103" name="Shape 103"/>
-          <p:cNvSpPr txBox="1"/>
+          <p:cNvSpPr txBox="1">
+            <a:spLocks noGrp="1"/>
+          </p:cNvSpPr>
           <p:nvPr>
-            <p:ph idx="1" type="body"/>
+            <p:ph type="body" idx="1"/>
           </p:nvPr>
         </p:nvSpPr>
         <p:spPr>
@@ -6588,7 +6608,7 @@
           </a:prstGeom>
         </p:spPr>
         <p:txBody>
-          <a:bodyPr anchorCtr="0" anchor="ctr" bIns="91425" lIns="91425" rIns="91425" wrap="square" tIns="91425"/>
+          <a:bodyPr wrap="square" lIns="91425" tIns="91425" rIns="91425" bIns="91425" anchor="ctr" anchorCtr="0"/>
           <a:lstStyle>
             <a:lvl1pPr lvl="0">
               <a:lnSpc>
@@ -6604,15 +6624,19 @@
               <a:defRPr/>
             </a:lvl1pPr>
           </a:lstStyle>
-          <a:p/>
+          <a:p>
+            <a:endParaRPr/>
+          </a:p>
         </p:txBody>
       </p:sp>
       <p:sp>
         <p:nvSpPr>
           <p:cNvPr id="104" name="Shape 104"/>
-          <p:cNvSpPr txBox="1"/>
+          <p:cNvSpPr txBox="1">
+            <a:spLocks noGrp="1"/>
+          </p:cNvSpPr>
           <p:nvPr>
-            <p:ph idx="12" type="sldNum"/>
+            <p:ph type="sldNum" idx="12"/>
           </p:nvPr>
         </p:nvSpPr>
         <p:spPr>
@@ -6625,7 +6649,7 @@
           </a:prstGeom>
         </p:spPr>
         <p:txBody>
-          <a:bodyPr anchorCtr="0" anchor="ctr" bIns="91425" lIns="91425" rIns="91425" wrap="square" tIns="91425">
+          <a:bodyPr wrap="square" lIns="91425" tIns="91425" rIns="91425" bIns="91425" anchor="ctr" anchorCtr="0">
             <a:noAutofit/>
           </a:bodyPr>
           <a:lstStyle/>
@@ -6640,6 +6664,7 @@
               <a:rPr lang="en"/>
               <a:t>‹#›</a:t>
             </a:fld>
+            <a:endParaRPr lang="en"/>
           </a:p>
         </p:txBody>
       </p:sp>
@@ -6652,18 +6677,19 @@
 </file>
 
 <file path=ppt/slideMasters/slideMaster1.xml><?xml version="1.0" encoding="utf-8"?>
-<p:sldMaster xmlns:a="http://schemas.openxmlformats.org/drawingml/2006/main" xmlns:r="http://schemas.openxmlformats.org/officeDocument/2006/relationships" xmlns:mc="http://schemas.openxmlformats.org/markup-compatibility/2006" xmlns:mv="urn:schemas-microsoft-com:mac:vml" xmlns:p="http://schemas.openxmlformats.org/presentationml/2006/main" xmlns:c="http://schemas.openxmlformats.org/drawingml/2006/chart" xmlns:dgm="http://schemas.openxmlformats.org/drawingml/2006/diagram" xmlns:o="urn:schemas-microsoft-com:office:office" xmlns:v="urn:schemas-microsoft-com:vml" xmlns:pvml="urn:schemas-microsoft-com:office:powerpoint" xmlns:com="http://schemas.openxmlformats.org/drawingml/2006/compatibility" xmlns:p14="http://schemas.microsoft.com/office/powerpoint/2010/main" xmlns:p15="http://schemas.microsoft.com/office/powerpoint/2012/main">
+<p:sldMaster xmlns:a="http://schemas.openxmlformats.org/drawingml/2006/main" xmlns:r="http://schemas.openxmlformats.org/officeDocument/2006/relationships" xmlns:p="http://schemas.openxmlformats.org/presentationml/2006/main">
   <p:cSld name="focus">
     <p:bg>
       <p:bgPr>
         <a:solidFill>
           <a:schemeClr val="dk1"/>
         </a:solidFill>
+        <a:effectLst/>
       </p:bgPr>
     </p:bg>
     <p:spTree>
       <p:nvGrpSpPr>
-        <p:cNvPr id="5" name="Shape 5"/>
+        <p:cNvPr id="1" name="Shape 5"/>
         <p:cNvGrpSpPr/>
         <p:nvPr/>
       </p:nvGrpSpPr>
@@ -6678,7 +6704,9 @@
       <p:sp>
         <p:nvSpPr>
           <p:cNvPr id="6" name="Shape 6"/>
-          <p:cNvSpPr txBox="1"/>
+          <p:cNvSpPr txBox="1">
+            <a:spLocks noGrp="1"/>
+          </p:cNvSpPr>
           <p:nvPr>
             <p:ph type="title"/>
           </p:nvPr>
@@ -6697,7 +6725,7 @@
           </a:ln>
         </p:spPr>
         <p:txBody>
-          <a:bodyPr anchorCtr="0" anchor="t" bIns="91425" lIns="91425" rIns="91425" wrap="square" tIns="91425"/>
+          <a:bodyPr wrap="square" lIns="91425" tIns="91425" rIns="91425" bIns="91425" anchor="t" anchorCtr="0"/>
           <a:lstStyle>
             <a:lvl1pPr lvl="0">
               <a:spcBef>
@@ -6880,15 +6908,19 @@
               </a:defRPr>
             </a:lvl9pPr>
           </a:lstStyle>
-          <a:p/>
+          <a:p>
+            <a:endParaRPr/>
+          </a:p>
         </p:txBody>
       </p:sp>
       <p:sp>
         <p:nvSpPr>
           <p:cNvPr id="7" name="Shape 7"/>
-          <p:cNvSpPr txBox="1"/>
+          <p:cNvSpPr txBox="1">
+            <a:spLocks noGrp="1"/>
+          </p:cNvSpPr>
           <p:nvPr>
-            <p:ph idx="1" type="body"/>
+            <p:ph type="body" idx="1"/>
           </p:nvPr>
         </p:nvSpPr>
         <p:spPr>
@@ -6905,7 +6937,7 @@
           </a:ln>
         </p:spPr>
         <p:txBody>
-          <a:bodyPr anchorCtr="0" anchor="t" bIns="91425" lIns="91425" rIns="91425" wrap="square" tIns="91425"/>
+          <a:bodyPr wrap="square" lIns="91425" tIns="91425" rIns="91425" bIns="91425" anchor="t" anchorCtr="0"/>
           <a:lstStyle>
             <a:lvl1pPr lvl="0">
               <a:lnSpc>
@@ -7142,15 +7174,19 @@
               </a:defRPr>
             </a:lvl9pPr>
           </a:lstStyle>
-          <a:p/>
+          <a:p>
+            <a:endParaRPr/>
+          </a:p>
         </p:txBody>
       </p:sp>
       <p:sp>
         <p:nvSpPr>
           <p:cNvPr id="8" name="Shape 8"/>
-          <p:cNvSpPr txBox="1"/>
+          <p:cNvSpPr txBox="1">
+            <a:spLocks noGrp="1"/>
+          </p:cNvSpPr>
           <p:nvPr>
-            <p:ph idx="12" type="sldNum"/>
+            <p:ph type="sldNum" idx="12"/>
           </p:nvPr>
         </p:nvSpPr>
         <p:spPr>
@@ -7167,7 +7203,7 @@
           </a:ln>
         </p:spPr>
         <p:txBody>
-          <a:bodyPr anchorCtr="0" anchor="ctr" bIns="91425" lIns="91425" rIns="91425" wrap="square" tIns="91425">
+          <a:bodyPr wrap="square" lIns="91425" tIns="91425" rIns="91425" bIns="91425" anchor="ctr" anchorCtr="0">
             <a:noAutofit/>
           </a:bodyPr>
           <a:lstStyle/>
@@ -7190,12 +7226,21 @@
               </a:rPr>
               <a:t>‹#›</a:t>
             </a:fld>
+            <a:endParaRPr lang="en" sz="1000">
+              <a:solidFill>
+                <a:schemeClr val="lt1"/>
+              </a:solidFill>
+              <a:latin typeface="Lato"/>
+              <a:ea typeface="Lato"/>
+              <a:cs typeface="Lato"/>
+              <a:sym typeface="Lato"/>
+            </a:endParaRPr>
           </a:p>
         </p:txBody>
       </p:sp>
     </p:spTree>
   </p:cSld>
-  <p:clrMap accent1="accent1" accent2="accent2" accent3="accent3" accent4="accent4" accent5="accent5" accent6="accent6" bg1="lt1" bg2="dk2" tx1="dk1" tx2="lt2" folHlink="folHlink" hlink="hlink"/>
+  <p:clrMap bg1="lt1" tx1="dk1" bg2="dk2" tx2="lt2" accent1="accent1" accent2="accent2" accent3="accent3" accent4="accent4" accent5="accent5" accent6="accent6" hlink="hlink" folHlink="folHlink"/>
   <p:sldLayoutIdLst>
     <p:sldLayoutId id="2147483648" r:id="rId1"/>
     <p:sldLayoutId id="2147483649" r:id="rId2"/>
@@ -7209,10 +7254,10 @@
     <p:sldLayoutId id="2147483657" r:id="rId10"/>
     <p:sldLayoutId id="2147483658" r:id="rId11"/>
   </p:sldLayoutIdLst>
-  <p:hf dt="0" ftr="0" hdr="0" sldNum="0"/>
+  <p:hf sldNum="0" hdr="0" ftr="0" dt="0"/>
   <p:txStyles>
     <p:titleStyle>
-      <a:defPPr lvl="0" marR="0" rtl="0" algn="l">
+      <a:defPPr marR="0" lvl="0" algn="l" rtl="0">
         <a:lnSpc>
           <a:spcPct val="100000"/>
         </a:lnSpc>
@@ -7223,7 +7268,7 @@
           <a:spcPts val="0"/>
         </a:spcAft>
       </a:defPPr>
-      <a:lvl1pPr lvl="0" marR="0" rtl="0" algn="l">
+      <a:lvl1pPr marR="0" lvl="0" algn="l" rtl="0">
         <a:lnSpc>
           <a:spcPct val="100000"/>
         </a:lnSpc>
@@ -7234,7 +7279,7 @@
           <a:spcPts val="0"/>
         </a:spcAft>
         <a:buNone/>
-        <a:defRPr b="0" i="0" sz="1400" u="none" cap="none" strike="noStrike">
+        <a:defRPr sz="1400" b="0" i="0" u="none" strike="noStrike" cap="none">
           <a:solidFill>
             <a:srgbClr val="000000"/>
           </a:solidFill>
@@ -7246,7 +7291,7 @@
       </a:lvl1pPr>
     </p:titleStyle>
     <p:bodyStyle>
-      <a:defPPr lvl="0" marR="0" rtl="0" algn="l">
+      <a:defPPr marR="0" lvl="0" algn="l" rtl="0">
         <a:lnSpc>
           <a:spcPct val="100000"/>
         </a:lnSpc>
@@ -7257,7 +7302,7 @@
           <a:spcPts val="0"/>
         </a:spcAft>
       </a:defPPr>
-      <a:lvl1pPr lvl="0" marR="0" rtl="0" algn="l">
+      <a:lvl1pPr marR="0" lvl="0" algn="l" rtl="0">
         <a:lnSpc>
           <a:spcPct val="100000"/>
         </a:lnSpc>
@@ -7268,7 +7313,7 @@
           <a:spcPts val="0"/>
         </a:spcAft>
         <a:buNone/>
-        <a:defRPr b="0" i="0" sz="1400" u="none" cap="none" strike="noStrike">
+        <a:defRPr sz="1400" b="0" i="0" u="none" strike="noStrike" cap="none">
           <a:solidFill>
             <a:srgbClr val="000000"/>
           </a:solidFill>
@@ -7278,7 +7323,7 @@
           <a:sym typeface="Arial"/>
         </a:defRPr>
       </a:lvl1pPr>
-      <a:lvl2pPr lvl="1" marR="0" rtl="0" algn="l">
+      <a:lvl2pPr marR="0" lvl="1" algn="l" rtl="0">
         <a:lnSpc>
           <a:spcPct val="100000"/>
         </a:lnSpc>
@@ -7289,7 +7334,7 @@
           <a:spcPts val="0"/>
         </a:spcAft>
         <a:buNone/>
-        <a:defRPr b="0" i="0" sz="1400" u="none" cap="none" strike="noStrike">
+        <a:defRPr sz="1400" b="0" i="0" u="none" strike="noStrike" cap="none">
           <a:solidFill>
             <a:srgbClr val="000000"/>
           </a:solidFill>
@@ -7299,7 +7344,7 @@
           <a:sym typeface="Arial"/>
         </a:defRPr>
       </a:lvl2pPr>
-      <a:lvl3pPr lvl="2" marR="0" rtl="0" algn="l">
+      <a:lvl3pPr marR="0" lvl="2" algn="l" rtl="0">
         <a:lnSpc>
           <a:spcPct val="100000"/>
         </a:lnSpc>
@@ -7310,7 +7355,7 @@
           <a:spcPts val="0"/>
         </a:spcAft>
         <a:buNone/>
-        <a:defRPr b="0" i="0" sz="1400" u="none" cap="none" strike="noStrike">
+        <a:defRPr sz="1400" b="0" i="0" u="none" strike="noStrike" cap="none">
           <a:solidFill>
             <a:srgbClr val="000000"/>
           </a:solidFill>
@@ -7320,7 +7365,7 @@
           <a:sym typeface="Arial"/>
         </a:defRPr>
       </a:lvl3pPr>
-      <a:lvl4pPr lvl="3" marR="0" rtl="0" algn="l">
+      <a:lvl4pPr marR="0" lvl="3" algn="l" rtl="0">
         <a:lnSpc>
           <a:spcPct val="100000"/>
         </a:lnSpc>
@@ -7331,7 +7376,7 @@
           <a:spcPts val="0"/>
         </a:spcAft>
         <a:buNone/>
-        <a:defRPr b="0" i="0" sz="1400" u="none" cap="none" strike="noStrike">
+        <a:defRPr sz="1400" b="0" i="0" u="none" strike="noStrike" cap="none">
           <a:solidFill>
             <a:srgbClr val="000000"/>
           </a:solidFill>
@@ -7341,7 +7386,7 @@
           <a:sym typeface="Arial"/>
         </a:defRPr>
       </a:lvl4pPr>
-      <a:lvl5pPr lvl="4" marR="0" rtl="0" algn="l">
+      <a:lvl5pPr marR="0" lvl="4" algn="l" rtl="0">
         <a:lnSpc>
           <a:spcPct val="100000"/>
         </a:lnSpc>
@@ -7352,7 +7397,7 @@
           <a:spcPts val="0"/>
         </a:spcAft>
         <a:buNone/>
-        <a:defRPr b="0" i="0" sz="1400" u="none" cap="none" strike="noStrike">
+        <a:defRPr sz="1400" b="0" i="0" u="none" strike="noStrike" cap="none">
           <a:solidFill>
             <a:srgbClr val="000000"/>
           </a:solidFill>
@@ -7362,7 +7407,7 @@
           <a:sym typeface="Arial"/>
         </a:defRPr>
       </a:lvl5pPr>
-      <a:lvl6pPr lvl="5" marR="0" rtl="0" algn="l">
+      <a:lvl6pPr marR="0" lvl="5" algn="l" rtl="0">
         <a:lnSpc>
           <a:spcPct val="100000"/>
         </a:lnSpc>
@@ -7373,7 +7418,7 @@
           <a:spcPts val="0"/>
         </a:spcAft>
         <a:buNone/>
-        <a:defRPr b="0" i="0" sz="1400" u="none" cap="none" strike="noStrike">
+        <a:defRPr sz="1400" b="0" i="0" u="none" strike="noStrike" cap="none">
           <a:solidFill>
             <a:srgbClr val="000000"/>
           </a:solidFill>
@@ -7383,7 +7428,7 @@
           <a:sym typeface="Arial"/>
         </a:defRPr>
       </a:lvl6pPr>
-      <a:lvl7pPr lvl="6" marR="0" rtl="0" algn="l">
+      <a:lvl7pPr marR="0" lvl="6" algn="l" rtl="0">
         <a:lnSpc>
           <a:spcPct val="100000"/>
         </a:lnSpc>
@@ -7394,7 +7439,7 @@
           <a:spcPts val="0"/>
         </a:spcAft>
         <a:buNone/>
-        <a:defRPr b="0" i="0" sz="1400" u="none" cap="none" strike="noStrike">
+        <a:defRPr sz="1400" b="0" i="0" u="none" strike="noStrike" cap="none">
           <a:solidFill>
             <a:srgbClr val="000000"/>
           </a:solidFill>
@@ -7404,7 +7449,7 @@
           <a:sym typeface="Arial"/>
         </a:defRPr>
       </a:lvl7pPr>
-      <a:lvl8pPr lvl="7" marR="0" rtl="0" algn="l">
+      <a:lvl8pPr marR="0" lvl="7" algn="l" rtl="0">
         <a:lnSpc>
           <a:spcPct val="100000"/>
         </a:lnSpc>
@@ -7415,7 +7460,7 @@
           <a:spcPts val="0"/>
         </a:spcAft>
         <a:buNone/>
-        <a:defRPr b="0" i="0" sz="1400" u="none" cap="none" strike="noStrike">
+        <a:defRPr sz="1400" b="0" i="0" u="none" strike="noStrike" cap="none">
           <a:solidFill>
             <a:srgbClr val="000000"/>
           </a:solidFill>
@@ -7425,7 +7470,7 @@
           <a:sym typeface="Arial"/>
         </a:defRPr>
       </a:lvl8pPr>
-      <a:lvl9pPr lvl="8" marR="0" rtl="0" algn="l">
+      <a:lvl9pPr marR="0" lvl="8" algn="l" rtl="0">
         <a:lnSpc>
           <a:spcPct val="100000"/>
         </a:lnSpc>
@@ -7436,7 +7481,7 @@
           <a:spcPts val="0"/>
         </a:spcAft>
         <a:buNone/>
-        <a:defRPr b="0" i="0" sz="1400" u="none" cap="none" strike="noStrike">
+        <a:defRPr sz="1400" b="0" i="0" u="none" strike="noStrike" cap="none">
           <a:solidFill>
             <a:srgbClr val="000000"/>
           </a:solidFill>
@@ -7448,7 +7493,7 @@
       </a:lvl9pPr>
     </p:bodyStyle>
     <p:otherStyle>
-      <a:defPPr lvl="0" marR="0" rtl="0" algn="l">
+      <a:defPPr marR="0" lvl="0" algn="l" rtl="0">
         <a:lnSpc>
           <a:spcPct val="100000"/>
         </a:lnSpc>
@@ -7459,7 +7504,7 @@
           <a:spcPts val="0"/>
         </a:spcAft>
       </a:defPPr>
-      <a:lvl1pPr lvl="0" marR="0" rtl="0" algn="l">
+      <a:lvl1pPr marR="0" lvl="0" algn="l" rtl="0">
         <a:lnSpc>
           <a:spcPct val="100000"/>
         </a:lnSpc>
@@ -7470,7 +7515,7 @@
           <a:spcPts val="0"/>
         </a:spcAft>
         <a:buNone/>
-        <a:defRPr b="0" i="0" sz="1400" u="none" cap="none" strike="noStrike">
+        <a:defRPr sz="1400" b="0" i="0" u="none" strike="noStrike" cap="none">
           <a:solidFill>
             <a:srgbClr val="000000"/>
           </a:solidFill>
@@ -7480,7 +7525,7 @@
           <a:sym typeface="Arial"/>
         </a:defRPr>
       </a:lvl1pPr>
-      <a:lvl2pPr lvl="1" marR="0" rtl="0" algn="l">
+      <a:lvl2pPr marR="0" lvl="1" algn="l" rtl="0">
         <a:lnSpc>
           <a:spcPct val="100000"/>
         </a:lnSpc>
@@ -7491,7 +7536,7 @@
           <a:spcPts val="0"/>
         </a:spcAft>
         <a:buNone/>
-        <a:defRPr b="0" i="0" sz="1400" u="none" cap="none" strike="noStrike">
+        <a:defRPr sz="1400" b="0" i="0" u="none" strike="noStrike" cap="none">
           <a:solidFill>
             <a:srgbClr val="000000"/>
           </a:solidFill>
@@ -7501,7 +7546,7 @@
           <a:sym typeface="Arial"/>
         </a:defRPr>
       </a:lvl2pPr>
-      <a:lvl3pPr lvl="2" marR="0" rtl="0" algn="l">
+      <a:lvl3pPr marR="0" lvl="2" algn="l" rtl="0">
         <a:lnSpc>
           <a:spcPct val="100000"/>
         </a:lnSpc>
@@ -7512,7 +7557,7 @@
           <a:spcPts val="0"/>
         </a:spcAft>
         <a:buNone/>
-        <a:defRPr b="0" i="0" sz="1400" u="none" cap="none" strike="noStrike">
+        <a:defRPr sz="1400" b="0" i="0" u="none" strike="noStrike" cap="none">
           <a:solidFill>
             <a:srgbClr val="000000"/>
           </a:solidFill>
@@ -7522,7 +7567,7 @@
           <a:sym typeface="Arial"/>
         </a:defRPr>
       </a:lvl3pPr>
-      <a:lvl4pPr lvl="3" marR="0" rtl="0" algn="l">
+      <a:lvl4pPr marR="0" lvl="3" algn="l" rtl="0">
         <a:lnSpc>
           <a:spcPct val="100000"/>
         </a:lnSpc>
@@ -7533,7 +7578,7 @@
           <a:spcPts val="0"/>
         </a:spcAft>
         <a:buNone/>
-        <a:defRPr b="0" i="0" sz="1400" u="none" cap="none" strike="noStrike">
+        <a:defRPr sz="1400" b="0" i="0" u="none" strike="noStrike" cap="none">
           <a:solidFill>
             <a:srgbClr val="000000"/>
           </a:solidFill>
@@ -7543,7 +7588,7 @@
           <a:sym typeface="Arial"/>
         </a:defRPr>
       </a:lvl4pPr>
-      <a:lvl5pPr lvl="4" marR="0" rtl="0" algn="l">
+      <a:lvl5pPr marR="0" lvl="4" algn="l" rtl="0">
         <a:lnSpc>
           <a:spcPct val="100000"/>
         </a:lnSpc>
@@ -7554,7 +7599,7 @@
           <a:spcPts val="0"/>
         </a:spcAft>
         <a:buNone/>
-        <a:defRPr b="0" i="0" sz="1400" u="none" cap="none" strike="noStrike">
+        <a:defRPr sz="1400" b="0" i="0" u="none" strike="noStrike" cap="none">
           <a:solidFill>
             <a:srgbClr val="000000"/>
           </a:solidFill>
@@ -7564,7 +7609,7 @@
           <a:sym typeface="Arial"/>
         </a:defRPr>
       </a:lvl5pPr>
-      <a:lvl6pPr lvl="5" marR="0" rtl="0" algn="l">
+      <a:lvl6pPr marR="0" lvl="5" algn="l" rtl="0">
         <a:lnSpc>
           <a:spcPct val="100000"/>
         </a:lnSpc>
@@ -7575,7 +7620,7 @@
           <a:spcPts val="0"/>
         </a:spcAft>
         <a:buNone/>
-        <a:defRPr b="0" i="0" sz="1400" u="none" cap="none" strike="noStrike">
+        <a:defRPr sz="1400" b="0" i="0" u="none" strike="noStrike" cap="none">
           <a:solidFill>
             <a:srgbClr val="000000"/>
           </a:solidFill>
@@ -7585,7 +7630,7 @@
           <a:sym typeface="Arial"/>
         </a:defRPr>
       </a:lvl6pPr>
-      <a:lvl7pPr lvl="6" marR="0" rtl="0" algn="l">
+      <a:lvl7pPr marR="0" lvl="6" algn="l" rtl="0">
         <a:lnSpc>
           <a:spcPct val="100000"/>
         </a:lnSpc>
@@ -7596,7 +7641,7 @@
           <a:spcPts val="0"/>
         </a:spcAft>
         <a:buNone/>
-        <a:defRPr b="0" i="0" sz="1400" u="none" cap="none" strike="noStrike">
+        <a:defRPr sz="1400" b="0" i="0" u="none" strike="noStrike" cap="none">
           <a:solidFill>
             <a:srgbClr val="000000"/>
           </a:solidFill>
@@ -7606,7 +7651,7 @@
           <a:sym typeface="Arial"/>
         </a:defRPr>
       </a:lvl7pPr>
-      <a:lvl8pPr lvl="7" marR="0" rtl="0" algn="l">
+      <a:lvl8pPr marR="0" lvl="7" algn="l" rtl="0">
         <a:lnSpc>
           <a:spcPct val="100000"/>
         </a:lnSpc>
@@ -7617,7 +7662,7 @@
           <a:spcPts val="0"/>
         </a:spcAft>
         <a:buNone/>
-        <a:defRPr b="0" i="0" sz="1400" u="none" cap="none" strike="noStrike">
+        <a:defRPr sz="1400" b="0" i="0" u="none" strike="noStrike" cap="none">
           <a:solidFill>
             <a:srgbClr val="000000"/>
           </a:solidFill>
@@ -7627,7 +7672,7 @@
           <a:sym typeface="Arial"/>
         </a:defRPr>
       </a:lvl8pPr>
-      <a:lvl9pPr lvl="8" marR="0" rtl="0" algn="l">
+      <a:lvl9pPr marR="0" lvl="8" algn="l" rtl="0">
         <a:lnSpc>
           <a:spcPct val="100000"/>
         </a:lnSpc>
@@ -7638,7 +7683,7 @@
           <a:spcPts val="0"/>
         </a:spcAft>
         <a:buNone/>
-        <a:defRPr b="0" i="0" sz="1400" u="none" cap="none" strike="noStrike">
+        <a:defRPr sz="1400" b="0" i="0" u="none" strike="noStrike" cap="none">
           <a:solidFill>
             <a:srgbClr val="000000"/>
           </a:solidFill>
@@ -7654,11 +7699,11 @@
 </file>
 
 <file path=ppt/slides/slide1.xml><?xml version="1.0" encoding="utf-8"?>
-<p:sld xmlns:a="http://schemas.openxmlformats.org/drawingml/2006/main" xmlns:r="http://schemas.openxmlformats.org/officeDocument/2006/relationships" xmlns:mc="http://schemas.openxmlformats.org/markup-compatibility/2006" xmlns:mv="urn:schemas-microsoft-com:mac:vml" xmlns:p="http://schemas.openxmlformats.org/presentationml/2006/main" xmlns:c="http://schemas.openxmlformats.org/drawingml/2006/chart" xmlns:dgm="http://schemas.openxmlformats.org/drawingml/2006/diagram" xmlns:o="urn:schemas-microsoft-com:office:office" xmlns:v="urn:schemas-microsoft-com:vml" xmlns:pvml="urn:schemas-microsoft-com:office:powerpoint" xmlns:com="http://schemas.openxmlformats.org/drawingml/2006/compatibility" xmlns:p14="http://schemas.microsoft.com/office/powerpoint/2010/main" xmlns:p15="http://schemas.microsoft.com/office/powerpoint/2012/main">
+<p:sld xmlns:a="http://schemas.openxmlformats.org/drawingml/2006/main" xmlns:r="http://schemas.openxmlformats.org/officeDocument/2006/relationships" xmlns:p="http://schemas.openxmlformats.org/presentationml/2006/main">
   <p:cSld>
     <p:spTree>
       <p:nvGrpSpPr>
-        <p:cNvPr id="133" name="Shape 133"/>
+        <p:cNvPr id="1" name="Shape 133"/>
         <p:cNvGrpSpPr/>
         <p:nvPr/>
       </p:nvGrpSpPr>
@@ -7673,7 +7718,9 @@
       <p:sp>
         <p:nvSpPr>
           <p:cNvPr id="134" name="Shape 134"/>
-          <p:cNvSpPr txBox="1"/>
+          <p:cNvSpPr txBox="1">
+            <a:spLocks noGrp="1"/>
+          </p:cNvSpPr>
           <p:nvPr>
             <p:ph type="ctrTitle"/>
           </p:nvPr>
@@ -7688,7 +7735,7 @@
           </a:prstGeom>
         </p:spPr>
         <p:txBody>
-          <a:bodyPr anchorCtr="0" anchor="t" bIns="91425" lIns="91425" rIns="91425" wrap="square" tIns="91425">
+          <a:bodyPr wrap="square" lIns="91425" tIns="91425" rIns="91425" bIns="91425" anchor="t" anchorCtr="0">
             <a:noAutofit/>
           </a:bodyPr>
           <a:lstStyle/>
@@ -7758,9 +7805,11 @@
       <p:sp>
         <p:nvSpPr>
           <p:cNvPr id="135" name="Shape 135"/>
-          <p:cNvSpPr txBox="1"/>
+          <p:cNvSpPr txBox="1">
+            <a:spLocks noGrp="1"/>
+          </p:cNvSpPr>
           <p:nvPr>
-            <p:ph idx="1" type="subTitle"/>
+            <p:ph type="subTitle" idx="1"/>
           </p:nvPr>
         </p:nvSpPr>
         <p:spPr>
@@ -7773,7 +7822,7 @@
           </a:prstGeom>
         </p:spPr>
         <p:txBody>
-          <a:bodyPr anchorCtr="0" anchor="t" bIns="91425" lIns="91425" rIns="91425" wrap="square" tIns="91425">
+          <a:bodyPr wrap="square" lIns="91425" tIns="91425" rIns="91425" bIns="91425" anchor="t" anchorCtr="0">
             <a:noAutofit/>
           </a:bodyPr>
           <a:lstStyle/>
@@ -7801,9 +7850,6 @@
               </a:spcBef>
               <a:buNone/>
             </a:pPr>
-            <a:r>
-              <a:t/>
-            </a:r>
             <a:endParaRPr>
               <a:latin typeface="Times New Roman"/>
               <a:ea typeface="Times New Roman"/>
@@ -7873,11 +7919,11 @@
 </file>
 
 <file path=ppt/slides/slide2.xml><?xml version="1.0" encoding="utf-8"?>
-<p:sld xmlns:a="http://schemas.openxmlformats.org/drawingml/2006/main" xmlns:r="http://schemas.openxmlformats.org/officeDocument/2006/relationships" xmlns:mc="http://schemas.openxmlformats.org/markup-compatibility/2006" xmlns:mv="urn:schemas-microsoft-com:mac:vml" xmlns:p="http://schemas.openxmlformats.org/presentationml/2006/main" xmlns:c="http://schemas.openxmlformats.org/drawingml/2006/chart" xmlns:dgm="http://schemas.openxmlformats.org/drawingml/2006/diagram" xmlns:o="urn:schemas-microsoft-com:office:office" xmlns:v="urn:schemas-microsoft-com:vml" xmlns:pvml="urn:schemas-microsoft-com:office:powerpoint" xmlns:com="http://schemas.openxmlformats.org/drawingml/2006/compatibility" xmlns:p14="http://schemas.microsoft.com/office/powerpoint/2010/main" xmlns:p15="http://schemas.microsoft.com/office/powerpoint/2012/main">
+<p:sld xmlns:a="http://schemas.openxmlformats.org/drawingml/2006/main" xmlns:r="http://schemas.openxmlformats.org/officeDocument/2006/relationships" xmlns:p="http://schemas.openxmlformats.org/presentationml/2006/main">
   <p:cSld>
     <p:spTree>
       <p:nvGrpSpPr>
-        <p:cNvPr id="139" name="Shape 139"/>
+        <p:cNvPr id="1" name="Shape 139"/>
         <p:cNvGrpSpPr/>
         <p:nvPr/>
       </p:nvGrpSpPr>
@@ -7892,22 +7938,24 @@
       <p:sp>
         <p:nvSpPr>
           <p:cNvPr id="140" name="Shape 140"/>
-          <p:cNvSpPr txBox="1"/>
+          <p:cNvSpPr txBox="1">
+            <a:spLocks noGrp="1"/>
+          </p:cNvSpPr>
           <p:nvPr>
             <p:ph type="title"/>
           </p:nvPr>
         </p:nvSpPr>
         <p:spPr>
           <a:xfrm>
-            <a:off x="1052550" y="317550"/>
-            <a:ext cx="7038900" cy="914100"/>
+            <a:off x="1052550" y="83484"/>
+            <a:ext cx="7038900" cy="691116"/>
           </a:xfrm>
           <a:prstGeom prst="rect">
             <a:avLst/>
           </a:prstGeom>
         </p:spPr>
         <p:txBody>
-          <a:bodyPr anchorCtr="0" anchor="t" bIns="91425" lIns="91425" rIns="91425" wrap="square" tIns="91425">
+          <a:bodyPr wrap="square" lIns="91425" tIns="91425" rIns="91425" bIns="91425" anchor="t" anchorCtr="0">
             <a:noAutofit/>
           </a:bodyPr>
           <a:lstStyle/>
@@ -7933,22 +7981,24 @@
       <p:sp>
         <p:nvSpPr>
           <p:cNvPr id="141" name="Shape 141"/>
-          <p:cNvSpPr txBox="1"/>
+          <p:cNvSpPr txBox="1">
+            <a:spLocks noGrp="1"/>
+          </p:cNvSpPr>
           <p:nvPr>
-            <p:ph idx="1" type="body"/>
+            <p:ph type="body" idx="1"/>
           </p:nvPr>
         </p:nvSpPr>
         <p:spPr>
           <a:xfrm>
-            <a:off x="1052550" y="915450"/>
-            <a:ext cx="7307100" cy="3712500"/>
+            <a:off x="1052550" y="774599"/>
+            <a:ext cx="7307100" cy="4233335"/>
           </a:xfrm>
           <a:prstGeom prst="rect">
             <a:avLst/>
           </a:prstGeom>
         </p:spPr>
         <p:txBody>
-          <a:bodyPr anchorCtr="0" anchor="t" bIns="91425" lIns="91425" rIns="91425" wrap="square" tIns="91425">
+          <a:bodyPr wrap="square" lIns="91425" tIns="91425" rIns="91425" bIns="91425" anchor="t" anchorCtr="0">
             <a:noAutofit/>
           </a:bodyPr>
           <a:lstStyle/>
@@ -7963,7 +8013,7 @@
               <a:buNone/>
             </a:pPr>
             <a:r>
-              <a:rPr b="1" lang="en" sz="1800">
+              <a:rPr lang="en" sz="1800" b="1" dirty="0">
                 <a:latin typeface="Times New Roman"/>
                 <a:ea typeface="Times New Roman"/>
                 <a:cs typeface="Times New Roman"/>
@@ -7973,7 +8023,7 @@
             </a:r>
           </a:p>
           <a:p>
-            <a:pPr indent="-342900" lvl="0" marL="457200">
+            <a:pPr marL="457200" lvl="0" indent="-342900">
               <a:lnSpc>
                 <a:spcPct val="100000"/>
               </a:lnSpc>
@@ -7985,7 +8035,7 @@
               <a:buChar char="❖"/>
             </a:pPr>
             <a:r>
-              <a:rPr lang="en" sz="1800">
+              <a:rPr lang="en" sz="1800" dirty="0">
                 <a:latin typeface="Times New Roman"/>
                 <a:ea typeface="Times New Roman"/>
                 <a:cs typeface="Times New Roman"/>
@@ -8002,7 +8052,7 @@
               <a:buNone/>
             </a:pPr>
             <a:r>
-              <a:rPr b="1" lang="en" sz="1800">
+              <a:rPr lang="en" sz="1800" b="1" dirty="0">
                 <a:latin typeface="Times New Roman"/>
                 <a:ea typeface="Times New Roman"/>
                 <a:cs typeface="Times New Roman"/>
@@ -8012,33 +8062,49 @@
             </a:r>
           </a:p>
           <a:p>
-            <a:pPr indent="-342900" lvl="0" marL="457200">
-              <a:spcBef>
-                <a:spcPts val="0"/>
-              </a:spcBef>
-              <a:buSzPct val="100000"/>
+            <a:pPr marL="457200" lvl="0" indent="-342900">
               <a:buFont typeface="Times New Roman"/>
               <a:buChar char="❖"/>
             </a:pPr>
             <a:r>
-              <a:rPr lang="en" sz="1800">
-                <a:latin typeface="Times New Roman"/>
-                <a:ea typeface="Times New Roman"/>
-                <a:cs typeface="Times New Roman"/>
-                <a:sym typeface="Times New Roman"/>
-              </a:rPr>
-              <a:t>Chefs/owners use food classification to ensure the new dishes invented belong to the type of cuisine served at the restaurant</a:t>
+              <a:rPr lang="en" sz="1800" dirty="0" smtClean="0"/>
+              <a:t>Chefs/owners </a:t>
             </a:r>
+            <a:r>
+              <a:rPr lang="en" sz="1800" dirty="0"/>
+              <a:t>can use the dataset to </a:t>
+            </a:r>
+            <a:r>
+              <a:rPr lang="en" sz="1800" dirty="0" err="1"/>
+              <a:t>analyse</a:t>
+            </a:r>
+            <a:r>
+              <a:rPr lang="en" sz="1800" dirty="0"/>
+              <a:t> the data, see the most frequently liked/visited images, and have a report of their most loved </a:t>
+            </a:r>
+            <a:r>
+              <a:rPr lang="en" sz="1800" dirty="0" smtClean="0"/>
+              <a:t>dishes.</a:t>
+            </a:r>
+            <a:endParaRPr lang="en" sz="1800" dirty="0" smtClean="0">
+              <a:latin typeface="Times New Roman"/>
+              <a:ea typeface="Times New Roman"/>
+              <a:cs typeface="Times New Roman"/>
+              <a:sym typeface="Times New Roman"/>
+            </a:endParaRPr>
           </a:p>
           <a:p>
             <a:pPr lvl="0">
+              <a:lnSpc>
+                <a:spcPct val="100000"/>
+              </a:lnSpc>
               <a:spcBef>
                 <a:spcPts val="0"/>
               </a:spcBef>
               <a:buNone/>
             </a:pPr>
             <a:r>
-              <a:rPr b="1" lang="en" sz="1800">
+              <a:rPr lang="en" sz="1800" b="1" dirty="0" smtClean="0">
                 <a:latin typeface="Times New Roman"/>
                 <a:ea typeface="Times New Roman"/>
                 <a:cs typeface="Times New Roman"/>
@@ -8048,7 +8114,7 @@
             </a:r>
           </a:p>
           <a:p>
-            <a:pPr indent="-342900" lvl="0" marL="457200">
+            <a:pPr marL="457200" lvl="0" indent="-342900">
               <a:spcBef>
                 <a:spcPts val="0"/>
               </a:spcBef>
@@ -8057,13 +8123,22 @@
               <a:buChar char="❖"/>
             </a:pPr>
             <a:r>
-              <a:rPr lang="en" sz="1800">
+              <a:rPr lang="en" sz="1800" dirty="0" smtClean="0">
                 <a:latin typeface="Times New Roman"/>
                 <a:ea typeface="Times New Roman"/>
                 <a:cs typeface="Times New Roman"/>
                 <a:sym typeface="Times New Roman"/>
               </a:rPr>
-              <a:t>Food application users upload images to identify the category of their food </a:t>
+              <a:t>Food </a:t>
+            </a:r>
+            <a:r>
+              <a:rPr lang="en" sz="1800" dirty="0">
+                <a:latin typeface="Times New Roman"/>
+                <a:ea typeface="Times New Roman"/>
+                <a:cs typeface="Times New Roman"/>
+                <a:sym typeface="Times New Roman"/>
+              </a:rPr>
+              <a:t>application users upload images to identify the category of their food </a:t>
             </a:r>
           </a:p>
           <a:p>
@@ -8073,10 +8148,7 @@
               </a:spcBef>
               <a:buNone/>
             </a:pPr>
-            <a:r>
-              <a:t/>
-            </a:r>
-            <a:endParaRPr/>
+            <a:endParaRPr dirty="0"/>
           </a:p>
           <a:p>
             <a:pPr lvl="0">
@@ -8085,10 +8157,7 @@
               </a:spcBef>
               <a:buNone/>
             </a:pPr>
-            <a:r>
-              <a:t/>
-            </a:r>
-            <a:endParaRPr/>
+            <a:endParaRPr dirty="0"/>
           </a:p>
         </p:txBody>
       </p:sp>
@@ -8101,11 +8170,11 @@
 </file>
 
 <file path=ppt/slides/slide3.xml><?xml version="1.0" encoding="utf-8"?>
-<p:sld xmlns:a="http://schemas.openxmlformats.org/drawingml/2006/main" xmlns:r="http://schemas.openxmlformats.org/officeDocument/2006/relationships" xmlns:mc="http://schemas.openxmlformats.org/markup-compatibility/2006" xmlns:mv="urn:schemas-microsoft-com:mac:vml" xmlns:p="http://schemas.openxmlformats.org/presentationml/2006/main" xmlns:c="http://schemas.openxmlformats.org/drawingml/2006/chart" xmlns:dgm="http://schemas.openxmlformats.org/drawingml/2006/diagram" xmlns:o="urn:schemas-microsoft-com:office:office" xmlns:v="urn:schemas-microsoft-com:vml" xmlns:pvml="urn:schemas-microsoft-com:office:powerpoint" xmlns:com="http://schemas.openxmlformats.org/drawingml/2006/compatibility" xmlns:p14="http://schemas.microsoft.com/office/powerpoint/2010/main" xmlns:p15="http://schemas.microsoft.com/office/powerpoint/2012/main">
+<p:sld xmlns:a="http://schemas.openxmlformats.org/drawingml/2006/main" xmlns:r="http://schemas.openxmlformats.org/officeDocument/2006/relationships" xmlns:p="http://schemas.openxmlformats.org/presentationml/2006/main">
   <p:cSld>
     <p:spTree>
       <p:nvGrpSpPr>
-        <p:cNvPr id="145" name="Shape 145"/>
+        <p:cNvPr id="1" name="Shape 145"/>
         <p:cNvGrpSpPr/>
         <p:nvPr/>
       </p:nvGrpSpPr>
@@ -8120,7 +8189,9 @@
       <p:sp>
         <p:nvSpPr>
           <p:cNvPr id="146" name="Shape 146"/>
-          <p:cNvSpPr txBox="1"/>
+          <p:cNvSpPr txBox="1">
+            <a:spLocks noGrp="1"/>
+          </p:cNvSpPr>
           <p:nvPr>
             <p:ph type="title"/>
           </p:nvPr>
@@ -8135,7 +8206,7 @@
           </a:prstGeom>
         </p:spPr>
         <p:txBody>
-          <a:bodyPr anchorCtr="0" anchor="t" bIns="91425" lIns="91425" rIns="91425" wrap="square" tIns="91425">
+          <a:bodyPr wrap="square" lIns="91425" tIns="91425" rIns="91425" bIns="91425" anchor="t" anchorCtr="0">
             <a:noAutofit/>
           </a:bodyPr>
           <a:lstStyle/>
@@ -8161,9 +8232,11 @@
       <p:sp>
         <p:nvSpPr>
           <p:cNvPr id="147" name="Shape 147"/>
-          <p:cNvSpPr txBox="1"/>
+          <p:cNvSpPr txBox="1">
+            <a:spLocks noGrp="1"/>
+          </p:cNvSpPr>
           <p:nvPr>
-            <p:ph idx="1" type="body"/>
+            <p:ph type="body" idx="1"/>
           </p:nvPr>
         </p:nvSpPr>
         <p:spPr>
@@ -8176,12 +8249,12 @@
           </a:prstGeom>
         </p:spPr>
         <p:txBody>
-          <a:bodyPr anchorCtr="0" anchor="t" bIns="91425" lIns="91425" rIns="91425" wrap="square" tIns="91425">
+          <a:bodyPr wrap="square" lIns="91425" tIns="91425" rIns="91425" bIns="91425" anchor="t" anchorCtr="0">
             <a:noAutofit/>
           </a:bodyPr>
           <a:lstStyle/>
           <a:p>
-            <a:pPr indent="-342900" lvl="0" marL="457200" rtl="0">
+            <a:pPr marL="457200" lvl="0" indent="-342900" rtl="0">
               <a:spcBef>
                 <a:spcPts val="0"/>
               </a:spcBef>
@@ -8203,7 +8276,7 @@
             </a:r>
           </a:p>
           <a:p>
-            <a:pPr indent="-342900" lvl="0" marL="914400" rtl="0">
+            <a:pPr marL="914400" lvl="0" indent="-342900" rtl="0">
               <a:spcBef>
                 <a:spcPts val="0"/>
               </a:spcBef>
@@ -8225,7 +8298,7 @@
             </a:r>
           </a:p>
           <a:p>
-            <a:pPr indent="-342900" lvl="0" marL="914400" rtl="0">
+            <a:pPr marL="914400" lvl="0" indent="-342900" rtl="0">
               <a:spcBef>
                 <a:spcPts val="0"/>
               </a:spcBef>
@@ -8247,7 +8320,7 @@
             </a:r>
           </a:p>
           <a:p>
-            <a:pPr indent="-342900" lvl="0" marL="914400" rtl="0">
+            <a:pPr marL="914400" lvl="0" indent="-342900" rtl="0">
               <a:spcBef>
                 <a:spcPts val="0"/>
               </a:spcBef>
@@ -8269,7 +8342,7 @@
             </a:r>
           </a:p>
           <a:p>
-            <a:pPr indent="-342900" lvl="0" marL="457200" rtl="0">
+            <a:pPr marL="457200" lvl="0" indent="-342900" rtl="0">
               <a:spcBef>
                 <a:spcPts val="0"/>
               </a:spcBef>
@@ -8291,7 +8364,7 @@
             </a:r>
           </a:p>
           <a:p>
-            <a:pPr indent="-342900" lvl="0" marL="914400" rtl="0">
+            <a:pPr marL="914400" lvl="0" indent="-342900" rtl="0">
               <a:spcBef>
                 <a:spcPts val="0"/>
               </a:spcBef>
@@ -8313,7 +8386,7 @@
             </a:r>
           </a:p>
           <a:p>
-            <a:pPr indent="-342900" lvl="0" marL="914400" rtl="0">
+            <a:pPr marL="914400" lvl="0" indent="-342900" rtl="0">
               <a:spcBef>
                 <a:spcPts val="0"/>
               </a:spcBef>
@@ -8335,7 +8408,7 @@
             </a:r>
           </a:p>
           <a:p>
-            <a:pPr indent="-342900" lvl="0" marL="914400" rtl="0">
+            <a:pPr marL="914400" lvl="0" indent="-342900" rtl="0">
               <a:spcBef>
                 <a:spcPts val="0"/>
               </a:spcBef>
@@ -8357,7 +8430,7 @@
             </a:r>
           </a:p>
           <a:p>
-            <a:pPr indent="-342900" lvl="0" marL="457200" rtl="0">
+            <a:pPr marL="457200" lvl="0" indent="-342900" rtl="0">
               <a:spcBef>
                 <a:spcPts val="0"/>
               </a:spcBef>
@@ -8379,7 +8452,7 @@
             </a:r>
           </a:p>
           <a:p>
-            <a:pPr indent="-342900" lvl="0" marL="457200" rtl="0">
+            <a:pPr marL="457200" lvl="0" indent="-342900" rtl="0">
               <a:spcBef>
                 <a:spcPts val="0"/>
               </a:spcBef>
@@ -8401,7 +8474,7 @@
             </a:r>
           </a:p>
           <a:p>
-            <a:pPr indent="-342900" lvl="0" marL="914400">
+            <a:pPr marL="914400" lvl="0" indent="-342900">
               <a:spcBef>
                 <a:spcPts val="0"/>
               </a:spcBef>
@@ -8430,11 +8503,11 @@
 </file>
 
 <file path=ppt/slides/slide4.xml><?xml version="1.0" encoding="utf-8"?>
-<p:sld xmlns:a="http://schemas.openxmlformats.org/drawingml/2006/main" xmlns:r="http://schemas.openxmlformats.org/officeDocument/2006/relationships" xmlns:mc="http://schemas.openxmlformats.org/markup-compatibility/2006" xmlns:mv="urn:schemas-microsoft-com:mac:vml" xmlns:p="http://schemas.openxmlformats.org/presentationml/2006/main" xmlns:c="http://schemas.openxmlformats.org/drawingml/2006/chart" xmlns:dgm="http://schemas.openxmlformats.org/drawingml/2006/diagram" xmlns:o="urn:schemas-microsoft-com:office:office" xmlns:v="urn:schemas-microsoft-com:vml" xmlns:pvml="urn:schemas-microsoft-com:office:powerpoint" xmlns:com="http://schemas.openxmlformats.org/drawingml/2006/compatibility" xmlns:p14="http://schemas.microsoft.com/office/powerpoint/2010/main" xmlns:p15="http://schemas.microsoft.com/office/powerpoint/2012/main">
+<p:sld xmlns:a="http://schemas.openxmlformats.org/drawingml/2006/main" xmlns:r="http://schemas.openxmlformats.org/officeDocument/2006/relationships" xmlns:p="http://schemas.openxmlformats.org/presentationml/2006/main">
   <p:cSld>
     <p:spTree>
       <p:nvGrpSpPr>
-        <p:cNvPr id="151" name="Shape 151"/>
+        <p:cNvPr id="1" name="Shape 151"/>
         <p:cNvGrpSpPr/>
         <p:nvPr/>
       </p:nvGrpSpPr>
@@ -8449,7 +8522,9 @@
       <p:sp>
         <p:nvSpPr>
           <p:cNvPr id="152" name="Shape 152"/>
-          <p:cNvSpPr txBox="1"/>
+          <p:cNvSpPr txBox="1">
+            <a:spLocks noGrp="1"/>
+          </p:cNvSpPr>
           <p:nvPr>
             <p:ph type="title"/>
           </p:nvPr>
@@ -8464,7 +8539,7 @@
           </a:prstGeom>
         </p:spPr>
         <p:txBody>
-          <a:bodyPr anchorCtr="0" anchor="t" bIns="91425" lIns="91425" rIns="91425" wrap="square" tIns="91425">
+          <a:bodyPr wrap="square" lIns="91425" tIns="91425" rIns="91425" bIns="91425" anchor="t" anchorCtr="0">
             <a:noAutofit/>
           </a:bodyPr>
           <a:lstStyle/>
@@ -8490,9 +8565,11 @@
       <p:sp>
         <p:nvSpPr>
           <p:cNvPr id="153" name="Shape 153"/>
-          <p:cNvSpPr txBox="1"/>
+          <p:cNvSpPr txBox="1">
+            <a:spLocks noGrp="1"/>
+          </p:cNvSpPr>
           <p:nvPr>
-            <p:ph idx="1" type="body"/>
+            <p:ph type="body" idx="1"/>
           </p:nvPr>
         </p:nvSpPr>
         <p:spPr>
@@ -8505,7 +8582,7 @@
           </a:prstGeom>
         </p:spPr>
         <p:txBody>
-          <a:bodyPr anchorCtr="0" anchor="t" bIns="91425" lIns="91425" rIns="91425" wrap="square" tIns="91425">
+          <a:bodyPr wrap="square" lIns="91425" tIns="91425" rIns="91425" bIns="91425" anchor="t" anchorCtr="0">
             <a:noAutofit/>
           </a:bodyPr>
           <a:lstStyle/>
@@ -8523,16 +8600,7 @@
                 <a:cs typeface="Times New Roman"/>
                 <a:sym typeface="Times New Roman"/>
               </a:rPr>
-              <a:t>ETH Food-101</a:t>
-            </a:r>
-            <a:r>
-              <a:rPr lang="en" sz="1800">
-                <a:latin typeface="Times New Roman"/>
-                <a:ea typeface="Times New Roman"/>
-                <a:cs typeface="Times New Roman"/>
-                <a:sym typeface="Times New Roman"/>
-              </a:rPr>
-              <a:t>:  </a:t>
+              <a:t>ETH Food-101:  </a:t>
             </a:r>
             <a:r>
               <a:rPr lang="en" sz="1800" u="sng">
@@ -8549,7 +8617,7 @@
             </a:r>
           </a:p>
           <a:p>
-            <a:pPr indent="-342900" lvl="0" marL="457200" rtl="0">
+            <a:pPr marL="457200" lvl="0" indent="-342900" rtl="0">
               <a:spcBef>
                 <a:spcPts val="0"/>
               </a:spcBef>
@@ -8605,7 +8673,7 @@
             </a:r>
           </a:p>
           <a:p>
-            <a:pPr indent="-342900" lvl="0" marL="457200" rtl="0">
+            <a:pPr marL="457200" lvl="0" indent="-342900" rtl="0">
               <a:spcBef>
                 <a:spcPts val="0"/>
               </a:spcBef>
@@ -8627,7 +8695,7 @@
             </a:r>
           </a:p>
           <a:p>
-            <a:pPr indent="-342900" lvl="0" marL="457200" rtl="0">
+            <a:pPr marL="457200" lvl="0" indent="-342900" rtl="0">
               <a:spcBef>
                 <a:spcPts val="0"/>
               </a:spcBef>
@@ -8646,15 +8714,12 @@
             </a:r>
           </a:p>
           <a:p>
-            <a:pPr indent="0" lvl="0" marL="0" rtl="0">
+            <a:pPr marL="0" lvl="0" indent="0" rtl="0">
               <a:spcBef>
                 <a:spcPts val="0"/>
               </a:spcBef>
               <a:buNone/>
             </a:pPr>
-            <a:r>
-              <a:t/>
-            </a:r>
             <a:endParaRPr sz="1000">
               <a:latin typeface="Arial"/>
               <a:ea typeface="Arial"/>
@@ -8669,9 +8734,6 @@
               </a:spcBef>
               <a:buNone/>
             </a:pPr>
-            <a:r>
-              <a:t/>
-            </a:r>
             <a:endParaRPr/>
           </a:p>
         </p:txBody>
@@ -8685,11 +8747,11 @@
 </file>
 
 <file path=ppt/slides/slide5.xml><?xml version="1.0" encoding="utf-8"?>
-<p:sld xmlns:a="http://schemas.openxmlformats.org/drawingml/2006/main" xmlns:r="http://schemas.openxmlformats.org/officeDocument/2006/relationships" xmlns:mc="http://schemas.openxmlformats.org/markup-compatibility/2006" xmlns:mv="urn:schemas-microsoft-com:mac:vml" xmlns:p="http://schemas.openxmlformats.org/presentationml/2006/main" xmlns:c="http://schemas.openxmlformats.org/drawingml/2006/chart" xmlns:dgm="http://schemas.openxmlformats.org/drawingml/2006/diagram" xmlns:o="urn:schemas-microsoft-com:office:office" xmlns:v="urn:schemas-microsoft-com:vml" xmlns:pvml="urn:schemas-microsoft-com:office:powerpoint" xmlns:com="http://schemas.openxmlformats.org/drawingml/2006/compatibility" xmlns:p14="http://schemas.microsoft.com/office/powerpoint/2010/main" xmlns:p15="http://schemas.microsoft.com/office/powerpoint/2012/main">
+<p:sld xmlns:a="http://schemas.openxmlformats.org/drawingml/2006/main" xmlns:r="http://schemas.openxmlformats.org/officeDocument/2006/relationships" xmlns:p="http://schemas.openxmlformats.org/presentationml/2006/main">
   <p:cSld>
     <p:spTree>
       <p:nvGrpSpPr>
-        <p:cNvPr id="157" name="Shape 157"/>
+        <p:cNvPr id="1" name="Shape 157"/>
         <p:cNvGrpSpPr/>
         <p:nvPr/>
       </p:nvGrpSpPr>
@@ -8704,7 +8766,9 @@
       <p:sp>
         <p:nvSpPr>
           <p:cNvPr id="158" name="Shape 158"/>
-          <p:cNvSpPr txBox="1"/>
+          <p:cNvSpPr txBox="1">
+            <a:spLocks noGrp="1"/>
+          </p:cNvSpPr>
           <p:nvPr>
             <p:ph type="title"/>
           </p:nvPr>
@@ -8719,7 +8783,7 @@
           </a:prstGeom>
         </p:spPr>
         <p:txBody>
-          <a:bodyPr anchorCtr="0" anchor="t" bIns="91425" lIns="91425" rIns="91425" wrap="square" tIns="91425">
+          <a:bodyPr wrap="square" lIns="91425" tIns="91425" rIns="91425" bIns="91425" anchor="t" anchorCtr="0">
             <a:noAutofit/>
           </a:bodyPr>
           <a:lstStyle/>
@@ -8755,7 +8819,7 @@
           </a:xfrm>
           <a:prstGeom prst="roundRect">
             <a:avLst>
-              <a:gd fmla="val 50000" name="adj"/>
+              <a:gd name="adj" fmla="val 50000"/>
             </a:avLst>
           </a:prstGeom>
           <a:solidFill>
@@ -8766,7 +8830,7 @@
           </a:ln>
         </p:spPr>
         <p:txBody>
-          <a:bodyPr anchorCtr="0" anchor="ctr" bIns="91425" lIns="91425" rIns="91425" wrap="square" tIns="91425">
+          <a:bodyPr wrap="square" lIns="91425" tIns="91425" rIns="91425" bIns="91425" anchor="ctr" anchorCtr="0">
             <a:noAutofit/>
           </a:bodyPr>
           <a:lstStyle/>
@@ -8777,9 +8841,6 @@
               </a:spcBef>
               <a:buNone/>
             </a:pPr>
-            <a:r>
-              <a:t/>
-            </a:r>
             <a:endParaRPr/>
           </a:p>
         </p:txBody>
@@ -8813,18 +8874,18 @@
               <a:avLst/>
             </a:prstGeom>
             <a:noFill/>
-            <a:ln cap="flat" cmpd="sng" w="38100">
+            <a:ln w="38100" cap="flat" cmpd="sng">
               <a:solidFill>
                 <a:srgbClr val="4285F4"/>
               </a:solidFill>
               <a:prstDash val="solid"/>
               <a:round/>
-              <a:headEnd len="med" w="med" type="none"/>
-              <a:tailEnd len="med" w="med" type="none"/>
+              <a:headEnd type="none" w="med" len="med"/>
+              <a:tailEnd type="none" w="med" len="med"/>
             </a:ln>
           </p:spPr>
           <p:txBody>
-            <a:bodyPr anchorCtr="0" anchor="ctr" bIns="91425" lIns="91425" rIns="91425" wrap="square" tIns="91425">
+            <a:bodyPr wrap="square" lIns="91425" tIns="91425" rIns="91425" bIns="91425" anchor="ctr" anchorCtr="0">
               <a:noAutofit/>
             </a:bodyPr>
             <a:lstStyle/>
@@ -8835,9 +8896,6 @@
                 </a:spcBef>
                 <a:buNone/>
               </a:pPr>
-              <a:r>
-                <a:t/>
-              </a:r>
               <a:endParaRPr/>
             </a:p>
           </p:txBody>
@@ -8862,7 +8920,7 @@
             </a:ln>
           </p:spPr>
           <p:txBody>
-            <a:bodyPr anchorCtr="0" anchor="t" bIns="91425" lIns="91425" rIns="91425" wrap="square" tIns="91425">
+            <a:bodyPr wrap="square" lIns="91425" tIns="91425" rIns="91425" bIns="91425" anchor="t" anchorCtr="0">
               <a:noAutofit/>
             </a:bodyPr>
             <a:lstStyle/>
@@ -8881,7 +8939,7 @@
                 <a:buNone/>
               </a:pPr>
               <a:r>
-                <a:rPr b="1" lang="en" sz="800">
+                <a:rPr lang="en" sz="800" b="1">
                   <a:solidFill>
                     <a:srgbClr val="4285F4"/>
                   </a:solidFill>
@@ -8915,12 +8973,12 @@
             </a:ln>
           </p:spPr>
           <p:txBody>
-            <a:bodyPr anchorCtr="0" anchor="b" bIns="91425" lIns="91425" rIns="91425" wrap="square" tIns="91425">
+            <a:bodyPr wrap="square" lIns="91425" tIns="91425" rIns="91425" bIns="91425" anchor="b" anchorCtr="0">
               <a:noAutofit/>
             </a:bodyPr>
             <a:lstStyle/>
             <a:p>
-              <a:pPr lvl="0" rtl="0" algn="ctr">
+              <a:pPr lvl="0" algn="ctr" rtl="0">
                 <a:lnSpc>
                   <a:spcPct val="115000"/>
                 </a:lnSpc>
@@ -8932,9 +8990,6 @@
                 </a:spcAft>
                 <a:buNone/>
               </a:pPr>
-              <a:r>
-                <a:t/>
-              </a:r>
               <a:endParaRPr sz="1300">
                 <a:solidFill>
                   <a:schemeClr val="lt1"/>
@@ -8946,7 +9001,7 @@
               </a:endParaRPr>
             </a:p>
             <a:p>
-              <a:pPr lvl="0" rtl="0" algn="ctr">
+              <a:pPr lvl="0" algn="ctr" rtl="0">
                 <a:lnSpc>
                   <a:spcPct val="115000"/>
                 </a:lnSpc>
@@ -8958,9 +9013,6 @@
                 </a:spcAft>
                 <a:buNone/>
               </a:pPr>
-              <a:r>
-                <a:t/>
-              </a:r>
               <a:endParaRPr sz="1300">
                 <a:solidFill>
                   <a:schemeClr val="lt1"/>
@@ -8972,7 +9024,7 @@
               </a:endParaRPr>
             </a:p>
             <a:p>
-              <a:pPr lvl="0" rtl="0" algn="ctr">
+              <a:pPr lvl="0" algn="ctr" rtl="0">
                 <a:lnSpc>
                   <a:spcPct val="115000"/>
                 </a:lnSpc>
@@ -8998,7 +9050,7 @@
               </a:r>
             </a:p>
             <a:p>
-              <a:pPr lvl="0" rtl="0" algn="ctr">
+              <a:pPr lvl="0" algn="ctr" rtl="0">
                 <a:lnSpc>
                   <a:spcPct val="115000"/>
                 </a:lnSpc>
@@ -9055,18 +9107,18 @@
               <a:avLst/>
             </a:prstGeom>
             <a:noFill/>
-            <a:ln cap="flat" cmpd="sng" w="38100">
+            <a:ln w="38100" cap="flat" cmpd="sng">
               <a:solidFill>
                 <a:srgbClr val="4285F4"/>
               </a:solidFill>
               <a:prstDash val="solid"/>
               <a:round/>
-              <a:headEnd len="med" w="med" type="none"/>
-              <a:tailEnd len="med" w="med" type="none"/>
+              <a:headEnd type="none" w="med" len="med"/>
+              <a:tailEnd type="none" w="med" len="med"/>
             </a:ln>
           </p:spPr>
           <p:txBody>
-            <a:bodyPr anchorCtr="0" anchor="ctr" bIns="91425" lIns="91425" rIns="91425" wrap="square" tIns="91425">
+            <a:bodyPr wrap="square" lIns="91425" tIns="91425" rIns="91425" bIns="91425" anchor="ctr" anchorCtr="0">
               <a:noAutofit/>
             </a:bodyPr>
             <a:lstStyle/>
@@ -9077,9 +9129,6 @@
                 </a:spcBef>
                 <a:buNone/>
               </a:pPr>
-              <a:r>
-                <a:t/>
-              </a:r>
               <a:endParaRPr/>
             </a:p>
           </p:txBody>
@@ -9104,7 +9153,7 @@
             </a:ln>
           </p:spPr>
           <p:txBody>
-            <a:bodyPr anchorCtr="0" anchor="b" bIns="91425" lIns="91425" rIns="91425" wrap="square" tIns="91425">
+            <a:bodyPr wrap="square" lIns="91425" tIns="91425" rIns="91425" bIns="91425" anchor="b" anchorCtr="0">
               <a:noAutofit/>
             </a:bodyPr>
             <a:lstStyle/>
@@ -9153,7 +9202,7 @@
             </a:ln>
           </p:spPr>
           <p:txBody>
-            <a:bodyPr anchorCtr="0" anchor="t" bIns="91425" lIns="91425" rIns="91425" wrap="square" tIns="91425">
+            <a:bodyPr wrap="square" lIns="91425" tIns="91425" rIns="91425" bIns="91425" anchor="t" anchorCtr="0">
               <a:noAutofit/>
             </a:bodyPr>
             <a:lstStyle/>
@@ -9172,7 +9221,7 @@
                 <a:buNone/>
               </a:pPr>
               <a:r>
-                <a:rPr b="1" lang="en" sz="800">
+                <a:rPr lang="en" sz="800" b="1">
                   <a:solidFill>
                     <a:srgbClr val="4285F4"/>
                   </a:solidFill>
@@ -9216,18 +9265,18 @@
               <a:avLst/>
             </a:prstGeom>
             <a:noFill/>
-            <a:ln cap="flat" cmpd="sng" w="38100">
+            <a:ln w="38100" cap="flat" cmpd="sng">
               <a:solidFill>
                 <a:srgbClr val="D9D9D9"/>
               </a:solidFill>
               <a:prstDash val="solid"/>
               <a:round/>
-              <a:headEnd len="med" w="med" type="none"/>
-              <a:tailEnd len="med" w="med" type="none"/>
+              <a:headEnd type="none" w="med" len="med"/>
+              <a:tailEnd type="none" w="med" len="med"/>
             </a:ln>
           </p:spPr>
           <p:txBody>
-            <a:bodyPr anchorCtr="0" anchor="ctr" bIns="91425" lIns="91425" rIns="91425" wrap="square" tIns="91425">
+            <a:bodyPr wrap="square" lIns="91425" tIns="91425" rIns="91425" bIns="91425" anchor="ctr" anchorCtr="0">
               <a:noAutofit/>
             </a:bodyPr>
             <a:lstStyle/>
@@ -9238,9 +9287,6 @@
                 </a:spcBef>
                 <a:buNone/>
               </a:pPr>
-              <a:r>
-                <a:t/>
-              </a:r>
               <a:endParaRPr/>
             </a:p>
           </p:txBody>
@@ -9265,12 +9311,12 @@
             </a:ln>
           </p:spPr>
           <p:txBody>
-            <a:bodyPr anchorCtr="0" anchor="b" bIns="91425" lIns="91425" rIns="91425" wrap="square" tIns="91425">
+            <a:bodyPr wrap="square" lIns="91425" tIns="91425" rIns="91425" bIns="91425" anchor="b" anchorCtr="0">
               <a:noAutofit/>
             </a:bodyPr>
             <a:lstStyle/>
             <a:p>
-              <a:pPr lvl="0" rtl="0" algn="ctr">
+              <a:pPr lvl="0" algn="ctr" rtl="0">
                 <a:lnSpc>
                   <a:spcPct val="100000"/>
                 </a:lnSpc>
@@ -9317,7 +9363,7 @@
             </a:ln>
           </p:spPr>
           <p:txBody>
-            <a:bodyPr anchorCtr="0" anchor="t" bIns="91425" lIns="91425" rIns="91425" wrap="square" tIns="91425">
+            <a:bodyPr wrap="square" lIns="91425" tIns="91425" rIns="91425" bIns="91425" anchor="t" anchorCtr="0">
               <a:noAutofit/>
             </a:bodyPr>
             <a:lstStyle/>
@@ -9336,7 +9382,7 @@
                 <a:buNone/>
               </a:pPr>
               <a:r>
-                <a:rPr b="1" lang="en" sz="800">
+                <a:rPr lang="en" sz="800" b="1">
                   <a:solidFill>
                     <a:srgbClr val="B7B7B7"/>
                   </a:solidFill>
@@ -9380,18 +9426,18 @@
               <a:avLst/>
             </a:prstGeom>
             <a:noFill/>
-            <a:ln cap="flat" cmpd="sng" w="38100">
+            <a:ln w="38100" cap="flat" cmpd="sng">
               <a:solidFill>
                 <a:srgbClr val="D9D9D9"/>
               </a:solidFill>
               <a:prstDash val="solid"/>
               <a:round/>
-              <a:headEnd len="med" w="med" type="none"/>
-              <a:tailEnd len="med" w="med" type="none"/>
+              <a:headEnd type="none" w="med" len="med"/>
+              <a:tailEnd type="none" w="med" len="med"/>
             </a:ln>
           </p:spPr>
           <p:txBody>
-            <a:bodyPr anchorCtr="0" anchor="ctr" bIns="91425" lIns="91425" rIns="91425" wrap="square" tIns="91425">
+            <a:bodyPr wrap="square" lIns="91425" tIns="91425" rIns="91425" bIns="91425" anchor="ctr" anchorCtr="0">
               <a:noAutofit/>
             </a:bodyPr>
             <a:lstStyle/>
@@ -9402,9 +9448,6 @@
                 </a:spcBef>
                 <a:buNone/>
               </a:pPr>
-              <a:r>
-                <a:t/>
-              </a:r>
               <a:endParaRPr/>
             </a:p>
           </p:txBody>
@@ -9429,12 +9472,12 @@
             </a:ln>
           </p:spPr>
           <p:txBody>
-            <a:bodyPr anchorCtr="0" anchor="b" bIns="91425" lIns="91425" rIns="91425" wrap="square" tIns="91425">
+            <a:bodyPr wrap="square" lIns="91425" tIns="91425" rIns="91425" bIns="91425" anchor="b" anchorCtr="0">
               <a:noAutofit/>
             </a:bodyPr>
             <a:lstStyle/>
             <a:p>
-              <a:pPr lvl="0" rtl="0" algn="ctr">
+              <a:pPr lvl="0" algn="ctr" rtl="0">
                 <a:lnSpc>
                   <a:spcPct val="115000"/>
                 </a:lnSpc>
@@ -9501,7 +9544,7 @@
             </a:ln>
           </p:spPr>
           <p:txBody>
-            <a:bodyPr anchorCtr="0" anchor="t" bIns="91425" lIns="91425" rIns="91425" wrap="square" tIns="91425">
+            <a:bodyPr wrap="square" lIns="91425" tIns="91425" rIns="91425" bIns="91425" anchor="t" anchorCtr="0">
               <a:noAutofit/>
             </a:bodyPr>
             <a:lstStyle/>
@@ -9520,7 +9563,7 @@
                 <a:buNone/>
               </a:pPr>
               <a:r>
-                <a:rPr b="1" lang="en" sz="800">
+                <a:rPr lang="en" sz="800" b="1">
                   <a:solidFill>
                     <a:srgbClr val="B7B7B7"/>
                   </a:solidFill>
@@ -9548,7 +9591,7 @@
           </a:xfrm>
           <a:prstGeom prst="roundRect">
             <a:avLst>
-              <a:gd fmla="val 50000" name="adj"/>
+              <a:gd name="adj" fmla="val 50000"/>
             </a:avLst>
           </a:prstGeom>
           <a:solidFill>
@@ -9559,7 +9602,7 @@
           </a:ln>
         </p:spPr>
         <p:txBody>
-          <a:bodyPr anchorCtr="0" anchor="ctr" bIns="91425" lIns="91425" rIns="91425" wrap="square" tIns="91425">
+          <a:bodyPr wrap="square" lIns="91425" tIns="91425" rIns="91425" bIns="91425" anchor="ctr" anchorCtr="0">
             <a:noAutofit/>
           </a:bodyPr>
           <a:lstStyle/>
@@ -9570,9 +9613,6 @@
               </a:spcBef>
               <a:buNone/>
             </a:pPr>
-            <a:r>
-              <a:t/>
-            </a:r>
             <a:endParaRPr/>
           </a:p>
         </p:txBody>
@@ -9590,7 +9630,7 @@
           </a:xfrm>
           <a:prstGeom prst="roundRect">
             <a:avLst>
-              <a:gd fmla="val 50000" name="adj"/>
+              <a:gd name="adj" fmla="val 50000"/>
             </a:avLst>
           </a:prstGeom>
           <a:solidFill>
@@ -9601,7 +9641,7 @@
           </a:ln>
         </p:spPr>
         <p:txBody>
-          <a:bodyPr anchorCtr="0" anchor="ctr" bIns="91425" lIns="91425" rIns="91425" wrap="square" tIns="91425">
+          <a:bodyPr wrap="square" lIns="91425" tIns="91425" rIns="91425" bIns="91425" anchor="ctr" anchorCtr="0">
             <a:noAutofit/>
           </a:bodyPr>
           <a:lstStyle/>
@@ -9612,9 +9652,6 @@
               </a:spcBef>
               <a:buNone/>
             </a:pPr>
-            <a:r>
-              <a:t/>
-            </a:r>
             <a:endParaRPr/>
           </a:p>
         </p:txBody>
@@ -9628,11 +9665,11 @@
 </file>
 
 <file path=ppt/slides/slide6.xml><?xml version="1.0" encoding="utf-8"?>
-<p:sld xmlns:a="http://schemas.openxmlformats.org/drawingml/2006/main" xmlns:r="http://schemas.openxmlformats.org/officeDocument/2006/relationships" xmlns:mc="http://schemas.openxmlformats.org/markup-compatibility/2006" xmlns:mv="urn:schemas-microsoft-com:mac:vml" xmlns:p="http://schemas.openxmlformats.org/presentationml/2006/main" xmlns:c="http://schemas.openxmlformats.org/drawingml/2006/chart" xmlns:dgm="http://schemas.openxmlformats.org/drawingml/2006/diagram" xmlns:o="urn:schemas-microsoft-com:office:office" xmlns:v="urn:schemas-microsoft-com:vml" xmlns:pvml="urn:schemas-microsoft-com:office:powerpoint" xmlns:com="http://schemas.openxmlformats.org/drawingml/2006/compatibility" xmlns:p14="http://schemas.microsoft.com/office/powerpoint/2010/main" xmlns:p15="http://schemas.microsoft.com/office/powerpoint/2012/main">
+<p:sld xmlns:a="http://schemas.openxmlformats.org/drawingml/2006/main" xmlns:r="http://schemas.openxmlformats.org/officeDocument/2006/relationships" xmlns:p="http://schemas.openxmlformats.org/presentationml/2006/main">
   <p:cSld>
     <p:spTree>
       <p:nvGrpSpPr>
-        <p:cNvPr id="181" name="Shape 181"/>
+        <p:cNvPr id="1" name="Shape 181"/>
         <p:cNvGrpSpPr/>
         <p:nvPr/>
       </p:nvGrpSpPr>
@@ -9647,7 +9684,9 @@
       <p:sp>
         <p:nvSpPr>
           <p:cNvPr id="182" name="Shape 182"/>
-          <p:cNvSpPr txBox="1"/>
+          <p:cNvSpPr txBox="1">
+            <a:spLocks noGrp="1"/>
+          </p:cNvSpPr>
           <p:nvPr>
             <p:ph type="title"/>
           </p:nvPr>
@@ -9662,7 +9701,7 @@
           </a:prstGeom>
         </p:spPr>
         <p:txBody>
-          <a:bodyPr anchorCtr="0" anchor="t" bIns="91425" lIns="91425" rIns="91425" wrap="square" tIns="91425">
+          <a:bodyPr wrap="square" lIns="91425" tIns="91425" rIns="91425" bIns="91425" anchor="t" anchorCtr="0">
             <a:noAutofit/>
           </a:bodyPr>
           <a:lstStyle/>
@@ -9688,9 +9727,11 @@
       <p:sp>
         <p:nvSpPr>
           <p:cNvPr id="183" name="Shape 183"/>
-          <p:cNvSpPr txBox="1"/>
+          <p:cNvSpPr txBox="1">
+            <a:spLocks noGrp="1"/>
+          </p:cNvSpPr>
           <p:nvPr>
-            <p:ph idx="1" type="body"/>
+            <p:ph type="body" idx="1"/>
           </p:nvPr>
         </p:nvSpPr>
         <p:spPr>
@@ -9703,12 +9744,12 @@
           </a:prstGeom>
         </p:spPr>
         <p:txBody>
-          <a:bodyPr anchorCtr="0" anchor="t" bIns="91425" lIns="91425" rIns="91425" wrap="square" tIns="91425">
+          <a:bodyPr wrap="square" lIns="91425" tIns="91425" rIns="91425" bIns="91425" anchor="t" anchorCtr="0">
             <a:noAutofit/>
           </a:bodyPr>
           <a:lstStyle/>
           <a:p>
-            <a:pPr indent="-381000" lvl="0" marL="457200" rtl="0">
+            <a:pPr marL="457200" lvl="0" indent="-381000" rtl="0">
               <a:spcBef>
                 <a:spcPts val="0"/>
               </a:spcBef>
@@ -9729,7 +9770,7 @@
             </a:r>
           </a:p>
           <a:p>
-            <a:pPr indent="-381000" lvl="0" marL="457200" rtl="0">
+            <a:pPr marL="457200" lvl="0" indent="-381000" rtl="0">
               <a:spcBef>
                 <a:spcPts val="0"/>
               </a:spcBef>
@@ -9750,7 +9791,7 @@
             </a:r>
           </a:p>
           <a:p>
-            <a:pPr indent="-381000" lvl="0" marL="457200" rtl="0">
+            <a:pPr marL="457200" lvl="0" indent="-381000" rtl="0">
               <a:spcBef>
                 <a:spcPts val="0"/>
               </a:spcBef>
@@ -9774,9 +9815,6 @@
               </a:spcBef>
               <a:buNone/>
             </a:pPr>
-            <a:r>
-              <a:t/>
-            </a:r>
             <a:endParaRPr/>
           </a:p>
         </p:txBody>
@@ -9790,11 +9828,11 @@
 </file>
 
 <file path=ppt/slides/slide7.xml><?xml version="1.0" encoding="utf-8"?>
-<p:sld xmlns:a="http://schemas.openxmlformats.org/drawingml/2006/main" xmlns:r="http://schemas.openxmlformats.org/officeDocument/2006/relationships" xmlns:mc="http://schemas.openxmlformats.org/markup-compatibility/2006" xmlns:mv="urn:schemas-microsoft-com:mac:vml" xmlns:p="http://schemas.openxmlformats.org/presentationml/2006/main" xmlns:c="http://schemas.openxmlformats.org/drawingml/2006/chart" xmlns:dgm="http://schemas.openxmlformats.org/drawingml/2006/diagram" xmlns:o="urn:schemas-microsoft-com:office:office" xmlns:v="urn:schemas-microsoft-com:vml" xmlns:pvml="urn:schemas-microsoft-com:office:powerpoint" xmlns:com="http://schemas.openxmlformats.org/drawingml/2006/compatibility" xmlns:p14="http://schemas.microsoft.com/office/powerpoint/2010/main" xmlns:p15="http://schemas.microsoft.com/office/powerpoint/2012/main">
+<p:sld xmlns:a="http://schemas.openxmlformats.org/drawingml/2006/main" xmlns:r="http://schemas.openxmlformats.org/officeDocument/2006/relationships" xmlns:p="http://schemas.openxmlformats.org/presentationml/2006/main">
   <p:cSld>
     <p:spTree>
       <p:nvGrpSpPr>
-        <p:cNvPr id="187" name="Shape 187"/>
+        <p:cNvPr id="1" name="Shape 187"/>
         <p:cNvGrpSpPr/>
         <p:nvPr/>
       </p:nvGrpSpPr>
@@ -9809,7 +9847,9 @@
       <p:sp>
         <p:nvSpPr>
           <p:cNvPr id="188" name="Shape 188"/>
-          <p:cNvSpPr txBox="1"/>
+          <p:cNvSpPr txBox="1">
+            <a:spLocks noGrp="1"/>
+          </p:cNvSpPr>
           <p:nvPr>
             <p:ph type="title"/>
           </p:nvPr>
@@ -9824,7 +9864,7 @@
           </a:prstGeom>
         </p:spPr>
         <p:txBody>
-          <a:bodyPr anchorCtr="0" anchor="t" bIns="91425" lIns="91425" rIns="91425" wrap="square" tIns="91425">
+          <a:bodyPr wrap="square" lIns="91425" tIns="91425" rIns="91425" bIns="91425" anchor="t" anchorCtr="0">
             <a:noAutofit/>
           </a:bodyPr>
           <a:lstStyle/>
@@ -9850,9 +9890,11 @@
       <p:sp>
         <p:nvSpPr>
           <p:cNvPr id="189" name="Shape 189"/>
-          <p:cNvSpPr txBox="1"/>
+          <p:cNvSpPr txBox="1">
+            <a:spLocks noGrp="1"/>
+          </p:cNvSpPr>
           <p:nvPr>
-            <p:ph idx="1" type="body"/>
+            <p:ph type="body" idx="1"/>
           </p:nvPr>
         </p:nvSpPr>
         <p:spPr>
@@ -9865,12 +9907,12 @@
           </a:prstGeom>
         </p:spPr>
         <p:txBody>
-          <a:bodyPr anchorCtr="0" anchor="t" bIns="91425" lIns="91425" rIns="91425" wrap="square" tIns="91425">
+          <a:bodyPr wrap="square" lIns="91425" tIns="91425" rIns="91425" bIns="91425" anchor="t" anchorCtr="0">
             <a:noAutofit/>
           </a:bodyPr>
           <a:lstStyle/>
           <a:p>
-            <a:pPr indent="-342900" lvl="0" marL="457200" rtl="0">
+            <a:pPr marL="457200" lvl="0" indent="-342900" rtl="0">
               <a:spcBef>
                 <a:spcPts val="0"/>
               </a:spcBef>
@@ -9892,7 +9934,7 @@
             </a:r>
           </a:p>
           <a:p>
-            <a:pPr indent="-342900" lvl="0" marL="457200" rtl="0">
+            <a:pPr marL="457200" lvl="0" indent="-342900" rtl="0">
               <a:spcBef>
                 <a:spcPts val="0"/>
               </a:spcBef>
@@ -9914,7 +9956,7 @@
             </a:r>
           </a:p>
           <a:p>
-            <a:pPr indent="-342900" lvl="0" marL="457200" rtl="0">
+            <a:pPr marL="457200" lvl="0" indent="-342900" rtl="0">
               <a:spcBef>
                 <a:spcPts val="0"/>
               </a:spcBef>
@@ -9943,11 +9985,11 @@
 </file>
 
 <file path=ppt/slides/slide8.xml><?xml version="1.0" encoding="utf-8"?>
-<p:sld xmlns:a="http://schemas.openxmlformats.org/drawingml/2006/main" xmlns:r="http://schemas.openxmlformats.org/officeDocument/2006/relationships" xmlns:mc="http://schemas.openxmlformats.org/markup-compatibility/2006" xmlns:mv="urn:schemas-microsoft-com:mac:vml" xmlns:p="http://schemas.openxmlformats.org/presentationml/2006/main" xmlns:c="http://schemas.openxmlformats.org/drawingml/2006/chart" xmlns:dgm="http://schemas.openxmlformats.org/drawingml/2006/diagram" xmlns:o="urn:schemas-microsoft-com:office:office" xmlns:v="urn:schemas-microsoft-com:vml" xmlns:pvml="urn:schemas-microsoft-com:office:powerpoint" xmlns:com="http://schemas.openxmlformats.org/drawingml/2006/compatibility" xmlns:p14="http://schemas.microsoft.com/office/powerpoint/2010/main" xmlns:p15="http://schemas.microsoft.com/office/powerpoint/2012/main">
+<p:sld xmlns:a="http://schemas.openxmlformats.org/drawingml/2006/main" xmlns:r="http://schemas.openxmlformats.org/officeDocument/2006/relationships" xmlns:p="http://schemas.openxmlformats.org/presentationml/2006/main">
   <p:cSld>
     <p:spTree>
       <p:nvGrpSpPr>
-        <p:cNvPr id="193" name="Shape 193"/>
+        <p:cNvPr id="1" name="Shape 193"/>
         <p:cNvGrpSpPr/>
         <p:nvPr/>
       </p:nvGrpSpPr>
@@ -9962,7 +10004,9 @@
       <p:sp>
         <p:nvSpPr>
           <p:cNvPr id="194" name="Shape 194"/>
-          <p:cNvSpPr txBox="1"/>
+          <p:cNvSpPr txBox="1">
+            <a:spLocks noGrp="1"/>
+          </p:cNvSpPr>
           <p:nvPr>
             <p:ph type="title"/>
           </p:nvPr>
@@ -9977,7 +10021,7 @@
           </a:prstGeom>
         </p:spPr>
         <p:txBody>
-          <a:bodyPr anchorCtr="0" anchor="t" bIns="91425" lIns="91425" rIns="91425" wrap="square" tIns="91425">
+          <a:bodyPr wrap="square" lIns="91425" tIns="91425" rIns="91425" bIns="91425" anchor="t" anchorCtr="0">
             <a:noAutofit/>
           </a:bodyPr>
           <a:lstStyle/>
@@ -10003,9 +10047,11 @@
       <p:sp>
         <p:nvSpPr>
           <p:cNvPr id="195" name="Shape 195"/>
-          <p:cNvSpPr txBox="1"/>
+          <p:cNvSpPr txBox="1">
+            <a:spLocks noGrp="1"/>
+          </p:cNvSpPr>
           <p:nvPr>
-            <p:ph idx="1" type="body"/>
+            <p:ph type="body" idx="1"/>
           </p:nvPr>
         </p:nvSpPr>
         <p:spPr>
@@ -10018,12 +10064,12 @@
           </a:prstGeom>
         </p:spPr>
         <p:txBody>
-          <a:bodyPr anchorCtr="0" anchor="t" bIns="91425" lIns="91425" rIns="91425" wrap="square" tIns="91425">
+          <a:bodyPr wrap="square" lIns="91425" tIns="91425" rIns="91425" bIns="91425" anchor="t" anchorCtr="0">
             <a:noAutofit/>
           </a:bodyPr>
           <a:lstStyle/>
           <a:p>
-            <a:pPr indent="-342900" lvl="0" marL="457200">
+            <a:pPr marL="457200" lvl="0" indent="-342900">
               <a:spcBef>
                 <a:spcPts val="0"/>
               </a:spcBef>
@@ -10045,7 +10091,7 @@
             </a:r>
           </a:p>
           <a:p>
-            <a:pPr indent="-342900" lvl="0" marL="457200">
+            <a:pPr marL="457200" lvl="0" indent="-342900">
               <a:spcBef>
                 <a:spcPts val="0"/>
               </a:spcBef>
@@ -10067,7 +10113,7 @@
             </a:r>
           </a:p>
           <a:p>
-            <a:pPr indent="-342900" lvl="0" marL="457200">
+            <a:pPr marL="457200" lvl="0" indent="-342900">
               <a:spcBef>
                 <a:spcPts val="0"/>
               </a:spcBef>
@@ -10092,9 +10138,6 @@
               </a:spcBef>
               <a:buNone/>
             </a:pPr>
-            <a:r>
-              <a:t/>
-            </a:r>
             <a:endParaRPr>
               <a:latin typeface="Times New Roman"/>
               <a:ea typeface="Times New Roman"/>
@@ -10113,7 +10156,7 @@
 </file>
 
 <file path=ppt/theme/theme1.xml><?xml version="1.0" encoding="utf-8"?>
-<a:theme xmlns:a="http://schemas.openxmlformats.org/drawingml/2006/main" xmlns:r="http://schemas.openxmlformats.org/officeDocument/2006/relationships" name="Focus">
+<a:theme xmlns:a="http://schemas.openxmlformats.org/drawingml/2006/main" name="Focus">
   <a:themeElements>
     <a:clrScheme name="Focus">
       <a:dk1>
@@ -10388,11 +10431,13 @@
       </a:bgFillStyleLst>
     </a:fmtScheme>
   </a:themeElements>
+  <a:objectDefaults/>
+  <a:extraClrSchemeLst/>
 </a:theme>
 </file>
 
 <file path=ppt/theme/theme2.xml><?xml version="1.0" encoding="utf-8"?>
-<a:theme xmlns:a="http://schemas.openxmlformats.org/drawingml/2006/main" xmlns:r="http://schemas.openxmlformats.org/officeDocument/2006/relationships" name="Custom Theme">
+<a:theme xmlns:a="http://schemas.openxmlformats.org/drawingml/2006/main" name="Custom Theme">
   <a:themeElements>
     <a:clrScheme name="Default">
       <a:dk1>
@@ -10667,5 +10712,7 @@
       </a:bgFillStyleLst>
     </a:fmtScheme>
   </a:themeElements>
+  <a:objectDefaults/>
+  <a:extraClrSchemeLst/>
 </a:theme>
 </file>
--- a/Food Image Recognition - Project Planning.pptx
+++ b/Food Image Recognition - Project Planning.pptx
@@ -221,6 +221,11 @@
       </a:defRPr>
     </a:lvl9pPr>
   </p:defaultTextStyle>
+  <p:extLst>
+    <p:ext uri="{EFAFB233-063F-42B5-8137-9DF3F51BA10A}">
+      <p15:sldGuideLst xmlns:p15="http://schemas.microsoft.com/office/powerpoint/2012/main"/>
+    </p:ext>
+  </p:extLst>
 </p:presentation>
 </file>
 
@@ -730,7 +735,7 @@
         </p:nvSpPr>
         <p:spPr>
           <a:xfrm>
-            <a:off x="381300" y="685800"/>
+            <a:off x="381000" y="685800"/>
             <a:ext cx="6096000" cy="3429000"/>
           </a:xfrm>
           <a:custGeom>
@@ -8254,7 +8259,7 @@
           </a:bodyPr>
           <a:lstStyle/>
           <a:p>
-            <a:pPr marL="457200" lvl="0" indent="-342900" rtl="0">
+            <a:pPr marL="400050" lvl="0" indent="-285750" rtl="0">
               <a:spcBef>
                 <a:spcPts val="0"/>
               </a:spcBef>
@@ -8262,11 +8267,11 @@
                 <a:spcPts val="0"/>
               </a:spcAft>
               <a:buSzPct val="100000"/>
-              <a:buFont typeface="Times New Roman"/>
-              <a:buAutoNum type="arabicPeriod"/>
+              <a:buFont typeface="Wingdings" charset="2"/>
+              <a:buChar char="v"/>
             </a:pPr>
             <a:r>
-              <a:rPr lang="en" sz="1800">
+              <a:rPr lang="en" sz="1800" dirty="0">
                 <a:latin typeface="Times New Roman"/>
                 <a:ea typeface="Times New Roman"/>
                 <a:cs typeface="Times New Roman"/>
@@ -8276,19 +8281,13 @@
             </a:r>
           </a:p>
           <a:p>
-            <a:pPr marL="914400" lvl="0" indent="-342900" rtl="0">
-              <a:spcBef>
-                <a:spcPts val="0"/>
-              </a:spcBef>
+            <a:pPr marL="857250" indent="-285750">
               <a:spcAft>
                 <a:spcPts val="0"/>
               </a:spcAft>
-              <a:buSzPct val="100000"/>
-              <a:buFont typeface="Times New Roman"/>
-              <a:buChar char="❖"/>
             </a:pPr>
             <a:r>
-              <a:rPr lang="en" sz="1800">
+              <a:rPr lang="en" sz="1800" dirty="0">
                 <a:latin typeface="Times New Roman"/>
                 <a:ea typeface="Times New Roman"/>
                 <a:cs typeface="Times New Roman"/>
@@ -8298,19 +8297,13 @@
             </a:r>
           </a:p>
           <a:p>
-            <a:pPr marL="914400" lvl="0" indent="-342900" rtl="0">
-              <a:spcBef>
-                <a:spcPts val="0"/>
-              </a:spcBef>
+            <a:pPr marL="857250" indent="-285750">
               <a:spcAft>
                 <a:spcPts val="0"/>
               </a:spcAft>
-              <a:buSzPct val="100000"/>
-              <a:buFont typeface="Times New Roman"/>
-              <a:buChar char="❖"/>
             </a:pPr>
             <a:r>
-              <a:rPr lang="en" sz="1800">
+              <a:rPr lang="en" sz="1800" dirty="0">
                 <a:latin typeface="Times New Roman"/>
                 <a:ea typeface="Times New Roman"/>
                 <a:cs typeface="Times New Roman"/>
@@ -8320,19 +8313,13 @@
             </a:r>
           </a:p>
           <a:p>
-            <a:pPr marL="914400" lvl="0" indent="-342900" rtl="0">
-              <a:spcBef>
-                <a:spcPts val="0"/>
-              </a:spcBef>
+            <a:pPr marL="857250" indent="-285750">
               <a:spcAft>
                 <a:spcPts val="0"/>
               </a:spcAft>
-              <a:buSzPct val="100000"/>
-              <a:buFont typeface="Times New Roman"/>
-              <a:buChar char="❖"/>
             </a:pPr>
             <a:r>
-              <a:rPr lang="en" sz="1800">
+              <a:rPr lang="en" sz="1800" dirty="0">
                 <a:latin typeface="Times New Roman"/>
                 <a:ea typeface="Times New Roman"/>
                 <a:cs typeface="Times New Roman"/>
@@ -8342,7 +8329,7 @@
             </a:r>
           </a:p>
           <a:p>
-            <a:pPr marL="457200" lvl="0" indent="-342900" rtl="0">
+            <a:pPr marL="400050" lvl="0" indent="-285750" rtl="0">
               <a:spcBef>
                 <a:spcPts val="0"/>
               </a:spcBef>
@@ -8350,11 +8337,11 @@
                 <a:spcPts val="0"/>
               </a:spcAft>
               <a:buSzPct val="100000"/>
-              <a:buFont typeface="Times New Roman"/>
-              <a:buAutoNum type="arabicPeriod"/>
+              <a:buFont typeface="Wingdings" charset="2"/>
+              <a:buChar char="v"/>
             </a:pPr>
             <a:r>
-              <a:rPr lang="en" sz="1800">
+              <a:rPr lang="en" sz="1800" dirty="0">
                 <a:latin typeface="Times New Roman"/>
                 <a:ea typeface="Times New Roman"/>
                 <a:cs typeface="Times New Roman"/>
@@ -8364,19 +8351,13 @@
             </a:r>
           </a:p>
           <a:p>
-            <a:pPr marL="914400" lvl="0" indent="-342900" rtl="0">
-              <a:spcBef>
-                <a:spcPts val="0"/>
-              </a:spcBef>
+            <a:pPr marL="857250" indent="-285750">
               <a:spcAft>
                 <a:spcPts val="0"/>
               </a:spcAft>
-              <a:buSzPct val="100000"/>
-              <a:buFont typeface="Times New Roman"/>
-              <a:buChar char="❖"/>
             </a:pPr>
             <a:r>
-              <a:rPr lang="en" sz="1800">
+              <a:rPr lang="en" sz="1800" dirty="0" err="1">
                 <a:latin typeface="Times New Roman"/>
                 <a:ea typeface="Times New Roman"/>
                 <a:cs typeface="Times New Roman"/>
@@ -8384,21 +8365,21 @@
               </a:rPr>
               <a:t>TensorFlow</a:t>
             </a:r>
+            <a:endParaRPr lang="en" sz="1800" dirty="0">
+              <a:latin typeface="Times New Roman"/>
+              <a:ea typeface="Times New Roman"/>
+              <a:cs typeface="Times New Roman"/>
+              <a:sym typeface="Times New Roman"/>
+            </a:endParaRPr>
           </a:p>
           <a:p>
-            <a:pPr marL="914400" lvl="0" indent="-342900" rtl="0">
-              <a:spcBef>
-                <a:spcPts val="0"/>
-              </a:spcBef>
+            <a:pPr marL="857250" indent="-285750">
               <a:spcAft>
                 <a:spcPts val="0"/>
               </a:spcAft>
-              <a:buSzPct val="100000"/>
-              <a:buFont typeface="Times New Roman"/>
-              <a:buChar char="❖"/>
             </a:pPr>
             <a:r>
-              <a:rPr lang="en" sz="1800">
+              <a:rPr lang="en" sz="1800" dirty="0">
                 <a:latin typeface="Times New Roman"/>
                 <a:ea typeface="Times New Roman"/>
                 <a:cs typeface="Times New Roman"/>
@@ -8408,19 +8389,13 @@
             </a:r>
           </a:p>
           <a:p>
-            <a:pPr marL="914400" lvl="0" indent="-342900" rtl="0">
-              <a:spcBef>
-                <a:spcPts val="0"/>
-              </a:spcBef>
+            <a:pPr marL="857250" indent="-285750">
               <a:spcAft>
                 <a:spcPts val="0"/>
               </a:spcAft>
-              <a:buSzPct val="100000"/>
-              <a:buFont typeface="Times New Roman"/>
-              <a:buChar char="❖"/>
             </a:pPr>
             <a:r>
-              <a:rPr lang="en" sz="1800">
+              <a:rPr lang="en" sz="1800" dirty="0">
                 <a:latin typeface="Times New Roman"/>
                 <a:ea typeface="Times New Roman"/>
                 <a:cs typeface="Times New Roman"/>
@@ -8430,7 +8405,7 @@
             </a:r>
           </a:p>
           <a:p>
-            <a:pPr marL="457200" lvl="0" indent="-342900" rtl="0">
+            <a:pPr marL="400050" lvl="0" indent="-285750" rtl="0">
               <a:spcBef>
                 <a:spcPts val="0"/>
               </a:spcBef>
@@ -8438,11 +8413,11 @@
                 <a:spcPts val="0"/>
               </a:spcAft>
               <a:buSzPct val="100000"/>
-              <a:buFont typeface="Times New Roman"/>
-              <a:buAutoNum type="arabicPeriod"/>
+              <a:buFont typeface="Wingdings" charset="2"/>
+              <a:buChar char="v"/>
             </a:pPr>
             <a:r>
-              <a:rPr lang="en" sz="1800">
+              <a:rPr lang="en" sz="1800" dirty="0">
                 <a:latin typeface="Times New Roman"/>
                 <a:ea typeface="Times New Roman"/>
                 <a:cs typeface="Times New Roman"/>
@@ -8452,19 +8427,15 @@
             </a:r>
           </a:p>
           <a:p>
-            <a:pPr marL="457200" lvl="0" indent="-342900" rtl="0">
-              <a:spcBef>
-                <a:spcPts val="0"/>
-              </a:spcBef>
+            <a:pPr marL="400050" indent="-285750">
               <a:spcAft>
                 <a:spcPts val="0"/>
               </a:spcAft>
-              <a:buSzPct val="100000"/>
-              <a:buFont typeface="Times New Roman"/>
-              <a:buAutoNum type="arabicPeriod"/>
+              <a:buFont typeface="Wingdings" charset="2"/>
+              <a:buChar char="v"/>
             </a:pPr>
             <a:r>
-              <a:rPr lang="en" sz="1800">
+              <a:rPr lang="en" sz="1800" dirty="0">
                 <a:latin typeface="Times New Roman"/>
                 <a:ea typeface="Times New Roman"/>
                 <a:cs typeface="Times New Roman"/>
@@ -8474,16 +8445,9 @@
             </a:r>
           </a:p>
           <a:p>
-            <a:pPr marL="914400" lvl="0" indent="-342900">
-              <a:spcBef>
-                <a:spcPts val="0"/>
-              </a:spcBef>
-              <a:buSzPct val="100000"/>
-              <a:buFont typeface="Times New Roman"/>
-              <a:buChar char="❖"/>
-            </a:pPr>
+            <a:pPr marL="857250" indent="-285750"/>
             <a:r>
-              <a:rPr lang="en" sz="1800">
+              <a:rPr lang="en" sz="1800" dirty="0">
                 <a:latin typeface="Times New Roman"/>
                 <a:ea typeface="Times New Roman"/>
                 <a:cs typeface="Times New Roman"/>
